--- a/10.5.Boosting/boosting.pptx
+++ b/10.5.Boosting/boosting.pptx
@@ -5,17 +5,16 @@
     <p:sldMasterId id="2147483648" r:id="rId1"/>
   </p:sldMasterIdLst>
   <p:sldIdLst>
-    <p:sldId id="256" r:id="rId2"/>
-    <p:sldId id="274" r:id="rId3"/>
-    <p:sldId id="275" r:id="rId4"/>
-    <p:sldId id="276" r:id="rId5"/>
-    <p:sldId id="277" r:id="rId6"/>
-    <p:sldId id="278" r:id="rId7"/>
-    <p:sldId id="289" r:id="rId8"/>
-    <p:sldId id="290" r:id="rId9"/>
-    <p:sldId id="291" r:id="rId10"/>
-    <p:sldId id="292" r:id="rId11"/>
-    <p:sldId id="293" r:id="rId12"/>
+    <p:sldId id="274" r:id="rId2"/>
+    <p:sldId id="275" r:id="rId3"/>
+    <p:sldId id="276" r:id="rId4"/>
+    <p:sldId id="277" r:id="rId5"/>
+    <p:sldId id="278" r:id="rId6"/>
+    <p:sldId id="289" r:id="rId7"/>
+    <p:sldId id="290" r:id="rId8"/>
+    <p:sldId id="291" r:id="rId9"/>
+    <p:sldId id="292" r:id="rId10"/>
+    <p:sldId id="293" r:id="rId11"/>
   </p:sldIdLst>
   <p:sldSz cx="12192000" cy="6858000"/>
   <p:notesSz cx="6858000" cy="9144000"/>
@@ -114,6 +113,11 @@
       </a:defRPr>
     </a:lvl9pPr>
   </p:defaultTextStyle>
+  <p:extLst>
+    <p:ext uri="{EFAFB233-063F-42B5-8137-9DF3F51BA10A}">
+      <p15:sldGuideLst xmlns:p15="http://schemas.microsoft.com/office/powerpoint/2012/main"/>
+    </p:ext>
+  </p:extLst>
 </p:presentation>
 </file>
 
@@ -264,7 +268,7 @@
           <a:p>
             <a:fld id="{BBBB8619-4C28-8C4A-9BBF-4AF09758B379}" type="datetimeFigureOut">
               <a:rPr lang="en-US" smtClean="0"/>
-              <a:t>1/27/25</a:t>
+              <a:t>2/2/25</a:t>
             </a:fld>
             <a:endParaRPr lang="en-US"/>
           </a:p>
@@ -462,7 +466,7 @@
           <a:p>
             <a:fld id="{BBBB8619-4C28-8C4A-9BBF-4AF09758B379}" type="datetimeFigureOut">
               <a:rPr lang="en-US" smtClean="0"/>
-              <a:t>1/27/25</a:t>
+              <a:t>2/2/25</a:t>
             </a:fld>
             <a:endParaRPr lang="en-US"/>
           </a:p>
@@ -670,7 +674,7 @@
           <a:p>
             <a:fld id="{BBBB8619-4C28-8C4A-9BBF-4AF09758B379}" type="datetimeFigureOut">
               <a:rPr lang="en-US" smtClean="0"/>
-              <a:t>1/27/25</a:t>
+              <a:t>2/2/25</a:t>
             </a:fld>
             <a:endParaRPr lang="en-US"/>
           </a:p>
@@ -1070,7 +1074,7 @@
           <a:p>
             <a:fld id="{BBBB8619-4C28-8C4A-9BBF-4AF09758B379}" type="datetimeFigureOut">
               <a:rPr lang="en-US" smtClean="0"/>
-              <a:t>1/27/25</a:t>
+              <a:t>2/2/25</a:t>
             </a:fld>
             <a:endParaRPr lang="en-US"/>
           </a:p>
@@ -1345,7 +1349,7 @@
           <a:p>
             <a:fld id="{BBBB8619-4C28-8C4A-9BBF-4AF09758B379}" type="datetimeFigureOut">
               <a:rPr lang="en-US" smtClean="0"/>
-              <a:t>1/27/25</a:t>
+              <a:t>2/2/25</a:t>
             </a:fld>
             <a:endParaRPr lang="en-US"/>
           </a:p>
@@ -1610,7 +1614,7 @@
           <a:p>
             <a:fld id="{BBBB8619-4C28-8C4A-9BBF-4AF09758B379}" type="datetimeFigureOut">
               <a:rPr lang="en-US" smtClean="0"/>
-              <a:t>1/27/25</a:t>
+              <a:t>2/2/25</a:t>
             </a:fld>
             <a:endParaRPr lang="en-US"/>
           </a:p>
@@ -2022,7 +2026,7 @@
           <a:p>
             <a:fld id="{BBBB8619-4C28-8C4A-9BBF-4AF09758B379}" type="datetimeFigureOut">
               <a:rPr lang="en-US" smtClean="0"/>
-              <a:t>1/27/25</a:t>
+              <a:t>2/2/25</a:t>
             </a:fld>
             <a:endParaRPr lang="en-US"/>
           </a:p>
@@ -2163,7 +2167,7 @@
           <a:p>
             <a:fld id="{BBBB8619-4C28-8C4A-9BBF-4AF09758B379}" type="datetimeFigureOut">
               <a:rPr lang="en-US" smtClean="0"/>
-              <a:t>1/27/25</a:t>
+              <a:t>2/2/25</a:t>
             </a:fld>
             <a:endParaRPr lang="en-US"/>
           </a:p>
@@ -2276,7 +2280,7 @@
           <a:p>
             <a:fld id="{BBBB8619-4C28-8C4A-9BBF-4AF09758B379}" type="datetimeFigureOut">
               <a:rPr lang="en-US" smtClean="0"/>
-              <a:t>1/27/25</a:t>
+              <a:t>2/2/25</a:t>
             </a:fld>
             <a:endParaRPr lang="en-US"/>
           </a:p>
@@ -2587,7 +2591,7 @@
           <a:p>
             <a:fld id="{BBBB8619-4C28-8C4A-9BBF-4AF09758B379}" type="datetimeFigureOut">
               <a:rPr lang="en-US" smtClean="0"/>
-              <a:t>1/27/25</a:t>
+              <a:t>2/2/25</a:t>
             </a:fld>
             <a:endParaRPr lang="en-US"/>
           </a:p>
@@ -2875,7 +2879,7 @@
           <a:p>
             <a:fld id="{BBBB8619-4C28-8C4A-9BBF-4AF09758B379}" type="datetimeFigureOut">
               <a:rPr lang="en-US" smtClean="0"/>
-              <a:t>1/27/25</a:t>
+              <a:t>2/2/25</a:t>
             </a:fld>
             <a:endParaRPr lang="en-US"/>
           </a:p>
@@ -3116,7 +3120,7 @@
           <a:p>
             <a:fld id="{BBBB8619-4C28-8C4A-9BBF-4AF09758B379}" type="datetimeFigureOut">
               <a:rPr lang="en-US" smtClean="0"/>
-              <a:t>1/27/25</a:t>
+              <a:t>2/2/25</a:t>
             </a:fld>
             <a:endParaRPr lang="en-US"/>
           </a:p>
@@ -3535,1817 +3539,24 @@
           <a:chExt cx="0" cy="0"/>
         </a:xfrm>
       </p:grpSpPr>
-      <p:sp>
-        <p:nvSpPr>
-          <p:cNvPr id="2" name="Title 1">
-            <a:extLst>
-              <a:ext uri="{FF2B5EF4-FFF2-40B4-BE49-F238E27FC236}">
-                <a16:creationId xmlns:a16="http://schemas.microsoft.com/office/drawing/2014/main" id="{DB83B29C-4DF9-66BD-5068-FC62D266420D}"/>
-              </a:ext>
-            </a:extLst>
-          </p:cNvPr>
-          <p:cNvSpPr>
-            <a:spLocks noGrp="1"/>
-          </p:cNvSpPr>
-          <p:nvPr>
-            <p:ph type="ctrTitle"/>
-          </p:nvPr>
-        </p:nvSpPr>
-        <p:spPr/>
-        <p:txBody>
-          <a:bodyPr/>
-          <a:lstStyle/>
-          <a:p>
-            <a:endParaRPr lang="en-US"/>
-          </a:p>
-        </p:txBody>
-      </p:sp>
-      <p:sp>
-        <p:nvSpPr>
-          <p:cNvPr id="3" name="Subtitle 2">
-            <a:extLst>
-              <a:ext uri="{FF2B5EF4-FFF2-40B4-BE49-F238E27FC236}">
-                <a16:creationId xmlns:a16="http://schemas.microsoft.com/office/drawing/2014/main" id="{9E9C15F7-5EF6-44DC-6ABA-6B5E78E6C7DD}"/>
-              </a:ext>
-            </a:extLst>
-          </p:cNvPr>
-          <p:cNvSpPr>
-            <a:spLocks noGrp="1"/>
-          </p:cNvSpPr>
-          <p:nvPr>
-            <p:ph type="subTitle" idx="1"/>
-          </p:nvPr>
-        </p:nvSpPr>
-        <p:spPr/>
-        <p:txBody>
-          <a:bodyPr/>
-          <a:lstStyle/>
-          <a:p>
-            <a:endParaRPr lang="en-US"/>
-          </a:p>
-        </p:txBody>
-      </p:sp>
-    </p:spTree>
-    <p:extLst>
-      <p:ext uri="{BB962C8B-B14F-4D97-AF65-F5344CB8AC3E}">
-        <p14:creationId xmlns:p14="http://schemas.microsoft.com/office/powerpoint/2010/main" val="2115246131"/>
-      </p:ext>
-    </p:extLst>
-  </p:cSld>
-  <p:clrMapOvr>
-    <a:masterClrMapping/>
-  </p:clrMapOvr>
-</p:sld>
-</file>
-
-<file path=ppt/slides/slide10.xml><?xml version="1.0" encoding="utf-8"?>
-<p:sld xmlns:a="http://schemas.openxmlformats.org/drawingml/2006/main" xmlns:r="http://schemas.openxmlformats.org/officeDocument/2006/relationships" xmlns:p="http://schemas.openxmlformats.org/presentationml/2006/main">
-  <p:cSld>
-    <p:spTree>
-      <p:nvGrpSpPr>
-        <p:cNvPr id="1" name=""/>
-        <p:cNvGrpSpPr/>
-        <p:nvPr/>
-      </p:nvGrpSpPr>
-      <p:grpSpPr>
-        <a:xfrm>
-          <a:off x="0" y="0"/>
-          <a:ext cx="0" cy="0"/>
-          <a:chOff x="0" y="0"/>
-          <a:chExt cx="0" cy="0"/>
-        </a:xfrm>
-      </p:grpSpPr>
-      <p:sp>
-        <p:nvSpPr>
-          <p:cNvPr id="1182" name="Logitboost as gradient descent"/>
-          <p:cNvSpPr txBox="1">
-            <a:spLocks noGrp="1"/>
-          </p:cNvSpPr>
-          <p:nvPr>
-            <p:ph type="title"/>
-          </p:nvPr>
-        </p:nvSpPr>
-        <p:spPr>
-          <a:xfrm>
-            <a:off x="2209800" y="50800"/>
-            <a:ext cx="7772400" cy="873864"/>
-          </a:xfrm>
-          <a:prstGeom prst="rect">
-            <a:avLst/>
-          </a:prstGeom>
-        </p:spPr>
-        <p:txBody>
-          <a:bodyPr/>
-          <a:lstStyle/>
-          <a:p>
-            <a:r>
-              <a:t>Logitboost as gradient descent</a:t>
-            </a:r>
-          </a:p>
-        </p:txBody>
-      </p:sp>
-      <p:grpSp>
-        <p:nvGrpSpPr>
-          <p:cNvPr id="1200" name="Group"/>
-          <p:cNvGrpSpPr/>
-          <p:nvPr/>
-        </p:nvGrpSpPr>
-        <p:grpSpPr>
-          <a:xfrm>
-            <a:off x="3492500" y="2133600"/>
-            <a:ext cx="5281613" cy="4902200"/>
-            <a:chOff x="0" y="0"/>
-            <a:chExt cx="10563225" cy="9804400"/>
-          </a:xfrm>
-        </p:grpSpPr>
-        <p:sp>
-          <p:nvSpPr>
-            <p:cNvPr id="1183" name="Correct"/>
-            <p:cNvSpPr/>
-            <p:nvPr/>
-          </p:nvSpPr>
-          <p:spPr>
-            <a:xfrm>
-              <a:off x="6731000" y="8534400"/>
-              <a:ext cx="1270000" cy="1270000"/>
-            </a:xfrm>
-            <a:prstGeom prst="line">
-              <a:avLst/>
-            </a:prstGeom>
-            <a:noFill/>
-            <a:ln w="25400" cap="flat">
-              <a:noFill/>
-              <a:miter lim="400000"/>
-            </a:ln>
-            <a:effectLst/>
-            <a:extLst>
-              <a:ext uri="{C572A759-6A51-4108-AA02-DFA0A04FC94B}">
-                <ma14:wrappingTextBoxFlag xmlns="" xmlns:m="http://schemas.openxmlformats.org/officeDocument/2006/math" xmlns:a14="http://schemas.microsoft.com/office/drawing/2010/main" xmlns:ma14="http://schemas.microsoft.com/office/mac/drawingml/2011/main" val="1"/>
-              </a:ext>
-            </a:extLst>
-          </p:spPr>
-          <p:txBody>
-            <a:bodyPr wrap="none" lIns="50800" tIns="50800" rIns="50800" bIns="50800" numCol="1" anchor="t">
-              <a:spAutoFit/>
-            </a:bodyPr>
-            <a:lstStyle>
-              <a:lvl1pPr marL="81279" marR="81279" defTabSz="1828800">
-                <a:buClr>
-                  <a:srgbClr val="434ED6"/>
-                </a:buClr>
-                <a:buFont typeface="Times New Roman"/>
-                <a:defRPr sz="4800">
-                  <a:solidFill>
-                    <a:srgbClr val="434ED6"/>
-                  </a:solidFill>
-                  <a:uFill>
-                    <a:solidFill>
-                      <a:srgbClr val="434ED6"/>
-                    </a:solidFill>
-                  </a:uFill>
-                  <a:latin typeface="+mn-lt"/>
-                  <a:ea typeface="+mn-ea"/>
-                  <a:cs typeface="+mn-cs"/>
-                  <a:sym typeface="Times New Roman"/>
-                </a:defRPr>
-              </a:lvl1pPr>
-            </a:lstStyle>
-            <a:p>
-              <a:r>
-                <a:rPr sz="2400"/>
-                <a:t>Correct</a:t>
-              </a:r>
-            </a:p>
-          </p:txBody>
-        </p:sp>
-        <p:sp>
-          <p:nvSpPr>
-            <p:cNvPr id="1184" name="Line"/>
-            <p:cNvSpPr/>
-            <p:nvPr/>
-          </p:nvSpPr>
-          <p:spPr>
-            <a:xfrm flipH="1" flipV="1">
-              <a:off x="4521200" y="0"/>
-              <a:ext cx="3175" cy="6858000"/>
-            </a:xfrm>
-            <a:prstGeom prst="line">
-              <a:avLst/>
-            </a:prstGeom>
-            <a:noFill/>
-            <a:ln w="12700" cap="flat">
-              <a:solidFill>
-                <a:srgbClr val="000000"/>
-              </a:solidFill>
-              <a:prstDash val="solid"/>
-              <a:round/>
-              <a:tailEnd type="triangle" w="med" len="med"/>
-            </a:ln>
-            <a:effectLst/>
-          </p:spPr>
-          <p:txBody>
-            <a:bodyPr wrap="square" lIns="50800" tIns="50800" rIns="50800" bIns="50800" numCol="1" anchor="ctr">
-              <a:noAutofit/>
-            </a:bodyPr>
-            <a:lstStyle/>
-            <a:p>
-              <a:endParaRPr sz="900"/>
-            </a:p>
-          </p:txBody>
-        </p:sp>
-        <p:sp>
-          <p:nvSpPr>
-            <p:cNvPr id="1185" name="Margin"/>
-            <p:cNvSpPr/>
-            <p:nvPr/>
-          </p:nvSpPr>
-          <p:spPr>
-            <a:xfrm>
-              <a:off x="9293225" y="7038975"/>
-              <a:ext cx="1270000" cy="1270000"/>
-            </a:xfrm>
-            <a:prstGeom prst="line">
-              <a:avLst/>
-            </a:prstGeom>
-            <a:noFill/>
-            <a:ln w="25400" cap="flat">
-              <a:noFill/>
-              <a:miter lim="400000"/>
-            </a:ln>
-            <a:effectLst/>
-            <a:extLst>
-              <a:ext uri="{C572A759-6A51-4108-AA02-DFA0A04FC94B}">
-                <ma14:wrappingTextBoxFlag xmlns="" xmlns:m="http://schemas.openxmlformats.org/officeDocument/2006/math" xmlns:a14="http://schemas.microsoft.com/office/drawing/2010/main" xmlns:ma14="http://schemas.microsoft.com/office/mac/drawingml/2011/main" val="1"/>
-              </a:ext>
-            </a:extLst>
-          </p:spPr>
-          <p:txBody>
-            <a:bodyPr wrap="none" lIns="50800" tIns="50800" rIns="50800" bIns="50800" numCol="1" anchor="t">
-              <a:spAutoFit/>
-            </a:bodyPr>
-            <a:lstStyle>
-              <a:lvl1pPr marL="81279" marR="81279" defTabSz="1828800">
-                <a:buClr>
-                  <a:srgbClr val="434ED6"/>
-                </a:buClr>
-                <a:buFont typeface="Times New Roman"/>
-                <a:defRPr sz="4800">
-                  <a:solidFill>
-                    <a:srgbClr val="434ED6"/>
-                  </a:solidFill>
-                  <a:uFill>
-                    <a:solidFill>
-                      <a:srgbClr val="434ED6"/>
-                    </a:solidFill>
-                  </a:uFill>
-                  <a:latin typeface="+mn-lt"/>
-                  <a:ea typeface="+mn-ea"/>
-                  <a:cs typeface="+mn-cs"/>
-                  <a:sym typeface="Times New Roman"/>
-                </a:defRPr>
-              </a:lvl1pPr>
-            </a:lstStyle>
-            <a:p>
-              <a:r>
-                <a:rPr sz="2400"/>
-                <a:t>Margin</a:t>
-              </a:r>
-            </a:p>
-          </p:txBody>
-        </p:sp>
-        <p:sp>
-          <p:nvSpPr>
-            <p:cNvPr id="1186" name="Line"/>
-            <p:cNvSpPr/>
-            <p:nvPr/>
-          </p:nvSpPr>
-          <p:spPr>
-            <a:xfrm>
-              <a:off x="0" y="6927850"/>
-              <a:ext cx="10163175" cy="3175"/>
-            </a:xfrm>
-            <a:prstGeom prst="line">
-              <a:avLst/>
-            </a:prstGeom>
-            <a:noFill/>
-            <a:ln w="12700" cap="flat">
-              <a:solidFill>
-                <a:srgbClr val="000000"/>
-              </a:solidFill>
-              <a:prstDash val="solid"/>
-              <a:round/>
-              <a:tailEnd type="triangle" w="med" len="med"/>
-            </a:ln>
-            <a:effectLst/>
-          </p:spPr>
-          <p:txBody>
-            <a:bodyPr wrap="square" lIns="50800" tIns="50800" rIns="50800" bIns="50800" numCol="1" anchor="ctr">
-              <a:noAutofit/>
-            </a:bodyPr>
-            <a:lstStyle/>
-            <a:p>
-              <a:endParaRPr sz="900"/>
-            </a:p>
-          </p:txBody>
-        </p:sp>
-        <p:sp>
-          <p:nvSpPr>
-            <p:cNvPr id="1187" name="Rectangle"/>
-            <p:cNvSpPr/>
-            <p:nvPr/>
-          </p:nvSpPr>
-          <p:spPr>
-            <a:xfrm>
-              <a:off x="1727200" y="6702425"/>
-              <a:ext cx="431800" cy="225425"/>
-            </a:xfrm>
-            <a:prstGeom prst="rect">
-              <a:avLst/>
-            </a:prstGeom>
-            <a:solidFill>
-              <a:srgbClr val="00D2A9"/>
-            </a:solidFill>
-            <a:ln w="12700" cap="flat">
-              <a:solidFill>
-                <a:srgbClr val="434ED6"/>
-              </a:solidFill>
-              <a:prstDash val="solid"/>
-              <a:round/>
-            </a:ln>
-            <a:effectLst/>
-          </p:spPr>
-          <p:txBody>
-            <a:bodyPr wrap="square" lIns="50800" tIns="50800" rIns="50800" bIns="50800" numCol="1" anchor="ctr">
-              <a:noAutofit/>
-            </a:bodyPr>
-            <a:lstStyle/>
-            <a:p>
-              <a:pPr marL="40640" marR="40640">
-                <a:defRPr sz="4800">
-                  <a:uFill>
-                    <a:solidFill>
-                      <a:srgbClr val="000000"/>
-                    </a:solidFill>
-                  </a:uFill>
-                  <a:latin typeface="+mn-lt"/>
-                  <a:ea typeface="+mn-ea"/>
-                  <a:cs typeface="+mn-cs"/>
-                  <a:sym typeface="Times New Roman"/>
-                </a:defRPr>
-              </a:pPr>
-              <a:endParaRPr sz="2400"/>
-            </a:p>
-          </p:txBody>
-        </p:sp>
-        <p:sp>
-          <p:nvSpPr>
-            <p:cNvPr id="1188" name="Rectangle"/>
-            <p:cNvSpPr/>
-            <p:nvPr/>
-          </p:nvSpPr>
-          <p:spPr>
-            <a:xfrm>
-              <a:off x="3457575" y="6702425"/>
-              <a:ext cx="431800" cy="225425"/>
-            </a:xfrm>
-            <a:prstGeom prst="rect">
-              <a:avLst/>
-            </a:prstGeom>
-            <a:solidFill>
-              <a:srgbClr val="00D2A9"/>
-            </a:solidFill>
-            <a:ln w="12700" cap="flat">
-              <a:solidFill>
-                <a:srgbClr val="434ED6"/>
-              </a:solidFill>
-              <a:prstDash val="solid"/>
-              <a:round/>
-            </a:ln>
-            <a:effectLst/>
-          </p:spPr>
-          <p:txBody>
-            <a:bodyPr wrap="square" lIns="50800" tIns="50800" rIns="50800" bIns="50800" numCol="1" anchor="ctr">
-              <a:noAutofit/>
-            </a:bodyPr>
-            <a:lstStyle/>
-            <a:p>
-              <a:pPr marL="40640" marR="40640">
-                <a:defRPr sz="4800">
-                  <a:uFill>
-                    <a:solidFill>
-                      <a:srgbClr val="000000"/>
-                    </a:solidFill>
-                  </a:uFill>
-                  <a:latin typeface="+mn-lt"/>
-                  <a:ea typeface="+mn-ea"/>
-                  <a:cs typeface="+mn-cs"/>
-                  <a:sym typeface="Times New Roman"/>
-                </a:defRPr>
-              </a:pPr>
-              <a:endParaRPr sz="2400"/>
-            </a:p>
-          </p:txBody>
-        </p:sp>
-        <p:sp>
-          <p:nvSpPr>
-            <p:cNvPr id="1189" name="Rectangle"/>
-            <p:cNvSpPr/>
-            <p:nvPr/>
-          </p:nvSpPr>
-          <p:spPr>
-            <a:xfrm>
-              <a:off x="4540250" y="6369050"/>
-              <a:ext cx="431800" cy="558800"/>
-            </a:xfrm>
-            <a:prstGeom prst="rect">
-              <a:avLst/>
-            </a:prstGeom>
-            <a:solidFill>
-              <a:srgbClr val="00D2A9"/>
-            </a:solidFill>
-            <a:ln w="12700" cap="flat">
-              <a:solidFill>
-                <a:srgbClr val="434ED6"/>
-              </a:solidFill>
-              <a:prstDash val="solid"/>
-              <a:round/>
-            </a:ln>
-            <a:effectLst/>
-          </p:spPr>
-          <p:txBody>
-            <a:bodyPr wrap="square" lIns="50800" tIns="50800" rIns="50800" bIns="50800" numCol="1" anchor="ctr">
-              <a:noAutofit/>
-            </a:bodyPr>
-            <a:lstStyle/>
-            <a:p>
-              <a:pPr marL="40640" marR="40640">
-                <a:defRPr sz="4800">
-                  <a:uFill>
-                    <a:solidFill>
-                      <a:srgbClr val="000000"/>
-                    </a:solidFill>
-                  </a:uFill>
-                  <a:latin typeface="+mn-lt"/>
-                  <a:ea typeface="+mn-ea"/>
-                  <a:cs typeface="+mn-cs"/>
-                  <a:sym typeface="Times New Roman"/>
-                </a:defRPr>
-              </a:pPr>
-              <a:endParaRPr sz="2400"/>
-            </a:p>
-          </p:txBody>
-        </p:sp>
-        <p:sp>
-          <p:nvSpPr>
-            <p:cNvPr id="1190" name="Rectangle"/>
-            <p:cNvSpPr/>
-            <p:nvPr/>
-          </p:nvSpPr>
-          <p:spPr>
-            <a:xfrm>
-              <a:off x="4972050" y="5584825"/>
-              <a:ext cx="434975" cy="1343025"/>
-            </a:xfrm>
-            <a:prstGeom prst="rect">
-              <a:avLst/>
-            </a:prstGeom>
-            <a:solidFill>
-              <a:srgbClr val="00D2A9"/>
-            </a:solidFill>
-            <a:ln w="12700" cap="flat">
-              <a:solidFill>
-                <a:srgbClr val="434ED6"/>
-              </a:solidFill>
-              <a:prstDash val="solid"/>
-              <a:round/>
-            </a:ln>
-            <a:effectLst/>
-          </p:spPr>
-          <p:txBody>
-            <a:bodyPr wrap="square" lIns="50800" tIns="50800" rIns="50800" bIns="50800" numCol="1" anchor="ctr">
-              <a:noAutofit/>
-            </a:bodyPr>
-            <a:lstStyle/>
-            <a:p>
-              <a:pPr marL="40640" marR="40640">
-                <a:defRPr sz="4800">
-                  <a:uFill>
-                    <a:solidFill>
-                      <a:srgbClr val="000000"/>
-                    </a:solidFill>
-                  </a:uFill>
-                  <a:latin typeface="+mn-lt"/>
-                  <a:ea typeface="+mn-ea"/>
-                  <a:cs typeface="+mn-cs"/>
-                  <a:sym typeface="Times New Roman"/>
-                </a:defRPr>
-              </a:pPr>
-              <a:endParaRPr sz="2400"/>
-            </a:p>
-          </p:txBody>
-        </p:sp>
-        <p:sp>
-          <p:nvSpPr>
-            <p:cNvPr id="1191" name="Rectangle"/>
-            <p:cNvSpPr/>
-            <p:nvPr/>
-          </p:nvSpPr>
-          <p:spPr>
-            <a:xfrm>
-              <a:off x="7566025" y="6702425"/>
-              <a:ext cx="434975" cy="225425"/>
-            </a:xfrm>
-            <a:prstGeom prst="rect">
-              <a:avLst/>
-            </a:prstGeom>
-            <a:solidFill>
-              <a:srgbClr val="00D2A9"/>
-            </a:solidFill>
-            <a:ln w="12700" cap="flat">
-              <a:solidFill>
-                <a:srgbClr val="434ED6"/>
-              </a:solidFill>
-              <a:prstDash val="solid"/>
-              <a:round/>
-            </a:ln>
-            <a:effectLst/>
-          </p:spPr>
-          <p:txBody>
-            <a:bodyPr wrap="square" lIns="50800" tIns="50800" rIns="50800" bIns="50800" numCol="1" anchor="ctr">
-              <a:noAutofit/>
-            </a:bodyPr>
-            <a:lstStyle/>
-            <a:p>
-              <a:pPr marL="40640" marR="40640">
-                <a:defRPr sz="4800">
-                  <a:uFill>
-                    <a:solidFill>
-                      <a:srgbClr val="000000"/>
-                    </a:solidFill>
-                  </a:uFill>
-                  <a:latin typeface="+mn-lt"/>
-                  <a:ea typeface="+mn-ea"/>
-                  <a:cs typeface="+mn-cs"/>
-                  <a:sym typeface="Times New Roman"/>
-                </a:defRPr>
-              </a:pPr>
-              <a:endParaRPr sz="2400"/>
-            </a:p>
-          </p:txBody>
-        </p:sp>
-        <p:sp>
-          <p:nvSpPr>
-            <p:cNvPr id="1192" name="Rectangle"/>
-            <p:cNvSpPr/>
-            <p:nvPr/>
-          </p:nvSpPr>
-          <p:spPr>
-            <a:xfrm>
-              <a:off x="5407025" y="6032500"/>
-              <a:ext cx="428625" cy="895350"/>
-            </a:xfrm>
-            <a:prstGeom prst="rect">
-              <a:avLst/>
-            </a:prstGeom>
-            <a:solidFill>
-              <a:srgbClr val="00D2A9"/>
-            </a:solidFill>
-            <a:ln w="12700" cap="flat">
-              <a:solidFill>
-                <a:srgbClr val="434ED6"/>
-              </a:solidFill>
-              <a:prstDash val="solid"/>
-              <a:round/>
-            </a:ln>
-            <a:effectLst/>
-          </p:spPr>
-          <p:txBody>
-            <a:bodyPr wrap="square" lIns="50800" tIns="50800" rIns="50800" bIns="50800" numCol="1" anchor="ctr">
-              <a:noAutofit/>
-            </a:bodyPr>
-            <a:lstStyle/>
-            <a:p>
-              <a:pPr marL="40640" marR="40640">
-                <a:defRPr sz="4800">
-                  <a:uFill>
-                    <a:solidFill>
-                      <a:srgbClr val="000000"/>
-                    </a:solidFill>
-                  </a:uFill>
-                  <a:latin typeface="+mn-lt"/>
-                  <a:ea typeface="+mn-ea"/>
-                  <a:cs typeface="+mn-cs"/>
-                  <a:sym typeface="Times New Roman"/>
-                </a:defRPr>
-              </a:pPr>
-              <a:endParaRPr sz="2400"/>
-            </a:p>
-          </p:txBody>
-        </p:sp>
-        <p:sp>
-          <p:nvSpPr>
-            <p:cNvPr id="1193" name="Rectangle"/>
-            <p:cNvSpPr/>
-            <p:nvPr/>
-          </p:nvSpPr>
-          <p:spPr>
-            <a:xfrm>
-              <a:off x="5835650" y="5248275"/>
-              <a:ext cx="434975" cy="1679575"/>
-            </a:xfrm>
-            <a:prstGeom prst="rect">
-              <a:avLst/>
-            </a:prstGeom>
-            <a:solidFill>
-              <a:srgbClr val="00D2A9"/>
-            </a:solidFill>
-            <a:ln w="12700" cap="flat">
-              <a:solidFill>
-                <a:srgbClr val="434ED6"/>
-              </a:solidFill>
-              <a:prstDash val="solid"/>
-              <a:round/>
-            </a:ln>
-            <a:effectLst/>
-          </p:spPr>
-          <p:txBody>
-            <a:bodyPr wrap="square" lIns="50800" tIns="50800" rIns="50800" bIns="50800" numCol="1" anchor="ctr">
-              <a:noAutofit/>
-            </a:bodyPr>
-            <a:lstStyle/>
-            <a:p>
-              <a:pPr marL="40640" marR="40640">
-                <a:defRPr sz="4800">
-                  <a:uFill>
-                    <a:solidFill>
-                      <a:srgbClr val="000000"/>
-                    </a:solidFill>
-                  </a:uFill>
-                  <a:latin typeface="+mn-lt"/>
-                  <a:ea typeface="+mn-ea"/>
-                  <a:cs typeface="+mn-cs"/>
-                  <a:sym typeface="Times New Roman"/>
-                </a:defRPr>
-              </a:pPr>
-              <a:endParaRPr sz="2400"/>
-            </a:p>
-          </p:txBody>
-        </p:sp>
-        <p:sp>
-          <p:nvSpPr>
-            <p:cNvPr id="1194" name="Rectangle"/>
-            <p:cNvSpPr/>
-            <p:nvPr/>
-          </p:nvSpPr>
-          <p:spPr>
-            <a:xfrm>
-              <a:off x="6702425" y="6369050"/>
-              <a:ext cx="431800" cy="558800"/>
-            </a:xfrm>
-            <a:prstGeom prst="rect">
-              <a:avLst/>
-            </a:prstGeom>
-            <a:solidFill>
-              <a:srgbClr val="00D2A9"/>
-            </a:solidFill>
-            <a:ln w="12700" cap="flat">
-              <a:solidFill>
-                <a:srgbClr val="434ED6"/>
-              </a:solidFill>
-              <a:prstDash val="solid"/>
-              <a:round/>
-            </a:ln>
-            <a:effectLst/>
-          </p:spPr>
-          <p:txBody>
-            <a:bodyPr wrap="square" lIns="50800" tIns="50800" rIns="50800" bIns="50800" numCol="1" anchor="ctr">
-              <a:noAutofit/>
-            </a:bodyPr>
-            <a:lstStyle/>
-            <a:p>
-              <a:pPr marL="40640" marR="40640">
-                <a:defRPr sz="4800">
-                  <a:uFill>
-                    <a:solidFill>
-                      <a:srgbClr val="000000"/>
-                    </a:solidFill>
-                  </a:uFill>
-                  <a:latin typeface="+mn-lt"/>
-                  <a:ea typeface="+mn-ea"/>
-                  <a:cs typeface="+mn-cs"/>
-                  <a:sym typeface="Times New Roman"/>
-                </a:defRPr>
-              </a:pPr>
-              <a:endParaRPr sz="2400"/>
-            </a:p>
-          </p:txBody>
-        </p:sp>
-        <p:sp>
-          <p:nvSpPr>
-            <p:cNvPr id="1195" name="Rectangle"/>
-            <p:cNvSpPr/>
-            <p:nvPr/>
-          </p:nvSpPr>
-          <p:spPr>
-            <a:xfrm>
-              <a:off x="6270625" y="6032500"/>
-              <a:ext cx="431800" cy="895350"/>
-            </a:xfrm>
-            <a:prstGeom prst="rect">
-              <a:avLst/>
-            </a:prstGeom>
-            <a:solidFill>
-              <a:srgbClr val="00D2A9"/>
-            </a:solidFill>
-            <a:ln w="12700" cap="flat">
-              <a:solidFill>
-                <a:srgbClr val="434ED6"/>
-              </a:solidFill>
-              <a:prstDash val="solid"/>
-              <a:round/>
-            </a:ln>
-            <a:effectLst/>
-          </p:spPr>
-          <p:txBody>
-            <a:bodyPr wrap="square" lIns="50800" tIns="50800" rIns="50800" bIns="50800" numCol="1" anchor="ctr">
-              <a:noAutofit/>
-            </a:bodyPr>
-            <a:lstStyle/>
-            <a:p>
-              <a:pPr marL="40640" marR="40640">
-                <a:defRPr sz="4800">
-                  <a:uFill>
-                    <a:solidFill>
-                      <a:srgbClr val="000000"/>
-                    </a:solidFill>
-                  </a:uFill>
-                  <a:latin typeface="+mn-lt"/>
-                  <a:ea typeface="+mn-ea"/>
-                  <a:cs typeface="+mn-cs"/>
-                  <a:sym typeface="Times New Roman"/>
-                </a:defRPr>
-              </a:pPr>
-              <a:endParaRPr sz="2400"/>
-            </a:p>
-          </p:txBody>
-        </p:sp>
-        <p:sp>
-          <p:nvSpPr>
-            <p:cNvPr id="1196" name="Rectangle"/>
-            <p:cNvSpPr/>
-            <p:nvPr/>
-          </p:nvSpPr>
-          <p:spPr>
-            <a:xfrm>
-              <a:off x="8001000" y="6369050"/>
-              <a:ext cx="431800" cy="558800"/>
-            </a:xfrm>
-            <a:prstGeom prst="rect">
-              <a:avLst/>
-            </a:prstGeom>
-            <a:solidFill>
-              <a:srgbClr val="00D2A9"/>
-            </a:solidFill>
-            <a:ln w="12700" cap="flat">
-              <a:solidFill>
-                <a:srgbClr val="434ED6"/>
-              </a:solidFill>
-              <a:prstDash val="solid"/>
-              <a:round/>
-            </a:ln>
-            <a:effectLst/>
-          </p:spPr>
-          <p:txBody>
-            <a:bodyPr wrap="square" lIns="50800" tIns="50800" rIns="50800" bIns="50800" numCol="1" anchor="ctr">
-              <a:noAutofit/>
-            </a:bodyPr>
-            <a:lstStyle/>
-            <a:p>
-              <a:pPr marL="40640" marR="40640">
-                <a:defRPr sz="4800">
-                  <a:uFill>
-                    <a:solidFill>
-                      <a:srgbClr val="000000"/>
-                    </a:solidFill>
-                  </a:uFill>
-                  <a:latin typeface="+mn-lt"/>
-                  <a:ea typeface="+mn-ea"/>
-                  <a:cs typeface="+mn-cs"/>
-                  <a:sym typeface="Times New Roman"/>
-                </a:defRPr>
-              </a:pPr>
-              <a:endParaRPr sz="2400"/>
-            </a:p>
-          </p:txBody>
-        </p:sp>
-        <p:sp>
-          <p:nvSpPr>
-            <p:cNvPr id="1197" name="Line"/>
-            <p:cNvSpPr/>
-            <p:nvPr/>
-          </p:nvSpPr>
-          <p:spPr>
-            <a:xfrm rot="5400000" flipH="1">
-              <a:off x="6591276" y="5492567"/>
-              <a:ext cx="558801" cy="4324351"/>
-            </a:xfrm>
-            <a:custGeom>
-              <a:avLst/>
-              <a:gdLst/>
-              <a:ahLst/>
-              <a:cxnLst>
-                <a:cxn ang="0">
-                  <a:pos x="wd2" y="hd2"/>
-                </a:cxn>
-                <a:cxn ang="5400000">
-                  <a:pos x="wd2" y="hd2"/>
-                </a:cxn>
-                <a:cxn ang="10800000">
-                  <a:pos x="wd2" y="hd2"/>
-                </a:cxn>
-                <a:cxn ang="16200000">
-                  <a:pos x="wd2" y="hd2"/>
-                </a:cxn>
-              </a:cxnLst>
-              <a:rect l="0" t="0" r="r" b="b"/>
-              <a:pathLst>
-                <a:path w="21600" h="21600" extrusionOk="0">
-                  <a:moveTo>
-                    <a:pt x="21600" y="0"/>
-                  </a:moveTo>
-                  <a:cubicBezTo>
-                    <a:pt x="15635" y="0"/>
-                    <a:pt x="10800" y="806"/>
-                    <a:pt x="10800" y="1800"/>
-                  </a:cubicBezTo>
-                  <a:lnTo>
-                    <a:pt x="10800" y="9000"/>
-                  </a:lnTo>
-                  <a:cubicBezTo>
-                    <a:pt x="10800" y="9994"/>
-                    <a:pt x="5965" y="10800"/>
-                    <a:pt x="0" y="10800"/>
-                  </a:cubicBezTo>
-                  <a:cubicBezTo>
-                    <a:pt x="5965" y="10800"/>
-                    <a:pt x="10800" y="11606"/>
-                    <a:pt x="10800" y="12600"/>
-                  </a:cubicBezTo>
-                  <a:lnTo>
-                    <a:pt x="10800" y="19800"/>
-                  </a:lnTo>
-                  <a:cubicBezTo>
-                    <a:pt x="10800" y="20794"/>
-                    <a:pt x="15635" y="21600"/>
-                    <a:pt x="21600" y="21600"/>
-                  </a:cubicBezTo>
-                </a:path>
-              </a:pathLst>
-            </a:custGeom>
-            <a:noFill/>
-            <a:ln w="12700" cap="flat">
-              <a:solidFill>
-                <a:srgbClr val="434ED6"/>
-              </a:solidFill>
-              <a:prstDash val="solid"/>
-              <a:round/>
-            </a:ln>
-            <a:effectLst/>
-          </p:spPr>
-          <p:txBody>
-            <a:bodyPr wrap="square" lIns="50800" tIns="50800" rIns="50800" bIns="50800" numCol="1" anchor="ctr">
-              <a:noAutofit/>
-            </a:bodyPr>
-            <a:lstStyle/>
-            <a:p>
-              <a:pPr marL="40640" marR="40640">
-                <a:defRPr sz="4800">
-                  <a:uFill>
-                    <a:solidFill>
-                      <a:srgbClr val="000000"/>
-                    </a:solidFill>
-                  </a:uFill>
-                  <a:latin typeface="+mn-lt"/>
-                  <a:ea typeface="+mn-ea"/>
-                  <a:cs typeface="+mn-cs"/>
-                  <a:sym typeface="Times New Roman"/>
-                </a:defRPr>
-              </a:pPr>
-              <a:endParaRPr sz="2400"/>
-            </a:p>
-          </p:txBody>
-        </p:sp>
-        <p:sp>
-          <p:nvSpPr>
-            <p:cNvPr id="1198" name="Line"/>
-            <p:cNvSpPr/>
-            <p:nvPr/>
-          </p:nvSpPr>
-          <p:spPr>
-            <a:xfrm rot="5400000" flipH="1">
-              <a:off x="2006576" y="5156017"/>
-              <a:ext cx="558801" cy="4324351"/>
-            </a:xfrm>
-            <a:custGeom>
-              <a:avLst/>
-              <a:gdLst/>
-              <a:ahLst/>
-              <a:cxnLst>
-                <a:cxn ang="0">
-                  <a:pos x="wd2" y="hd2"/>
-                </a:cxn>
-                <a:cxn ang="5400000">
-                  <a:pos x="wd2" y="hd2"/>
-                </a:cxn>
-                <a:cxn ang="10800000">
-                  <a:pos x="wd2" y="hd2"/>
-                </a:cxn>
-                <a:cxn ang="16200000">
-                  <a:pos x="wd2" y="hd2"/>
-                </a:cxn>
-              </a:cxnLst>
-              <a:rect l="0" t="0" r="r" b="b"/>
-              <a:pathLst>
-                <a:path w="21600" h="21600" extrusionOk="0">
-                  <a:moveTo>
-                    <a:pt x="21600" y="0"/>
-                  </a:moveTo>
-                  <a:cubicBezTo>
-                    <a:pt x="15635" y="0"/>
-                    <a:pt x="10800" y="806"/>
-                    <a:pt x="10800" y="1800"/>
-                  </a:cubicBezTo>
-                  <a:lnTo>
-                    <a:pt x="10800" y="9000"/>
-                  </a:lnTo>
-                  <a:cubicBezTo>
-                    <a:pt x="10800" y="9994"/>
-                    <a:pt x="5965" y="10800"/>
-                    <a:pt x="0" y="10800"/>
-                  </a:cubicBezTo>
-                  <a:cubicBezTo>
-                    <a:pt x="5965" y="10800"/>
-                    <a:pt x="10800" y="11606"/>
-                    <a:pt x="10800" y="12600"/>
-                  </a:cubicBezTo>
-                  <a:lnTo>
-                    <a:pt x="10800" y="19800"/>
-                  </a:lnTo>
-                  <a:cubicBezTo>
-                    <a:pt x="10800" y="20794"/>
-                    <a:pt x="15635" y="21600"/>
-                    <a:pt x="21600" y="21600"/>
-                  </a:cubicBezTo>
-                </a:path>
-              </a:pathLst>
-            </a:custGeom>
-            <a:noFill/>
-            <a:ln w="12700" cap="flat">
-              <a:solidFill>
-                <a:srgbClr val="FF2C79"/>
-              </a:solidFill>
-              <a:prstDash val="solid"/>
-              <a:round/>
-            </a:ln>
-            <a:effectLst/>
-          </p:spPr>
-          <p:txBody>
-            <a:bodyPr wrap="square" lIns="50800" tIns="50800" rIns="50800" bIns="50800" numCol="1" anchor="ctr">
-              <a:noAutofit/>
-            </a:bodyPr>
-            <a:lstStyle/>
-            <a:p>
-              <a:pPr marL="40640" marR="40640">
-                <a:defRPr sz="4800">
-                  <a:uFill>
-                    <a:solidFill>
-                      <a:srgbClr val="000000"/>
-                    </a:solidFill>
-                  </a:uFill>
-                  <a:latin typeface="+mn-lt"/>
-                  <a:ea typeface="+mn-ea"/>
-                  <a:cs typeface="+mn-cs"/>
-                  <a:sym typeface="Times New Roman"/>
-                </a:defRPr>
-              </a:pPr>
-              <a:endParaRPr sz="2400"/>
-            </a:p>
-          </p:txBody>
-        </p:sp>
-        <p:sp>
-          <p:nvSpPr>
-            <p:cNvPr id="1199" name="Mistakes"/>
-            <p:cNvSpPr/>
-            <p:nvPr/>
-          </p:nvSpPr>
-          <p:spPr>
-            <a:xfrm>
-              <a:off x="1362075" y="7712075"/>
-              <a:ext cx="1270000" cy="1270000"/>
-            </a:xfrm>
-            <a:prstGeom prst="line">
-              <a:avLst/>
-            </a:prstGeom>
-            <a:noFill/>
-            <a:ln w="25400" cap="flat">
-              <a:noFill/>
-              <a:miter lim="400000"/>
-            </a:ln>
-            <a:effectLst/>
-            <a:extLst>
-              <a:ext uri="{C572A759-6A51-4108-AA02-DFA0A04FC94B}">
-                <ma14:wrappingTextBoxFlag xmlns="" xmlns:m="http://schemas.openxmlformats.org/officeDocument/2006/math" xmlns:a14="http://schemas.microsoft.com/office/drawing/2010/main" xmlns:ma14="http://schemas.microsoft.com/office/mac/drawingml/2011/main" val="1"/>
-              </a:ext>
-            </a:extLst>
-          </p:spPr>
-          <p:txBody>
-            <a:bodyPr wrap="none" lIns="50800" tIns="50800" rIns="50800" bIns="50800" numCol="1" anchor="t">
-              <a:spAutoFit/>
-            </a:bodyPr>
-            <a:lstStyle>
-              <a:lvl1pPr marL="81279" marR="81279" defTabSz="1828800">
-                <a:buClr>
-                  <a:srgbClr val="FF2C79"/>
-                </a:buClr>
-                <a:buFont typeface="Times New Roman"/>
-                <a:defRPr sz="4800">
-                  <a:solidFill>
-                    <a:srgbClr val="FF2C79"/>
-                  </a:solidFill>
-                  <a:uFill>
-                    <a:solidFill>
-                      <a:srgbClr val="FF2C79"/>
-                    </a:solidFill>
-                  </a:uFill>
-                  <a:latin typeface="+mn-lt"/>
-                  <a:ea typeface="+mn-ea"/>
-                  <a:cs typeface="+mn-cs"/>
-                  <a:sym typeface="Times New Roman"/>
-                </a:defRPr>
-              </a:lvl1pPr>
-            </a:lstStyle>
-            <a:p>
-              <a:r>
-                <a:rPr sz="2400"/>
-                <a:t>Mistakes</a:t>
-              </a:r>
-            </a:p>
-          </p:txBody>
-        </p:sp>
-      </p:grpSp>
-      <p:sp>
-        <p:nvSpPr>
-          <p:cNvPr id="1201" name="Line"/>
-          <p:cNvSpPr/>
-          <p:nvPr/>
-        </p:nvSpPr>
-        <p:spPr>
-          <a:xfrm flipH="1">
-            <a:off x="5003800" y="2051050"/>
-            <a:ext cx="4265613" cy="3543300"/>
-          </a:xfrm>
-          <a:custGeom>
-            <a:avLst/>
-            <a:gdLst/>
-            <a:ahLst/>
-            <a:cxnLst>
-              <a:cxn ang="0">
-                <a:pos x="wd2" y="hd2"/>
-              </a:cxn>
-              <a:cxn ang="5400000">
-                <a:pos x="wd2" y="hd2"/>
-              </a:cxn>
-              <a:cxn ang="10800000">
-                <a:pos x="wd2" y="hd2"/>
-              </a:cxn>
-              <a:cxn ang="16200000">
-                <a:pos x="wd2" y="hd2"/>
-              </a:cxn>
-            </a:cxnLst>
-            <a:rect l="0" t="0" r="r" b="b"/>
-            <a:pathLst>
-              <a:path w="21600" h="21600" extrusionOk="0">
-                <a:moveTo>
-                  <a:pt x="0" y="21600"/>
-                </a:moveTo>
-                <a:cubicBezTo>
-                  <a:pt x="1654" y="21344"/>
-                  <a:pt x="7132" y="21209"/>
-                  <a:pt x="9989" y="20065"/>
-                </a:cubicBezTo>
-                <a:cubicBezTo>
-                  <a:pt x="12846" y="18921"/>
-                  <a:pt x="15383" y="16740"/>
-                  <a:pt x="17154" y="14722"/>
-                </a:cubicBezTo>
-                <a:cubicBezTo>
-                  <a:pt x="18926" y="12704"/>
-                  <a:pt x="19868" y="10409"/>
-                  <a:pt x="20606" y="7958"/>
-                </a:cubicBezTo>
-                <a:cubicBezTo>
-                  <a:pt x="21345" y="5507"/>
-                  <a:pt x="21391" y="1656"/>
-                  <a:pt x="21600" y="0"/>
-                </a:cubicBezTo>
-              </a:path>
-            </a:pathLst>
-          </a:custGeom>
-          <a:ln w="50800">
-            <a:solidFill>
-              <a:srgbClr val="434ED6"/>
-            </a:solidFill>
-          </a:ln>
-        </p:spPr>
-        <p:txBody>
-          <a:bodyPr lIns="50800" tIns="50800" rIns="50800" bIns="50800" anchor="ctr"/>
-          <a:lstStyle/>
-          <a:p>
-            <a:pPr marL="40640" marR="40640">
-              <a:defRPr sz="4800">
-                <a:uFill>
-                  <a:solidFill>
-                    <a:srgbClr val="000000"/>
-                  </a:solidFill>
-                </a:uFill>
-                <a:latin typeface="+mn-lt"/>
-                <a:ea typeface="+mn-ea"/>
-                <a:cs typeface="+mn-cs"/>
-                <a:sym typeface="Times New Roman"/>
-              </a:defRPr>
-            </a:pPr>
-            <a:endParaRPr sz="2400"/>
-          </a:p>
-        </p:txBody>
-      </p:sp>
-      <p:grpSp>
-        <p:nvGrpSpPr>
-          <p:cNvPr id="1213" name="Group"/>
-          <p:cNvGrpSpPr/>
-          <p:nvPr/>
-        </p:nvGrpSpPr>
-        <p:grpSpPr>
-          <a:xfrm>
-            <a:off x="4469531" y="4482976"/>
-            <a:ext cx="3393640" cy="1020127"/>
-            <a:chOff x="0" y="0"/>
-            <a:chExt cx="6787278" cy="2040252"/>
-          </a:xfrm>
-        </p:grpSpPr>
-        <p:grpSp>
-          <p:nvGrpSpPr>
-            <p:cNvPr id="1209" name="Group"/>
-            <p:cNvGrpSpPr/>
-            <p:nvPr/>
-          </p:nvGrpSpPr>
-          <p:grpSpPr>
-            <a:xfrm>
-              <a:off x="0" y="-1"/>
-              <a:ext cx="6787279" cy="2040254"/>
-              <a:chOff x="0" y="0"/>
-              <a:chExt cx="6787278" cy="2040252"/>
-            </a:xfrm>
-          </p:grpSpPr>
-          <p:sp>
-            <p:nvSpPr>
-              <p:cNvPr id="1202" name="Arrow"/>
-              <p:cNvSpPr/>
-              <p:nvPr/>
-            </p:nvSpPr>
-            <p:spPr>
-              <a:xfrm>
-                <a:off x="6245211" y="984674"/>
-                <a:ext cx="542068" cy="527789"/>
-              </a:xfrm>
-              <a:prstGeom prst="rightArrow">
-                <a:avLst>
-                  <a:gd name="adj1" fmla="val 46890"/>
-                  <a:gd name="adj2" fmla="val 71883"/>
-                </a:avLst>
-              </a:prstGeom>
-              <a:blipFill rotWithShape="1">
-                <a:blip r:embed="rId2"/>
-                <a:srcRect/>
-                <a:tile tx="0" ty="0" sx="100000" sy="100000" flip="none" algn="tl"/>
-              </a:blipFill>
-              <a:ln w="25400" cap="flat">
-                <a:noFill/>
-                <a:miter lim="400000"/>
-              </a:ln>
-              <a:effectLst>
-                <a:outerShdw blurRad="76200" dist="50800" dir="5400000" rotWithShape="0">
-                  <a:srgbClr val="000000">
-                    <a:alpha val="50000"/>
-                  </a:srgbClr>
-                </a:outerShdw>
-              </a:effectLst>
-            </p:spPr>
-            <p:txBody>
-              <a:bodyPr wrap="square" lIns="50800" tIns="50800" rIns="50800" bIns="50800" numCol="1" anchor="ctr">
-                <a:noAutofit/>
-              </a:bodyPr>
-              <a:lstStyle/>
-              <a:p>
-                <a:pPr algn="ctr" defTabSz="406400">
-                  <a:defRPr sz="5600">
-                    <a:solidFill>
-                      <a:srgbClr val="FFFFFF"/>
-                    </a:solidFill>
-                    <a:effectLst>
-                      <a:outerShdw blurRad="38100" dist="12700" dir="5400000" rotWithShape="0">
-                        <a:srgbClr val="000000">
-                          <a:alpha val="50000"/>
-                        </a:srgbClr>
-                      </a:outerShdw>
-                    </a:effectLst>
-                    <a:latin typeface="+mj-lt"/>
-                    <a:ea typeface="+mj-ea"/>
-                    <a:cs typeface="+mj-cs"/>
-                    <a:sym typeface="Gill Sans"/>
-                  </a:defRPr>
-                </a:pPr>
-                <a:endParaRPr sz="2800"/>
-              </a:p>
-            </p:txBody>
-          </p:sp>
-          <p:sp>
-            <p:nvSpPr>
-              <p:cNvPr id="1203" name="Arrow"/>
-              <p:cNvSpPr/>
-              <p:nvPr/>
-            </p:nvSpPr>
-            <p:spPr>
-              <a:xfrm>
-                <a:off x="4942466" y="984674"/>
-                <a:ext cx="542068" cy="527789"/>
-              </a:xfrm>
-              <a:prstGeom prst="rightArrow">
-                <a:avLst>
-                  <a:gd name="adj1" fmla="val 46890"/>
-                  <a:gd name="adj2" fmla="val 71883"/>
-                </a:avLst>
-              </a:prstGeom>
-              <a:blipFill rotWithShape="1">
-                <a:blip r:embed="rId2"/>
-                <a:srcRect/>
-                <a:tile tx="0" ty="0" sx="100000" sy="100000" flip="none" algn="tl"/>
-              </a:blipFill>
-              <a:ln w="25400" cap="flat">
-                <a:noFill/>
-                <a:miter lim="400000"/>
-              </a:ln>
-              <a:effectLst>
-                <a:outerShdw blurRad="76200" dist="50800" dir="5400000" rotWithShape="0">
-                  <a:srgbClr val="000000">
-                    <a:alpha val="50000"/>
-                  </a:srgbClr>
-                </a:outerShdw>
-              </a:effectLst>
-            </p:spPr>
-            <p:txBody>
-              <a:bodyPr wrap="square" lIns="50800" tIns="50800" rIns="50800" bIns="50800" numCol="1" anchor="ctr">
-                <a:noAutofit/>
-              </a:bodyPr>
-              <a:lstStyle/>
-              <a:p>
-                <a:pPr algn="ctr" defTabSz="406400">
-                  <a:defRPr sz="5600">
-                    <a:solidFill>
-                      <a:srgbClr val="FFFFFF"/>
-                    </a:solidFill>
-                    <a:effectLst>
-                      <a:outerShdw blurRad="38100" dist="12700" dir="5400000" rotWithShape="0">
-                        <a:srgbClr val="000000">
-                          <a:alpha val="50000"/>
-                        </a:srgbClr>
-                      </a:outerShdw>
-                    </a:effectLst>
-                    <a:latin typeface="+mj-lt"/>
-                    <a:ea typeface="+mj-ea"/>
-                    <a:cs typeface="+mj-cs"/>
-                    <a:sym typeface="Gill Sans"/>
-                  </a:defRPr>
-                </a:pPr>
-                <a:endParaRPr sz="2800"/>
-              </a:p>
-            </p:txBody>
-          </p:sp>
-          <p:sp>
-            <p:nvSpPr>
-              <p:cNvPr id="1204" name="Arrow"/>
-              <p:cNvSpPr/>
-              <p:nvPr/>
-            </p:nvSpPr>
-            <p:spPr>
-              <a:xfrm>
-                <a:off x="4584700" y="487240"/>
-                <a:ext cx="715534" cy="527790"/>
-              </a:xfrm>
-              <a:prstGeom prst="rightArrow">
-                <a:avLst>
-                  <a:gd name="adj1" fmla="val 46890"/>
-                  <a:gd name="adj2" fmla="val 71883"/>
-                </a:avLst>
-              </a:prstGeom>
-              <a:blipFill rotWithShape="1">
-                <a:blip r:embed="rId2"/>
-                <a:srcRect/>
-                <a:tile tx="0" ty="0" sx="100000" sy="100000" flip="none" algn="tl"/>
-              </a:blipFill>
-              <a:ln w="25400" cap="flat">
-                <a:noFill/>
-                <a:miter lim="400000"/>
-              </a:ln>
-              <a:effectLst>
-                <a:outerShdw blurRad="76200" dist="50800" dir="5400000" rotWithShape="0">
-                  <a:srgbClr val="000000">
-                    <a:alpha val="50000"/>
-                  </a:srgbClr>
-                </a:outerShdw>
-              </a:effectLst>
-            </p:spPr>
-            <p:txBody>
-              <a:bodyPr wrap="square" lIns="50800" tIns="50800" rIns="50800" bIns="50800" numCol="1" anchor="ctr">
-                <a:noAutofit/>
-              </a:bodyPr>
-              <a:lstStyle/>
-              <a:p>
-                <a:pPr algn="ctr" defTabSz="406400">
-                  <a:defRPr sz="5600">
-                    <a:solidFill>
-                      <a:srgbClr val="FFFFFF"/>
-                    </a:solidFill>
-                    <a:effectLst>
-                      <a:outerShdw blurRad="38100" dist="12700" dir="5400000" rotWithShape="0">
-                        <a:srgbClr val="000000">
-                          <a:alpha val="50000"/>
-                        </a:srgbClr>
-                      </a:outerShdw>
-                    </a:effectLst>
-                    <a:latin typeface="+mj-lt"/>
-                    <a:ea typeface="+mj-ea"/>
-                    <a:cs typeface="+mj-cs"/>
-                    <a:sym typeface="Gill Sans"/>
-                  </a:defRPr>
-                </a:pPr>
-                <a:endParaRPr sz="2800"/>
-              </a:p>
-            </p:txBody>
-          </p:sp>
-          <p:sp>
-            <p:nvSpPr>
-              <p:cNvPr id="1205" name="Arrow"/>
-              <p:cNvSpPr/>
-              <p:nvPr/>
-            </p:nvSpPr>
-            <p:spPr>
-              <a:xfrm>
-                <a:off x="4118983" y="0"/>
-                <a:ext cx="542068" cy="527789"/>
-              </a:xfrm>
-              <a:prstGeom prst="rightArrow">
-                <a:avLst>
-                  <a:gd name="adj1" fmla="val 46890"/>
-                  <a:gd name="adj2" fmla="val 71883"/>
-                </a:avLst>
-              </a:prstGeom>
-              <a:blipFill rotWithShape="1">
-                <a:blip r:embed="rId2"/>
-                <a:srcRect/>
-                <a:tile tx="0" ty="0" sx="100000" sy="100000" flip="none" algn="tl"/>
-              </a:blipFill>
-              <a:ln w="25400" cap="flat">
-                <a:noFill/>
-                <a:miter lim="400000"/>
-              </a:ln>
-              <a:effectLst>
-                <a:outerShdw blurRad="76200" dist="50800" dir="5400000" rotWithShape="0">
-                  <a:srgbClr val="000000">
-                    <a:alpha val="50000"/>
-                  </a:srgbClr>
-                </a:outerShdw>
-              </a:effectLst>
-            </p:spPr>
-            <p:txBody>
-              <a:bodyPr wrap="square" lIns="50800" tIns="50800" rIns="50800" bIns="50800" numCol="1" anchor="ctr">
-                <a:noAutofit/>
-              </a:bodyPr>
-              <a:lstStyle/>
-              <a:p>
-                <a:pPr algn="ctr" defTabSz="406400">
-                  <a:defRPr sz="5600">
-                    <a:solidFill>
-                      <a:srgbClr val="FFFFFF"/>
-                    </a:solidFill>
-                    <a:effectLst>
-                      <a:outerShdw blurRad="38100" dist="12700" dir="5400000" rotWithShape="0">
-                        <a:srgbClr val="000000">
-                          <a:alpha val="50000"/>
-                        </a:srgbClr>
-                      </a:outerShdw>
-                    </a:effectLst>
-                    <a:latin typeface="+mj-lt"/>
-                    <a:ea typeface="+mj-ea"/>
-                    <a:cs typeface="+mj-cs"/>
-                    <a:sym typeface="Gill Sans"/>
-                  </a:defRPr>
-                </a:pPr>
-                <a:endParaRPr sz="2800"/>
-              </a:p>
-            </p:txBody>
-          </p:sp>
-          <p:sp>
-            <p:nvSpPr>
-              <p:cNvPr id="1206" name="Arrow"/>
-              <p:cNvSpPr/>
-              <p:nvPr/>
-            </p:nvSpPr>
-            <p:spPr>
-              <a:xfrm>
-                <a:off x="0" y="1512463"/>
-                <a:ext cx="715534" cy="527790"/>
-              </a:xfrm>
-              <a:prstGeom prst="rightArrow">
-                <a:avLst>
-                  <a:gd name="adj1" fmla="val 46890"/>
-                  <a:gd name="adj2" fmla="val 71883"/>
-                </a:avLst>
-              </a:prstGeom>
-              <a:blipFill rotWithShape="1">
-                <a:blip r:embed="rId2"/>
-                <a:srcRect/>
-                <a:tile tx="0" ty="0" sx="100000" sy="100000" flip="none" algn="tl"/>
-              </a:blipFill>
-              <a:ln w="25400" cap="flat">
-                <a:noFill/>
-                <a:miter lim="400000"/>
-              </a:ln>
-              <a:effectLst>
-                <a:outerShdw blurRad="76200" dist="50800" dir="5400000" rotWithShape="0">
-                  <a:srgbClr val="000000">
-                    <a:alpha val="50000"/>
-                  </a:srgbClr>
-                </a:outerShdw>
-              </a:effectLst>
-            </p:spPr>
-            <p:txBody>
-              <a:bodyPr wrap="square" lIns="50800" tIns="50800" rIns="50800" bIns="50800" numCol="1" anchor="ctr">
-                <a:noAutofit/>
-              </a:bodyPr>
-              <a:lstStyle/>
-              <a:p>
-                <a:pPr algn="ctr" defTabSz="406400">
-                  <a:defRPr sz="5600">
-                    <a:solidFill>
-                      <a:srgbClr val="FFFFFF"/>
-                    </a:solidFill>
-                    <a:effectLst>
-                      <a:outerShdw blurRad="38100" dist="12700" dir="5400000" rotWithShape="0">
-                        <a:srgbClr val="000000">
-                          <a:alpha val="50000"/>
-                        </a:srgbClr>
-                      </a:outerShdw>
-                    </a:effectLst>
-                    <a:latin typeface="+mj-lt"/>
-                    <a:ea typeface="+mj-ea"/>
-                    <a:cs typeface="+mj-cs"/>
-                    <a:sym typeface="Gill Sans"/>
-                  </a:defRPr>
-                </a:pPr>
-                <a:endParaRPr sz="2800"/>
-              </a:p>
-            </p:txBody>
-          </p:sp>
-          <p:sp>
-            <p:nvSpPr>
-              <p:cNvPr id="1207" name="Arrow"/>
-              <p:cNvSpPr/>
-              <p:nvPr/>
-            </p:nvSpPr>
-            <p:spPr>
-              <a:xfrm>
-                <a:off x="1714500" y="1512463"/>
-                <a:ext cx="715534" cy="527790"/>
-              </a:xfrm>
-              <a:prstGeom prst="rightArrow">
-                <a:avLst>
-                  <a:gd name="adj1" fmla="val 46890"/>
-                  <a:gd name="adj2" fmla="val 71883"/>
-                </a:avLst>
-              </a:prstGeom>
-              <a:blipFill rotWithShape="1">
-                <a:blip r:embed="rId2"/>
-                <a:srcRect/>
-                <a:tile tx="0" ty="0" sx="100000" sy="100000" flip="none" algn="tl"/>
-              </a:blipFill>
-              <a:ln w="25400" cap="flat">
-                <a:noFill/>
-                <a:miter lim="400000"/>
-              </a:ln>
-              <a:effectLst>
-                <a:outerShdw blurRad="76200" dist="50800" dir="5400000" rotWithShape="0">
-                  <a:srgbClr val="000000">
-                    <a:alpha val="50000"/>
-                  </a:srgbClr>
-                </a:outerShdw>
-              </a:effectLst>
-            </p:spPr>
-            <p:txBody>
-              <a:bodyPr wrap="square" lIns="50800" tIns="50800" rIns="50800" bIns="50800" numCol="1" anchor="ctr">
-                <a:noAutofit/>
-              </a:bodyPr>
-              <a:lstStyle/>
-              <a:p>
-                <a:pPr algn="ctr" defTabSz="406400">
-                  <a:defRPr sz="5600">
-                    <a:solidFill>
-                      <a:srgbClr val="FFFFFF"/>
-                    </a:solidFill>
-                    <a:effectLst>
-                      <a:outerShdw blurRad="38100" dist="12700" dir="5400000" rotWithShape="0">
-                        <a:srgbClr val="000000">
-                          <a:alpha val="50000"/>
-                        </a:srgbClr>
-                      </a:outerShdw>
-                    </a:effectLst>
-                    <a:latin typeface="+mj-lt"/>
-                    <a:ea typeface="+mj-ea"/>
-                    <a:cs typeface="+mj-cs"/>
-                    <a:sym typeface="Gill Sans"/>
-                  </a:defRPr>
-                </a:pPr>
-                <a:endParaRPr sz="2800"/>
-              </a:p>
-            </p:txBody>
-          </p:sp>
-          <p:sp>
-            <p:nvSpPr>
-              <p:cNvPr id="1208" name="Arrow"/>
-              <p:cNvSpPr/>
-              <p:nvPr/>
-            </p:nvSpPr>
-            <p:spPr>
-              <a:xfrm>
-                <a:off x="3202137" y="263894"/>
-                <a:ext cx="715535" cy="527790"/>
-              </a:xfrm>
-              <a:prstGeom prst="rightArrow">
-                <a:avLst>
-                  <a:gd name="adj1" fmla="val 46890"/>
-                  <a:gd name="adj2" fmla="val 71883"/>
-                </a:avLst>
-              </a:prstGeom>
-              <a:blipFill rotWithShape="1">
-                <a:blip r:embed="rId2"/>
-                <a:srcRect/>
-                <a:tile tx="0" ty="0" sx="100000" sy="100000" flip="none" algn="tl"/>
-              </a:blipFill>
-              <a:ln w="25400" cap="flat">
-                <a:noFill/>
-                <a:miter lim="400000"/>
-              </a:ln>
-              <a:effectLst>
-                <a:outerShdw blurRad="76200" dist="50800" dir="5400000" rotWithShape="0">
-                  <a:srgbClr val="000000">
-                    <a:alpha val="50000"/>
-                  </a:srgbClr>
-                </a:outerShdw>
-              </a:effectLst>
-            </p:spPr>
-            <p:txBody>
-              <a:bodyPr wrap="square" lIns="50800" tIns="50800" rIns="50800" bIns="50800" numCol="1" anchor="ctr">
-                <a:noAutofit/>
-              </a:bodyPr>
-              <a:lstStyle/>
-              <a:p>
-                <a:pPr algn="ctr" defTabSz="406400">
-                  <a:defRPr sz="5600">
-                    <a:solidFill>
-                      <a:srgbClr val="FFFFFF"/>
-                    </a:solidFill>
-                    <a:effectLst>
-                      <a:outerShdw blurRad="38100" dist="12700" dir="5400000" rotWithShape="0">
-                        <a:srgbClr val="000000">
-                          <a:alpha val="50000"/>
-                        </a:srgbClr>
-                      </a:outerShdw>
-                    </a:effectLst>
-                    <a:latin typeface="+mj-lt"/>
-                    <a:ea typeface="+mj-ea"/>
-                    <a:cs typeface="+mj-cs"/>
-                    <a:sym typeface="Gill Sans"/>
-                  </a:defRPr>
-                </a:pPr>
-                <a:endParaRPr sz="2800"/>
-              </a:p>
-            </p:txBody>
-          </p:sp>
-        </p:grpSp>
-        <p:sp>
-          <p:nvSpPr>
-            <p:cNvPr id="1210" name="Arrow"/>
-            <p:cNvSpPr/>
-            <p:nvPr/>
-          </p:nvSpPr>
-          <p:spPr>
-            <a:xfrm flipH="1">
-              <a:off x="2072266" y="1015030"/>
-              <a:ext cx="715534" cy="527790"/>
-            </a:xfrm>
-            <a:prstGeom prst="rightArrow">
-              <a:avLst>
-                <a:gd name="adj1" fmla="val 46890"/>
-                <a:gd name="adj2" fmla="val 71883"/>
-              </a:avLst>
-            </a:prstGeom>
-            <a:blipFill rotWithShape="1">
-              <a:blip r:embed="rId3"/>
-              <a:srcRect/>
-              <a:tile tx="0" ty="0" sx="100000" sy="100000" flip="none" algn="tl"/>
-            </a:blipFill>
-            <a:ln w="25400" cap="flat">
-              <a:noFill/>
-              <a:miter lim="400000"/>
-            </a:ln>
-            <a:effectLst>
-              <a:outerShdw blurRad="76200" dist="50800" dir="5400000" rotWithShape="0">
-                <a:srgbClr val="000000">
-                  <a:alpha val="50000"/>
-                </a:srgbClr>
-              </a:outerShdw>
-            </a:effectLst>
-          </p:spPr>
-          <p:txBody>
-            <a:bodyPr wrap="square" lIns="50800" tIns="50800" rIns="50800" bIns="50800" numCol="1" anchor="ctr">
-              <a:noAutofit/>
-            </a:bodyPr>
-            <a:lstStyle/>
-            <a:p>
-              <a:pPr algn="ctr" defTabSz="406400">
-                <a:defRPr sz="5600">
-                  <a:solidFill>
-                    <a:srgbClr val="FFFFFF"/>
-                  </a:solidFill>
-                  <a:effectLst>
-                    <a:outerShdw blurRad="38100" dist="12700" dir="5400000" rotWithShape="0">
-                      <a:srgbClr val="000000">
-                        <a:alpha val="50000"/>
-                      </a:srgbClr>
-                    </a:outerShdw>
-                  </a:effectLst>
-                  <a:latin typeface="+mj-lt"/>
-                  <a:ea typeface="+mj-ea"/>
-                  <a:cs typeface="+mj-cs"/>
-                  <a:sym typeface="Gill Sans"/>
-                </a:defRPr>
-              </a:pPr>
-              <a:endParaRPr sz="2800"/>
-            </a:p>
-          </p:txBody>
-        </p:sp>
-        <p:sp>
-          <p:nvSpPr>
-            <p:cNvPr id="1211" name="Arrow"/>
-            <p:cNvSpPr/>
-            <p:nvPr/>
-          </p:nvSpPr>
-          <p:spPr>
-            <a:xfrm flipH="1">
-              <a:off x="2924188" y="984674"/>
-              <a:ext cx="715535" cy="527789"/>
-            </a:xfrm>
-            <a:prstGeom prst="rightArrow">
-              <a:avLst>
-                <a:gd name="adj1" fmla="val 46890"/>
-                <a:gd name="adj2" fmla="val 71883"/>
-              </a:avLst>
-            </a:prstGeom>
-            <a:blipFill rotWithShape="1">
-              <a:blip r:embed="rId3"/>
-              <a:srcRect/>
-              <a:tile tx="0" ty="0" sx="100000" sy="100000" flip="none" algn="tl"/>
-            </a:blipFill>
-            <a:ln w="25400" cap="flat">
-              <a:noFill/>
-              <a:miter lim="400000"/>
-            </a:ln>
-            <a:effectLst>
-              <a:outerShdw blurRad="76200" dist="50800" dir="5400000" rotWithShape="0">
-                <a:srgbClr val="000000">
-                  <a:alpha val="50000"/>
-                </a:srgbClr>
-              </a:outerShdw>
-            </a:effectLst>
-          </p:spPr>
-          <p:txBody>
-            <a:bodyPr wrap="square" lIns="50800" tIns="50800" rIns="50800" bIns="50800" numCol="1" anchor="ctr">
-              <a:noAutofit/>
-            </a:bodyPr>
-            <a:lstStyle/>
-            <a:p>
-              <a:pPr algn="ctr" defTabSz="406400">
-                <a:defRPr sz="5600">
-                  <a:solidFill>
-                    <a:srgbClr val="FFFFFF"/>
-                  </a:solidFill>
-                  <a:effectLst>
-                    <a:outerShdw blurRad="38100" dist="12700" dir="5400000" rotWithShape="0">
-                      <a:srgbClr val="000000">
-                        <a:alpha val="50000"/>
-                      </a:srgbClr>
-                    </a:outerShdw>
-                  </a:effectLst>
-                  <a:latin typeface="+mj-lt"/>
-                  <a:ea typeface="+mj-ea"/>
-                  <a:cs typeface="+mj-cs"/>
-                  <a:sym typeface="Gill Sans"/>
-                </a:defRPr>
-              </a:pPr>
-              <a:endParaRPr sz="2800"/>
-            </a:p>
-          </p:txBody>
-        </p:sp>
-        <p:sp>
-          <p:nvSpPr>
-            <p:cNvPr id="1212" name="Arrow"/>
-            <p:cNvSpPr/>
-            <p:nvPr/>
-          </p:nvSpPr>
-          <p:spPr>
-            <a:xfrm flipH="1">
-              <a:off x="4729284" y="1512463"/>
-              <a:ext cx="1141899" cy="527790"/>
-            </a:xfrm>
-            <a:prstGeom prst="rightArrow">
-              <a:avLst>
-                <a:gd name="adj1" fmla="val 46890"/>
-                <a:gd name="adj2" fmla="val 71883"/>
-              </a:avLst>
-            </a:prstGeom>
-            <a:blipFill rotWithShape="1">
-              <a:blip r:embed="rId3"/>
-              <a:srcRect/>
-              <a:tile tx="0" ty="0" sx="100000" sy="100000" flip="none" algn="tl"/>
-            </a:blipFill>
-            <a:ln w="25400" cap="flat">
-              <a:noFill/>
-              <a:miter lim="400000"/>
-            </a:ln>
-            <a:effectLst>
-              <a:outerShdw blurRad="76200" dist="50800" dir="5400000" rotWithShape="0">
-                <a:srgbClr val="000000">
-                  <a:alpha val="50000"/>
-                </a:srgbClr>
-              </a:outerShdw>
-            </a:effectLst>
-          </p:spPr>
-          <p:txBody>
-            <a:bodyPr wrap="square" lIns="50800" tIns="50800" rIns="50800" bIns="50800" numCol="1" anchor="ctr">
-              <a:noAutofit/>
-            </a:bodyPr>
-            <a:lstStyle/>
-            <a:p>
-              <a:pPr algn="ctr" defTabSz="406400">
-                <a:defRPr sz="5600">
-                  <a:solidFill>
-                    <a:srgbClr val="FFFFFF"/>
-                  </a:solidFill>
-                  <a:effectLst>
-                    <a:outerShdw blurRad="38100" dist="12700" dir="5400000" rotWithShape="0">
-                      <a:srgbClr val="000000">
-                        <a:alpha val="50000"/>
-                      </a:srgbClr>
-                    </a:outerShdw>
-                  </a:effectLst>
-                  <a:latin typeface="+mj-lt"/>
-                  <a:ea typeface="+mj-ea"/>
-                  <a:cs typeface="+mj-cs"/>
-                  <a:sym typeface="Gill Sans"/>
-                </a:defRPr>
-              </a:pPr>
-              <a:endParaRPr sz="2800"/>
-            </a:p>
-          </p:txBody>
-        </p:sp>
-      </p:grpSp>
       <p:pic>
         <p:nvPicPr>
-          <p:cNvPr id="1214" name="MathTypeImage.pdf" descr="MathTypeImage.pdf"/>
+          <p:cNvPr id="505" name="Image" descr="Image"/>
           <p:cNvPicPr>
             <a:picLocks noChangeAspect="1"/>
           </p:cNvPicPr>
           <p:nvPr/>
         </p:nvPicPr>
         <p:blipFill>
-          <a:blip r:embed="rId4"/>
+          <a:blip r:embed="rId2"/>
           <a:stretch>
             <a:fillRect/>
           </a:stretch>
         </p:blipFill>
         <p:spPr>
           <a:xfrm>
-            <a:off x="6592314" y="2065610"/>
-            <a:ext cx="4442696" cy="2580684"/>
+            <a:off x="1524000" y="-27052"/>
+            <a:ext cx="9143749" cy="6858001"/>
           </a:xfrm>
           <a:prstGeom prst="rect">
             <a:avLst/>
@@ -5357,14 +3568,14 @@
       </p:pic>
       <p:sp>
         <p:nvSpPr>
-          <p:cNvPr id="1215" name="Also called Gentle-Boost and Logit Boost,  Hastie, Freedman &amp; Tibshirani"/>
+          <p:cNvPr id="506" name="[Slides from Rob Schapire]"/>
           <p:cNvSpPr txBox="1"/>
           <p:nvPr/>
         </p:nvSpPr>
         <p:spPr>
           <a:xfrm>
-            <a:off x="2618482" y="897651"/>
-            <a:ext cx="7538010" cy="333425"/>
+            <a:off x="8312100" y="235054"/>
+            <a:ext cx="1423467" cy="241092"/>
           </a:xfrm>
           <a:prstGeom prst="rect">
             <a:avLst/>
@@ -5374,722 +3585,91 @@
           </a:ln>
           <a:extLst>
             <a:ext uri="{C572A759-6A51-4108-AA02-DFA0A04FC94B}">
-              <ma14:wrappingTextBoxFlag xmlns="" xmlns:m="http://schemas.openxmlformats.org/officeDocument/2006/math" xmlns:a14="http://schemas.microsoft.com/office/drawing/2010/main" xmlns:ma14="http://schemas.microsoft.com/office/mac/drawingml/2011/main" val="1"/>
+              <ma14:wrappingTextBoxFlag xmlns:ma14="http://schemas.microsoft.com/office/mac/drawingml/2011/main" xmlns:a14="http://schemas.microsoft.com/office/drawing/2010/main" xmlns:m="http://schemas.openxmlformats.org/officeDocument/2006/math" xmlns="" val="1"/>
             </a:ext>
           </a:extLst>
         </p:spPr>
         <p:txBody>
-          <a:bodyPr lIns="50800" tIns="50800" rIns="50800" bIns="50800" anchor="ctr">
+          <a:bodyPr wrap="none" lIns="50800" tIns="50800" rIns="50800" bIns="50800" anchor="ctr">
             <a:spAutoFit/>
           </a:bodyPr>
-          <a:lstStyle>
-            <a:lvl1pPr>
-              <a:defRPr sz="3000"/>
-            </a:lvl1pPr>
-          </a:lstStyle>
+          <a:lstStyle/>
           <a:p>
             <a:r>
-              <a:rPr sz="1500"/>
-              <a:t>Also called Gentle-Boost and Logit Boost,  Hastie, Freedman &amp; Tibshirani</a:t>
+              <a:rPr sz="900"/>
+              <a:t>[Slides from Rob Schapire]</a:t>
             </a:r>
           </a:p>
         </p:txBody>
       </p:sp>
       <p:sp>
         <p:nvSpPr>
-          <p:cNvPr id="1216" name="Adaboost (loss and weight)"/>
-          <p:cNvSpPr txBox="1"/>
+          <p:cNvPr id="507" name="Rectangle"/>
+          <p:cNvSpPr/>
           <p:nvPr/>
         </p:nvSpPr>
         <p:spPr>
           <a:xfrm>
-            <a:off x="4775200" y="1593850"/>
-            <a:ext cx="3838230" cy="471924"/>
+            <a:off x="7799377" y="0"/>
+            <a:ext cx="2682189" cy="1270001"/>
           </a:xfrm>
           <a:prstGeom prst="rect">
             <a:avLst/>
           </a:prstGeom>
-          <a:ln w="25400">
+          <a:solidFill>
+            <a:srgbClr val="FFFFFF"/>
+          </a:solidFill>
+          <a:ln w="12700">
             <a:miter lim="400000"/>
           </a:ln>
-          <a:extLst>
-            <a:ext uri="{C572A759-6A51-4108-AA02-DFA0A04FC94B}">
-              <ma14:wrappingTextBoxFlag xmlns="" xmlns:m="http://schemas.openxmlformats.org/officeDocument/2006/math" xmlns:a14="http://schemas.microsoft.com/office/drawing/2010/main" xmlns:ma14="http://schemas.microsoft.com/office/mac/drawingml/2011/main" val="1"/>
-            </a:ext>
-          </a:extLst>
         </p:spPr>
         <p:txBody>
-          <a:bodyPr wrap="none" lIns="50800" tIns="50800" rIns="50800" bIns="50800">
-            <a:spAutoFit/>
-          </a:bodyPr>
-          <a:lstStyle>
-            <a:lvl1pPr marL="81279" marR="81279" defTabSz="1828800">
-              <a:buClr>
-                <a:srgbClr val="434ED6"/>
-              </a:buClr>
-              <a:buFont typeface="Times New Roman"/>
-              <a:defRPr sz="4800">
+          <a:bodyPr lIns="50800" tIns="50800" rIns="50800" bIns="50800" anchor="ctr"/>
+          <a:lstStyle/>
+          <a:p>
+            <a:pPr algn="ctr" defTabSz="406400">
+              <a:defRPr sz="5600">
                 <a:solidFill>
-                  <a:srgbClr val="434ED6"/>
+                  <a:srgbClr val="FFFFFF"/>
                 </a:solidFill>
-                <a:uFill>
-                  <a:solidFill>
-                    <a:srgbClr val="434ED6"/>
-                  </a:solidFill>
-                </a:uFill>
-                <a:latin typeface="+mn-lt"/>
-                <a:ea typeface="+mn-ea"/>
-                <a:cs typeface="+mn-cs"/>
-                <a:sym typeface="Times New Roman"/>
+                <a:effectLst>
+                  <a:outerShdw blurRad="38100" dist="12700" dir="5400000" rotWithShape="0">
+                    <a:srgbClr val="000000">
+                      <a:alpha val="50000"/>
+                    </a:srgbClr>
+                  </a:outerShdw>
+                </a:effectLst>
+                <a:latin typeface="+mj-lt"/>
+                <a:ea typeface="+mj-ea"/>
+                <a:cs typeface="+mj-cs"/>
+                <a:sym typeface="Gill Sans"/>
               </a:defRPr>
-            </a:lvl1pPr>
-          </a:lstStyle>
-          <a:p>
-            <a:r>
-              <a:rPr sz="2400"/>
-              <a:t>Adaboost (loss and weight)</a:t>
-            </a:r>
+            </a:pPr>
+            <a:endParaRPr sz="2800"/>
           </a:p>
         </p:txBody>
       </p:sp>
-      <p:grpSp>
-        <p:nvGrpSpPr>
-          <p:cNvPr id="1219" name="Group"/>
-          <p:cNvGrpSpPr/>
-          <p:nvPr/>
-        </p:nvGrpSpPr>
-        <p:grpSpPr>
-          <a:xfrm>
-            <a:off x="2209800" y="1593850"/>
-            <a:ext cx="7029451" cy="3978275"/>
-            <a:chOff x="0" y="0"/>
-            <a:chExt cx="14058900" cy="7956550"/>
-          </a:xfrm>
-        </p:grpSpPr>
-        <p:sp>
-          <p:nvSpPr>
-            <p:cNvPr id="1217" name="Line"/>
-            <p:cNvSpPr/>
-            <p:nvPr/>
-          </p:nvSpPr>
-          <p:spPr>
-            <a:xfrm flipH="1">
-              <a:off x="3048000" y="927100"/>
-              <a:ext cx="11010900" cy="7029450"/>
-            </a:xfrm>
-            <a:custGeom>
-              <a:avLst/>
-              <a:gdLst/>
-              <a:ahLst/>
-              <a:cxnLst>
-                <a:cxn ang="0">
-                  <a:pos x="wd2" y="hd2"/>
-                </a:cxn>
-                <a:cxn ang="5400000">
-                  <a:pos x="wd2" y="hd2"/>
-                </a:cxn>
-                <a:cxn ang="10800000">
-                  <a:pos x="wd2" y="hd2"/>
-                </a:cxn>
-                <a:cxn ang="16200000">
-                  <a:pos x="wd2" y="hd2"/>
-                </a:cxn>
-              </a:cxnLst>
-              <a:rect l="0" t="0" r="r" b="b"/>
-              <a:pathLst>
-                <a:path w="21600" h="21600" extrusionOk="0">
-                  <a:moveTo>
-                    <a:pt x="0" y="21600"/>
-                  </a:moveTo>
-                  <a:cubicBezTo>
-                    <a:pt x="1282" y="21342"/>
-                    <a:pt x="5527" y="21206"/>
-                    <a:pt x="7740" y="20053"/>
-                  </a:cubicBezTo>
-                  <a:cubicBezTo>
-                    <a:pt x="9954" y="18900"/>
-                    <a:pt x="11590" y="16787"/>
-                    <a:pt x="13292" y="14667"/>
-                  </a:cubicBezTo>
-                  <a:cubicBezTo>
-                    <a:pt x="14994" y="12547"/>
-                    <a:pt x="16570" y="9776"/>
-                    <a:pt x="17953" y="7334"/>
-                  </a:cubicBezTo>
-                  <a:cubicBezTo>
-                    <a:pt x="19336" y="4892"/>
-                    <a:pt x="20840" y="1525"/>
-                    <a:pt x="21600" y="0"/>
-                  </a:cubicBezTo>
-                </a:path>
-              </a:pathLst>
-            </a:custGeom>
-            <a:noFill/>
-            <a:ln w="50800" cap="flat">
-              <a:solidFill>
-                <a:srgbClr val="00D2A9"/>
-              </a:solidFill>
-              <a:prstDash val="solid"/>
-              <a:round/>
-            </a:ln>
-            <a:effectLst/>
-          </p:spPr>
-          <p:txBody>
-            <a:bodyPr wrap="square" lIns="50800" tIns="50800" rIns="50800" bIns="50800" numCol="1" anchor="ctr">
-              <a:noAutofit/>
-            </a:bodyPr>
-            <a:lstStyle/>
-            <a:p>
-              <a:pPr marL="40640" marR="40640">
-                <a:defRPr sz="4800">
-                  <a:uFill>
-                    <a:solidFill>
-                      <a:srgbClr val="000000"/>
-                    </a:solidFill>
-                  </a:uFill>
-                  <a:latin typeface="+mn-lt"/>
-                  <a:ea typeface="+mn-ea"/>
-                  <a:cs typeface="+mn-cs"/>
-                  <a:sym typeface="Times New Roman"/>
-                </a:defRPr>
-              </a:pPr>
-              <a:endParaRPr sz="2400"/>
-            </a:p>
-          </p:txBody>
-        </p:sp>
-        <p:sp>
-          <p:nvSpPr>
-            <p:cNvPr id="1218" name="Logitboost loss"/>
-            <p:cNvSpPr txBox="1"/>
-            <p:nvPr/>
-          </p:nvSpPr>
-          <p:spPr>
-            <a:xfrm>
-              <a:off x="0" y="0"/>
-              <a:ext cx="4567789" cy="943848"/>
-            </a:xfrm>
-            <a:prstGeom prst="rect">
-              <a:avLst/>
-            </a:prstGeom>
-            <a:noFill/>
-            <a:ln w="25400" cap="flat">
-              <a:noFill/>
-              <a:miter lim="400000"/>
-            </a:ln>
-            <a:effectLst/>
-            <a:extLst>
-              <a:ext uri="{C572A759-6A51-4108-AA02-DFA0A04FC94B}">
-                <ma14:wrappingTextBoxFlag xmlns="" xmlns:m="http://schemas.openxmlformats.org/officeDocument/2006/math" xmlns:a14="http://schemas.microsoft.com/office/drawing/2010/main" xmlns:ma14="http://schemas.microsoft.com/office/mac/drawingml/2011/main" val="1"/>
-              </a:ext>
-            </a:extLst>
-          </p:spPr>
-          <p:txBody>
-            <a:bodyPr wrap="none" lIns="50800" tIns="50800" rIns="50800" bIns="50800" numCol="1" anchor="t">
-              <a:spAutoFit/>
-            </a:bodyPr>
-            <a:lstStyle>
-              <a:lvl1pPr marL="81279" marR="81279" defTabSz="1828800">
-                <a:buClr>
-                  <a:srgbClr val="434ED6"/>
-                </a:buClr>
-                <a:buFont typeface="Times New Roman"/>
-                <a:defRPr sz="4800">
-                  <a:solidFill>
-                    <a:schemeClr val="accent2"/>
-                  </a:solidFill>
-                  <a:uFill>
-                    <a:solidFill>
-                      <a:srgbClr val="434ED6"/>
-                    </a:solidFill>
-                  </a:uFill>
-                  <a:latin typeface="+mn-lt"/>
-                  <a:ea typeface="+mn-ea"/>
-                  <a:cs typeface="+mn-cs"/>
-                  <a:sym typeface="Times New Roman"/>
-                </a:defRPr>
-              </a:lvl1pPr>
-            </a:lstStyle>
-            <a:p>
-              <a:r>
-                <a:rPr sz="2400"/>
-                <a:t>Logitboost loss</a:t>
-              </a:r>
-            </a:p>
-          </p:txBody>
-        </p:sp>
-      </p:grpSp>
-      <p:pic>
-        <p:nvPicPr>
-          <p:cNvPr id="1220" name="MathTypeImage.pdf" descr="MathTypeImage.pdf"/>
-          <p:cNvPicPr>
-            <a:picLocks noChangeAspect="1"/>
-          </p:cNvPicPr>
-          <p:nvPr/>
-        </p:nvPicPr>
-        <p:blipFill>
-          <a:blip r:embed="rId5"/>
-          <a:stretch>
-            <a:fillRect/>
-          </a:stretch>
-        </p:blipFill>
-        <p:spPr>
-          <a:xfrm>
-            <a:off x="1595997" y="2389789"/>
-            <a:ext cx="3393784" cy="2136827"/>
-          </a:xfrm>
-          <a:prstGeom prst="rect">
-            <a:avLst/>
-          </a:prstGeom>
-          <a:ln w="25400">
-            <a:miter lim="400000"/>
-          </a:ln>
-        </p:spPr>
-      </p:pic>
-      <p:grpSp>
-        <p:nvGrpSpPr>
-          <p:cNvPr id="1223" name="Group"/>
-          <p:cNvGrpSpPr/>
-          <p:nvPr/>
-        </p:nvGrpSpPr>
-        <p:grpSpPr>
-          <a:xfrm>
-            <a:off x="1878475" y="4389917"/>
-            <a:ext cx="8192046" cy="1200929"/>
-            <a:chOff x="0" y="0"/>
-            <a:chExt cx="16384089" cy="2401856"/>
-          </a:xfrm>
-        </p:grpSpPr>
-        <p:sp>
-          <p:nvSpPr>
-            <p:cNvPr id="1221" name="Line"/>
-            <p:cNvSpPr/>
-            <p:nvPr/>
-          </p:nvSpPr>
-          <p:spPr>
-            <a:xfrm>
-              <a:off x="0" y="0"/>
-              <a:ext cx="16384090" cy="2401857"/>
-            </a:xfrm>
-            <a:custGeom>
-              <a:avLst/>
-              <a:gdLst/>
-              <a:ahLst/>
-              <a:cxnLst>
-                <a:cxn ang="0">
-                  <a:pos x="wd2" y="hd2"/>
-                </a:cxn>
-                <a:cxn ang="5400000">
-                  <a:pos x="wd2" y="hd2"/>
-                </a:cxn>
-                <a:cxn ang="10800000">
-                  <a:pos x="wd2" y="hd2"/>
-                </a:cxn>
-                <a:cxn ang="16200000">
-                  <a:pos x="wd2" y="hd2"/>
-                </a:cxn>
-              </a:cxnLst>
-              <a:rect l="0" t="0" r="r" b="b"/>
-              <a:pathLst>
-                <a:path w="21600" h="21374" extrusionOk="0">
-                  <a:moveTo>
-                    <a:pt x="21600" y="21327"/>
-                  </a:moveTo>
-                  <a:cubicBezTo>
-                    <a:pt x="19022" y="21512"/>
-                    <a:pt x="16443" y="21147"/>
-                    <a:pt x="13868" y="20233"/>
-                  </a:cubicBezTo>
-                  <a:cubicBezTo>
-                    <a:pt x="13222" y="20004"/>
-                    <a:pt x="12568" y="19726"/>
-                    <a:pt x="11961" y="18220"/>
-                  </a:cubicBezTo>
-                  <a:cubicBezTo>
-                    <a:pt x="11316" y="16615"/>
-                    <a:pt x="10768" y="13738"/>
-                    <a:pt x="10209" y="11020"/>
-                  </a:cubicBezTo>
-                  <a:cubicBezTo>
-                    <a:pt x="9789" y="8983"/>
-                    <a:pt x="9359" y="7027"/>
-                    <a:pt x="8895" y="5509"/>
-                  </a:cubicBezTo>
-                  <a:cubicBezTo>
-                    <a:pt x="8316" y="3618"/>
-                    <a:pt x="7696" y="2443"/>
-                    <a:pt x="7063" y="1688"/>
-                  </a:cubicBezTo>
-                  <a:cubicBezTo>
-                    <a:pt x="6249" y="716"/>
-                    <a:pt x="5421" y="451"/>
-                    <a:pt x="4595" y="273"/>
-                  </a:cubicBezTo>
-                  <a:cubicBezTo>
-                    <a:pt x="3064" y="-56"/>
-                    <a:pt x="1531" y="-88"/>
-                    <a:pt x="0" y="176"/>
-                  </a:cubicBezTo>
-                </a:path>
-              </a:pathLst>
-            </a:custGeom>
-            <a:noFill/>
-            <a:ln w="50800" cap="flat">
-              <a:solidFill>
-                <a:schemeClr val="accent6">
-                  <a:satOff val="24555"/>
-                  <a:lumOff val="22232"/>
-                </a:schemeClr>
-              </a:solidFill>
-              <a:prstDash val="solid"/>
-              <a:miter lim="400000"/>
-            </a:ln>
-            <a:effectLst>
-              <a:reflection stA="50000" endPos="40000" dir="5400000" sy="-100000" algn="bl" rotWithShape="0"/>
-            </a:effectLst>
-          </p:spPr>
-          <p:txBody>
-            <a:bodyPr wrap="square" lIns="50800" tIns="50800" rIns="50800" bIns="50800" numCol="1" anchor="ctr">
-              <a:noAutofit/>
-            </a:bodyPr>
-            <a:lstStyle/>
-            <a:p>
-              <a:pPr algn="ctr" defTabSz="406400">
-                <a:defRPr sz="5600">
-                  <a:solidFill>
-                    <a:srgbClr val="FFFFFF"/>
-                  </a:solidFill>
-                  <a:effectLst>
-                    <a:outerShdw blurRad="38100" dist="12700" dir="5400000" rotWithShape="0">
-                      <a:srgbClr val="000000">
-                        <a:alpha val="50000"/>
-                      </a:srgbClr>
-                    </a:outerShdw>
-                  </a:effectLst>
-                  <a:latin typeface="+mj-lt"/>
-                  <a:ea typeface="+mj-ea"/>
-                  <a:cs typeface="+mj-cs"/>
-                  <a:sym typeface="Gill Sans"/>
-                </a:defRPr>
-              </a:pPr>
-              <a:endParaRPr sz="2800"/>
-            </a:p>
-          </p:txBody>
-        </p:sp>
-        <p:sp>
-          <p:nvSpPr>
-            <p:cNvPr id="1222" name="Logitboost weight"/>
-            <p:cNvSpPr/>
-            <p:nvPr/>
-          </p:nvSpPr>
-          <p:spPr>
-            <a:xfrm>
-              <a:off x="1201745" y="186117"/>
-              <a:ext cx="1270001" cy="1270001"/>
-            </a:xfrm>
-            <a:prstGeom prst="line">
-              <a:avLst/>
-            </a:prstGeom>
-            <a:noFill/>
-            <a:ln w="25400" cap="flat">
-              <a:noFill/>
-              <a:miter lim="400000"/>
-            </a:ln>
-            <a:effectLst/>
-            <a:extLst>
-              <a:ext uri="{C572A759-6A51-4108-AA02-DFA0A04FC94B}">
-                <ma14:wrappingTextBoxFlag xmlns="" xmlns:m="http://schemas.openxmlformats.org/officeDocument/2006/math" xmlns:a14="http://schemas.microsoft.com/office/drawing/2010/main" xmlns:ma14="http://schemas.microsoft.com/office/mac/drawingml/2011/main" val="1"/>
-              </a:ext>
-            </a:extLst>
-          </p:spPr>
-          <p:txBody>
-            <a:bodyPr wrap="none" lIns="50800" tIns="50800" rIns="50800" bIns="50800" numCol="1" anchor="t">
-              <a:spAutoFit/>
-            </a:bodyPr>
-            <a:lstStyle>
-              <a:lvl1pPr marL="81279" marR="81279" defTabSz="1828800">
-                <a:buClr>
-                  <a:srgbClr val="434ED6"/>
-                </a:buClr>
-                <a:buFont typeface="Times New Roman"/>
-                <a:defRPr sz="4800">
-                  <a:solidFill>
-                    <a:schemeClr val="accent6"/>
-                  </a:solidFill>
-                  <a:uFill>
-                    <a:solidFill>
-                      <a:srgbClr val="434ED6"/>
-                    </a:solidFill>
-                  </a:uFill>
-                  <a:latin typeface="+mn-lt"/>
-                  <a:ea typeface="+mn-ea"/>
-                  <a:cs typeface="+mn-cs"/>
-                  <a:sym typeface="Times New Roman"/>
-                </a:defRPr>
-              </a:lvl1pPr>
-            </a:lstStyle>
-            <a:p>
-              <a:r>
-                <a:rPr sz="2400"/>
-                <a:t>Logitboost weight</a:t>
-              </a:r>
-            </a:p>
-          </p:txBody>
-        </p:sp>
-      </p:grpSp>
     </p:spTree>
   </p:cSld>
   <p:clrMapOvr>
     <a:masterClrMapping/>
   </p:clrMapOvr>
-  <p:transition spd="med"/>
-  <p:timing>
-    <p:tnLst>
-      <p:par>
-        <p:cTn id="1" dur="indefinite" restart="never" fill="hold" nodeType="tmRoot">
-          <p:childTnLst>
-            <p:seq concurrent="1" prevAc="none" nextAc="seek">
-              <p:cTn id="2" dur="indefinite" fill="hold" nodeType="mainSeq">
-                <p:childTnLst>
-                  <p:par>
-                    <p:cTn id="3" fill="hold">
-                      <p:stCondLst>
-                        <p:cond delay="indefinite"/>
-                      </p:stCondLst>
-                      <p:childTnLst>
-                        <p:par>
-                          <p:cTn id="4" fill="hold">
-                            <p:stCondLst>
-                              <p:cond delay="0"/>
-                            </p:stCondLst>
-                            <p:childTnLst>
-                              <p:par>
-                                <p:cTn id="5" presetID="22" presetClass="entr" presetSubtype="8" fill="hold" grpId="0" nodeType="clickEffect">
-                                  <p:stCondLst>
-                                    <p:cond delay="0"/>
-                                  </p:stCondLst>
-                                  <p:iterate>
-                                    <p:tmAbs val="0"/>
-                                  </p:iterate>
-                                  <p:childTnLst>
-                                    <p:set>
-                                      <p:cBhvr>
-                                        <p:cTn id="6" fill="hold"/>
-                                        <p:tgtEl>
-                                          <p:spTgt spid="1220"/>
-                                        </p:tgtEl>
-                                        <p:attrNameLst>
-                                          <p:attrName>style.visibility</p:attrName>
-                                        </p:attrNameLst>
-                                      </p:cBhvr>
-                                      <p:to>
-                                        <p:strVal val="visible"/>
-                                      </p:to>
-                                    </p:set>
-                                    <p:animEffect transition="in" filter="wipe(left)">
-                                      <p:cBhvr>
-                                        <p:cTn id="7" dur="1000"/>
-                                        <p:tgtEl>
-                                          <p:spTgt spid="1220"/>
-                                        </p:tgtEl>
-                                      </p:cBhvr>
-                                    </p:animEffect>
-                                  </p:childTnLst>
-                                </p:cTn>
-                              </p:par>
-                            </p:childTnLst>
-                          </p:cTn>
-                        </p:par>
-                      </p:childTnLst>
-                    </p:cTn>
-                  </p:par>
-                  <p:par>
-                    <p:cTn id="8" fill="hold">
-                      <p:stCondLst>
-                        <p:cond delay="indefinite"/>
-                      </p:stCondLst>
-                      <p:childTnLst>
-                        <p:par>
-                          <p:cTn id="9" fill="hold">
-                            <p:stCondLst>
-                              <p:cond delay="0"/>
-                            </p:stCondLst>
-                            <p:childTnLst>
-                              <p:par>
-                                <p:cTn id="10" presetID="22" presetClass="entr" presetSubtype="8" fill="hold" grpId="0" nodeType="clickEffect">
-                                  <p:stCondLst>
-                                    <p:cond delay="0"/>
-                                  </p:stCondLst>
-                                  <p:iterate>
-                                    <p:tmAbs val="0"/>
-                                  </p:iterate>
-                                  <p:childTnLst>
-                                    <p:set>
-                                      <p:cBhvr>
-                                        <p:cTn id="11" fill="hold"/>
-                                        <p:tgtEl>
-                                          <p:spTgt spid="1219"/>
-                                        </p:tgtEl>
-                                        <p:attrNameLst>
-                                          <p:attrName>style.visibility</p:attrName>
-                                        </p:attrNameLst>
-                                      </p:cBhvr>
-                                      <p:to>
-                                        <p:strVal val="visible"/>
-                                      </p:to>
-                                    </p:set>
-                                    <p:animEffect transition="in" filter="wipe(left)">
-                                      <p:cBhvr>
-                                        <p:cTn id="12" dur="1000"/>
-                                        <p:tgtEl>
-                                          <p:spTgt spid="1219"/>
-                                        </p:tgtEl>
-                                      </p:cBhvr>
-                                    </p:animEffect>
-                                  </p:childTnLst>
-                                </p:cTn>
-                              </p:par>
-                            </p:childTnLst>
-                          </p:cTn>
-                        </p:par>
-                      </p:childTnLst>
-                    </p:cTn>
-                  </p:par>
-                  <p:par>
-                    <p:cTn id="13" fill="hold">
-                      <p:stCondLst>
-                        <p:cond delay="indefinite"/>
-                      </p:stCondLst>
-                      <p:childTnLst>
-                        <p:par>
-                          <p:cTn id="14" fill="hold">
-                            <p:stCondLst>
-                              <p:cond delay="0"/>
-                            </p:stCondLst>
-                            <p:childTnLst>
-                              <p:par>
-                                <p:cTn id="15" presetID="22" presetClass="entr" presetSubtype="8" fill="hold" grpId="0" nodeType="clickEffect">
-                                  <p:stCondLst>
-                                    <p:cond delay="0"/>
-                                  </p:stCondLst>
-                                  <p:iterate>
-                                    <p:tmAbs val="0"/>
-                                  </p:iterate>
-                                  <p:childTnLst>
-                                    <p:set>
-                                      <p:cBhvr>
-                                        <p:cTn id="16" fill="hold"/>
-                                        <p:tgtEl>
-                                          <p:spTgt spid="1214"/>
-                                        </p:tgtEl>
-                                        <p:attrNameLst>
-                                          <p:attrName>style.visibility</p:attrName>
-                                        </p:attrNameLst>
-                                      </p:cBhvr>
-                                      <p:to>
-                                        <p:strVal val="visible"/>
-                                      </p:to>
-                                    </p:set>
-                                    <p:animEffect transition="in" filter="wipe(left)">
-                                      <p:cBhvr>
-                                        <p:cTn id="17" dur="1000"/>
-                                        <p:tgtEl>
-                                          <p:spTgt spid="1214"/>
-                                        </p:tgtEl>
-                                      </p:cBhvr>
-                                    </p:animEffect>
-                                  </p:childTnLst>
-                                </p:cTn>
-                              </p:par>
-                            </p:childTnLst>
-                          </p:cTn>
-                        </p:par>
-                      </p:childTnLst>
-                    </p:cTn>
-                  </p:par>
-                  <p:par>
-                    <p:cTn id="18" fill="hold">
-                      <p:stCondLst>
-                        <p:cond delay="indefinite"/>
-                      </p:stCondLst>
-                      <p:childTnLst>
-                        <p:par>
-                          <p:cTn id="19" fill="hold">
-                            <p:stCondLst>
-                              <p:cond delay="0"/>
-                            </p:stCondLst>
-                            <p:childTnLst>
-                              <p:par>
-                                <p:cTn id="20" presetID="22" presetClass="entr" presetSubtype="8" fill="hold" grpId="0" nodeType="clickEffect">
-                                  <p:stCondLst>
-                                    <p:cond delay="0"/>
-                                  </p:stCondLst>
-                                  <p:iterate>
-                                    <p:tmAbs val="0"/>
-                                  </p:iterate>
-                                  <p:childTnLst>
-                                    <p:set>
-                                      <p:cBhvr>
-                                        <p:cTn id="21" fill="hold"/>
-                                        <p:tgtEl>
-                                          <p:spTgt spid="1223"/>
-                                        </p:tgtEl>
-                                        <p:attrNameLst>
-                                          <p:attrName>style.visibility</p:attrName>
-                                        </p:attrNameLst>
-                                      </p:cBhvr>
-                                      <p:to>
-                                        <p:strVal val="visible"/>
-                                      </p:to>
-                                    </p:set>
-                                    <p:animEffect transition="in" filter="wipe(left)">
-                                      <p:cBhvr>
-                                        <p:cTn id="22" dur="1000"/>
-                                        <p:tgtEl>
-                                          <p:spTgt spid="1223"/>
-                                        </p:tgtEl>
-                                      </p:cBhvr>
-                                    </p:animEffect>
-                                  </p:childTnLst>
-                                </p:cTn>
-                              </p:par>
-                            </p:childTnLst>
-                          </p:cTn>
-                        </p:par>
-                      </p:childTnLst>
-                    </p:cTn>
-                  </p:par>
-                </p:childTnLst>
-              </p:cTn>
-              <p:prevCondLst>
-                <p:cond evt="onPrev" delay="0">
-                  <p:tgtEl>
-                    <p:sldTgt/>
-                  </p:tgtEl>
-                </p:cond>
-              </p:prevCondLst>
-              <p:nextCondLst>
-                <p:cond evt="onNext" delay="0">
-                  <p:tgtEl>
-                    <p:sldTgt/>
-                  </p:tgtEl>
-                </p:cond>
-              </p:nextCondLst>
-            </p:seq>
-          </p:childTnLst>
-        </p:cTn>
-      </p:par>
-    </p:tnLst>
-    <p:bldLst>
-      <p:bldP spid="1214" grpId="0" animBg="1" advAuto="0"/>
-      <p:bldP spid="1219" grpId="0" animBg="1" advAuto="0"/>
-      <p:bldP spid="1220" grpId="0" animBg="1" advAuto="0"/>
-      <p:bldP spid="1223" grpId="0" animBg="1" advAuto="0"/>
-    </p:bldLst>
-  </p:timing>
+  <mc:AlternateContent xmlns:mc="http://schemas.openxmlformats.org/markup-compatibility/2006" xmlns:p14="http://schemas.microsoft.com/office/powerpoint/2010/main">
+    <mc:Choice Requires="p14">
+      <p:transition spd="slow" p14:dur="1500">
+        <p:wipe dir="r"/>
+      </p:transition>
+    </mc:Choice>
+    <mc:Fallback xmlns:a14="http://schemas.microsoft.com/office/drawing/2010/main" xmlns:m="http://schemas.openxmlformats.org/officeDocument/2006/math" xmlns="">
+      <p:transition spd="slow">
+        <p:fade/>
+      </p:transition>
+    </mc:Fallback>
+  </mc:AlternateContent>
 </p:sld>
 </file>
 
-<file path=ppt/slides/slide11.xml><?xml version="1.0" encoding="utf-8"?>
+<file path=ppt/slides/slide10.xml><?xml version="1.0" encoding="utf-8"?>
 <p:sld xmlns:a="http://schemas.openxmlformats.org/drawingml/2006/main" xmlns:r="http://schemas.openxmlformats.org/officeDocument/2006/relationships" xmlns:p="http://schemas.openxmlformats.org/presentationml/2006/main">
   <p:cSld>
     <p:spTree>
@@ -6202,7 +3782,7 @@
             <a:effectLst/>
             <a:extLst>
               <a:ext uri="{C572A759-6A51-4108-AA02-DFA0A04FC94B}">
-                <ma14:wrappingTextBoxFlag xmlns:ma14="http://schemas.microsoft.com/office/mac/drawingml/2011/main" xmlns:a14="http://schemas.microsoft.com/office/drawing/2010/main" xmlns:m="http://schemas.openxmlformats.org/officeDocument/2006/math" xmlns="" val="1"/>
+                <ma14:wrappingTextBoxFlag xmlns="" xmlns:m="http://schemas.openxmlformats.org/officeDocument/2006/math" xmlns:a14="http://schemas.microsoft.com/office/drawing/2010/main" xmlns:ma14="http://schemas.microsoft.com/office/mac/drawingml/2011/main" val="1"/>
               </a:ext>
             </a:extLst>
           </p:spPr>
@@ -6309,7 +3889,7 @@
             <a:effectLst/>
             <a:extLst>
               <a:ext uri="{C572A759-6A51-4108-AA02-DFA0A04FC94B}">
-                <ma14:wrappingTextBoxFlag xmlns:ma14="http://schemas.microsoft.com/office/mac/drawingml/2011/main" xmlns:a14="http://schemas.microsoft.com/office/drawing/2010/main" xmlns:m="http://schemas.openxmlformats.org/officeDocument/2006/math" xmlns="" val="1"/>
+                <ma14:wrappingTextBoxFlag xmlns="" xmlns:m="http://schemas.openxmlformats.org/officeDocument/2006/math" xmlns:a14="http://schemas.microsoft.com/office/drawing/2010/main" xmlns:ma14="http://schemas.microsoft.com/office/mac/drawingml/2011/main" val="1"/>
               </a:ext>
             </a:extLst>
           </p:spPr>
@@ -7172,7 +4752,7 @@
             <a:effectLst/>
             <a:extLst>
               <a:ext uri="{C572A759-6A51-4108-AA02-DFA0A04FC94B}">
-                <ma14:wrappingTextBoxFlag xmlns:ma14="http://schemas.microsoft.com/office/mac/drawingml/2011/main" xmlns:a14="http://schemas.microsoft.com/office/drawing/2010/main" xmlns:m="http://schemas.openxmlformats.org/officeDocument/2006/math" xmlns="" val="1"/>
+                <ma14:wrappingTextBoxFlag xmlns="" xmlns:m="http://schemas.openxmlformats.org/officeDocument/2006/math" xmlns:a14="http://schemas.microsoft.com/office/drawing/2010/main" xmlns:ma14="http://schemas.microsoft.com/office/mac/drawingml/2011/main" val="1"/>
               </a:ext>
             </a:extLst>
           </p:spPr>
@@ -8049,7 +5629,7 @@
           </a:ln>
           <a:extLst>
             <a:ext uri="{C572A759-6A51-4108-AA02-DFA0A04FC94B}">
-              <ma14:wrappingTextBoxFlag xmlns:ma14="http://schemas.microsoft.com/office/mac/drawingml/2011/main" xmlns:a14="http://schemas.microsoft.com/office/drawing/2010/main" xmlns:m="http://schemas.openxmlformats.org/officeDocument/2006/math" xmlns="" val="1"/>
+              <ma14:wrappingTextBoxFlag xmlns="" xmlns:m="http://schemas.openxmlformats.org/officeDocument/2006/math" xmlns:a14="http://schemas.microsoft.com/office/drawing/2010/main" xmlns:ma14="http://schemas.microsoft.com/office/mac/drawingml/2011/main" val="1"/>
             </a:ext>
           </a:extLst>
         </p:spPr>
@@ -8240,7 +5820,7 @@
             <a:effectLst/>
             <a:extLst>
               <a:ext uri="{C572A759-6A51-4108-AA02-DFA0A04FC94B}">
-                <ma14:wrappingTextBoxFlag xmlns:ma14="http://schemas.microsoft.com/office/mac/drawingml/2011/main" xmlns:a14="http://schemas.microsoft.com/office/drawing/2010/main" xmlns:m="http://schemas.openxmlformats.org/officeDocument/2006/math" xmlns="" val="1"/>
+                <ma14:wrappingTextBoxFlag xmlns="" xmlns:m="http://schemas.openxmlformats.org/officeDocument/2006/math" xmlns:a14="http://schemas.microsoft.com/office/drawing/2010/main" xmlns:ma14="http://schemas.microsoft.com/office/mac/drawingml/2011/main" val="1"/>
               </a:ext>
             </a:extLst>
           </p:spPr>
@@ -8458,7 +6038,7 @@
             <a:effectLst/>
             <a:extLst>
               <a:ext uri="{C572A759-6A51-4108-AA02-DFA0A04FC94B}">
-                <ma14:wrappingTextBoxFlag xmlns:ma14="http://schemas.microsoft.com/office/mac/drawingml/2011/main" xmlns:a14="http://schemas.microsoft.com/office/drawing/2010/main" xmlns:m="http://schemas.openxmlformats.org/officeDocument/2006/math" xmlns="" val="1"/>
+                <ma14:wrappingTextBoxFlag xmlns="" xmlns:m="http://schemas.openxmlformats.org/officeDocument/2006/math" xmlns:a14="http://schemas.microsoft.com/office/drawing/2010/main" xmlns:ma14="http://schemas.microsoft.com/office/mac/drawingml/2011/main" val="1"/>
               </a:ext>
             </a:extLst>
           </p:spPr>
@@ -8669,153 +6249,6 @@
       </p:grpSpPr>
       <p:pic>
         <p:nvPicPr>
-          <p:cNvPr id="505" name="Image" descr="Image"/>
-          <p:cNvPicPr>
-            <a:picLocks noChangeAspect="1"/>
-          </p:cNvPicPr>
-          <p:nvPr/>
-        </p:nvPicPr>
-        <p:blipFill>
-          <a:blip r:embed="rId2"/>
-          <a:stretch>
-            <a:fillRect/>
-          </a:stretch>
-        </p:blipFill>
-        <p:spPr>
-          <a:xfrm>
-            <a:off x="1524000" y="-27052"/>
-            <a:ext cx="9143749" cy="6858001"/>
-          </a:xfrm>
-          <a:prstGeom prst="rect">
-            <a:avLst/>
-          </a:prstGeom>
-          <a:ln w="25400">
-            <a:miter lim="400000"/>
-          </a:ln>
-        </p:spPr>
-      </p:pic>
-      <p:sp>
-        <p:nvSpPr>
-          <p:cNvPr id="506" name="[Slides from Rob Schapire]"/>
-          <p:cNvSpPr txBox="1"/>
-          <p:nvPr/>
-        </p:nvSpPr>
-        <p:spPr>
-          <a:xfrm>
-            <a:off x="8312100" y="235054"/>
-            <a:ext cx="1423467" cy="241092"/>
-          </a:xfrm>
-          <a:prstGeom prst="rect">
-            <a:avLst/>
-          </a:prstGeom>
-          <a:ln w="25400">
-            <a:miter lim="400000"/>
-          </a:ln>
-          <a:extLst>
-            <a:ext uri="{C572A759-6A51-4108-AA02-DFA0A04FC94B}">
-              <ma14:wrappingTextBoxFlag xmlns="" xmlns:m="http://schemas.openxmlformats.org/officeDocument/2006/math" xmlns:a14="http://schemas.microsoft.com/office/drawing/2010/main" xmlns:ma14="http://schemas.microsoft.com/office/mac/drawingml/2011/main" val="1"/>
-            </a:ext>
-          </a:extLst>
-        </p:spPr>
-        <p:txBody>
-          <a:bodyPr wrap="none" lIns="50800" tIns="50800" rIns="50800" bIns="50800" anchor="ctr">
-            <a:spAutoFit/>
-          </a:bodyPr>
-          <a:lstStyle/>
-          <a:p>
-            <a:r>
-              <a:rPr sz="900"/>
-              <a:t>[Slides from Rob Schapire]</a:t>
-            </a:r>
-          </a:p>
-        </p:txBody>
-      </p:sp>
-      <p:sp>
-        <p:nvSpPr>
-          <p:cNvPr id="507" name="Rectangle"/>
-          <p:cNvSpPr/>
-          <p:nvPr/>
-        </p:nvSpPr>
-        <p:spPr>
-          <a:xfrm>
-            <a:off x="7799377" y="0"/>
-            <a:ext cx="2682189" cy="1270001"/>
-          </a:xfrm>
-          <a:prstGeom prst="rect">
-            <a:avLst/>
-          </a:prstGeom>
-          <a:solidFill>
-            <a:srgbClr val="FFFFFF"/>
-          </a:solidFill>
-          <a:ln w="12700">
-            <a:miter lim="400000"/>
-          </a:ln>
-        </p:spPr>
-        <p:txBody>
-          <a:bodyPr lIns="50800" tIns="50800" rIns="50800" bIns="50800" anchor="ctr"/>
-          <a:lstStyle/>
-          <a:p>
-            <a:pPr algn="ctr" defTabSz="406400">
-              <a:defRPr sz="5600">
-                <a:solidFill>
-                  <a:srgbClr val="FFFFFF"/>
-                </a:solidFill>
-                <a:effectLst>
-                  <a:outerShdw blurRad="38100" dist="12700" dir="5400000" rotWithShape="0">
-                    <a:srgbClr val="000000">
-                      <a:alpha val="50000"/>
-                    </a:srgbClr>
-                  </a:outerShdw>
-                </a:effectLst>
-                <a:latin typeface="+mj-lt"/>
-                <a:ea typeface="+mj-ea"/>
-                <a:cs typeface="+mj-cs"/>
-                <a:sym typeface="Gill Sans"/>
-              </a:defRPr>
-            </a:pPr>
-            <a:endParaRPr sz="2800"/>
-          </a:p>
-        </p:txBody>
-      </p:sp>
-    </p:spTree>
-  </p:cSld>
-  <p:clrMapOvr>
-    <a:masterClrMapping/>
-  </p:clrMapOvr>
-  <mc:AlternateContent xmlns:mc="http://schemas.openxmlformats.org/markup-compatibility/2006" xmlns:p14="http://schemas.microsoft.com/office/powerpoint/2010/main">
-    <mc:Choice Requires="p14">
-      <p:transition spd="slow" p14:dur="1500">
-        <p:wipe dir="r"/>
-      </p:transition>
-    </mc:Choice>
-    <mc:Fallback xmlns="" xmlns:m="http://schemas.openxmlformats.org/officeDocument/2006/math" xmlns:a14="http://schemas.microsoft.com/office/drawing/2010/main">
-      <p:transition spd="slow">
-        <p:fade/>
-      </p:transition>
-    </mc:Fallback>
-  </mc:AlternateContent>
-</p:sld>
-</file>
-
-<file path=ppt/slides/slide3.xml><?xml version="1.0" encoding="utf-8"?>
-<p:sld xmlns:a="http://schemas.openxmlformats.org/drawingml/2006/main" xmlns:r="http://schemas.openxmlformats.org/officeDocument/2006/relationships" xmlns:p="http://schemas.openxmlformats.org/presentationml/2006/main">
-  <p:cSld>
-    <p:spTree>
-      <p:nvGrpSpPr>
-        <p:cNvPr id="1" name=""/>
-        <p:cNvGrpSpPr/>
-        <p:nvPr/>
-      </p:nvGrpSpPr>
-      <p:grpSpPr>
-        <a:xfrm>
-          <a:off x="0" y="0"/>
-          <a:ext cx="0" cy="0"/>
-          <a:chOff x="0" y="0"/>
-          <a:chExt cx="0" cy="0"/>
-        </a:xfrm>
-      </p:grpSpPr>
-      <p:pic>
-        <p:nvPicPr>
           <p:cNvPr id="509" name="Image" descr="Image"/>
           <p:cNvPicPr>
             <a:picLocks noChangeAspect="1"/>
@@ -8860,7 +6293,7 @@
           </a:ln>
           <a:extLst>
             <a:ext uri="{C572A759-6A51-4108-AA02-DFA0A04FC94B}">
-              <ma14:wrappingTextBoxFlag xmlns="" xmlns:m="http://schemas.openxmlformats.org/officeDocument/2006/math" xmlns:a14="http://schemas.microsoft.com/office/drawing/2010/main" xmlns:ma14="http://schemas.microsoft.com/office/mac/drawingml/2011/main" val="1"/>
+              <ma14:wrappingTextBoxFlag xmlns:ma14="http://schemas.microsoft.com/office/mac/drawingml/2011/main" xmlns:a14="http://schemas.microsoft.com/office/drawing/2010/main" xmlns:m="http://schemas.openxmlformats.org/officeDocument/2006/math" xmlns="" val="1"/>
             </a:ext>
           </a:extLst>
         </p:spPr>
@@ -8933,7 +6366,7 @@
 </p:sld>
 </file>
 
-<file path=ppt/slides/slide4.xml><?xml version="1.0" encoding="utf-8"?>
+<file path=ppt/slides/slide3.xml><?xml version="1.0" encoding="utf-8"?>
 <p:sld xmlns:a="http://schemas.openxmlformats.org/drawingml/2006/main" xmlns:r="http://schemas.openxmlformats.org/officeDocument/2006/relationships" xmlns:p="http://schemas.openxmlformats.org/presentationml/2006/main">
   <p:cSld>
     <p:spTree>
@@ -8996,7 +6429,7 @@
           </a:ln>
           <a:extLst>
             <a:ext uri="{C572A759-6A51-4108-AA02-DFA0A04FC94B}">
-              <ma14:wrappingTextBoxFlag xmlns="" xmlns:m="http://schemas.openxmlformats.org/officeDocument/2006/math" xmlns:a14="http://schemas.microsoft.com/office/drawing/2010/main" xmlns:ma14="http://schemas.microsoft.com/office/mac/drawingml/2011/main" val="1"/>
+              <ma14:wrappingTextBoxFlag xmlns:ma14="http://schemas.microsoft.com/office/mac/drawingml/2011/main" xmlns:a14="http://schemas.microsoft.com/office/drawing/2010/main" xmlns:m="http://schemas.openxmlformats.org/officeDocument/2006/math" xmlns="" val="1"/>
             </a:ext>
           </a:extLst>
         </p:spPr>
@@ -9069,7 +6502,7 @@
 </p:sld>
 </file>
 
-<file path=ppt/slides/slide5.xml><?xml version="1.0" encoding="utf-8"?>
+<file path=ppt/slides/slide4.xml><?xml version="1.0" encoding="utf-8"?>
 <p:sld xmlns:a="http://schemas.openxmlformats.org/drawingml/2006/main" xmlns:r="http://schemas.openxmlformats.org/officeDocument/2006/relationships" xmlns:p="http://schemas.openxmlformats.org/presentationml/2006/main">
   <p:cSld>
     <p:spTree>
@@ -9132,7 +6565,7 @@
           </a:ln>
           <a:extLst>
             <a:ext uri="{C572A759-6A51-4108-AA02-DFA0A04FC94B}">
-              <ma14:wrappingTextBoxFlag xmlns="" xmlns:m="http://schemas.openxmlformats.org/officeDocument/2006/math" xmlns:a14="http://schemas.microsoft.com/office/drawing/2010/main" xmlns:ma14="http://schemas.microsoft.com/office/mac/drawingml/2011/main" val="1"/>
+              <ma14:wrappingTextBoxFlag xmlns:ma14="http://schemas.microsoft.com/office/mac/drawingml/2011/main" xmlns:a14="http://schemas.microsoft.com/office/drawing/2010/main" xmlns:m="http://schemas.openxmlformats.org/officeDocument/2006/math" xmlns="" val="1"/>
             </a:ext>
           </a:extLst>
         </p:spPr>
@@ -9205,7 +6638,7 @@
 </p:sld>
 </file>
 
-<file path=ppt/slides/slide6.xml><?xml version="1.0" encoding="utf-8"?>
+<file path=ppt/slides/slide5.xml><?xml version="1.0" encoding="utf-8"?>
 <p:sld xmlns:a="http://schemas.openxmlformats.org/drawingml/2006/main" xmlns:r="http://schemas.openxmlformats.org/officeDocument/2006/relationships" xmlns:p="http://schemas.openxmlformats.org/presentationml/2006/main">
   <p:cSld>
     <p:spTree>
@@ -9268,7 +6701,7 @@
           </a:ln>
           <a:extLst>
             <a:ext uri="{C572A759-6A51-4108-AA02-DFA0A04FC94B}">
-              <ma14:wrappingTextBoxFlag xmlns="" xmlns:m="http://schemas.openxmlformats.org/officeDocument/2006/math" xmlns:a14="http://schemas.microsoft.com/office/drawing/2010/main" xmlns:ma14="http://schemas.microsoft.com/office/mac/drawingml/2011/main" val="1"/>
+              <ma14:wrappingTextBoxFlag xmlns:ma14="http://schemas.microsoft.com/office/mac/drawingml/2011/main" xmlns:a14="http://schemas.microsoft.com/office/drawing/2010/main" xmlns:m="http://schemas.openxmlformats.org/officeDocument/2006/math" xmlns="" val="1"/>
             </a:ext>
           </a:extLst>
         </p:spPr>
@@ -9341,7 +6774,7 @@
 </p:sld>
 </file>
 
-<file path=ppt/slides/slide7.xml><?xml version="1.0" encoding="utf-8"?>
+<file path=ppt/slides/slide6.xml><?xml version="1.0" encoding="utf-8"?>
 <p:sld xmlns:a="http://schemas.openxmlformats.org/drawingml/2006/main" xmlns:r="http://schemas.openxmlformats.org/officeDocument/2006/relationships" xmlns:p="http://schemas.openxmlformats.org/presentationml/2006/main">
   <p:cSld>
     <p:spTree>
@@ -9475,7 +6908,7 @@
             <a:effectLst/>
             <a:extLst>
               <a:ext uri="{C572A759-6A51-4108-AA02-DFA0A04FC94B}">
-                <ma14:wrappingTextBoxFlag xmlns="" xmlns:m="http://schemas.openxmlformats.org/officeDocument/2006/math" xmlns:a14="http://schemas.microsoft.com/office/drawing/2010/main" xmlns:ma14="http://schemas.microsoft.com/office/mac/drawingml/2011/main" val="1"/>
+                <ma14:wrappingTextBoxFlag xmlns:ma14="http://schemas.microsoft.com/office/mac/drawingml/2011/main" xmlns:a14="http://schemas.microsoft.com/office/drawing/2010/main" xmlns:m="http://schemas.openxmlformats.org/officeDocument/2006/math" xmlns="" val="1"/>
               </a:ext>
             </a:extLst>
           </p:spPr>
@@ -9629,7 +7062,7 @@
             <a:effectLst/>
             <a:extLst>
               <a:ext uri="{C572A759-6A51-4108-AA02-DFA0A04FC94B}">
-                <ma14:wrappingTextBoxFlag xmlns="" xmlns:m="http://schemas.openxmlformats.org/officeDocument/2006/math" xmlns:a14="http://schemas.microsoft.com/office/drawing/2010/main" xmlns:ma14="http://schemas.microsoft.com/office/mac/drawingml/2011/main" val="1"/>
+                <ma14:wrappingTextBoxFlag xmlns:ma14="http://schemas.microsoft.com/office/mac/drawingml/2011/main" xmlns:a14="http://schemas.microsoft.com/office/drawing/2010/main" xmlns:m="http://schemas.openxmlformats.org/officeDocument/2006/math" xmlns="" val="1"/>
               </a:ext>
             </a:extLst>
           </p:spPr>
@@ -9818,7 +7251,7 @@
               <a:effectLst/>
               <a:extLst>
                 <a:ext uri="{C572A759-6A51-4108-AA02-DFA0A04FC94B}">
-                  <ma14:wrappingTextBoxFlag xmlns="" xmlns:m="http://schemas.openxmlformats.org/officeDocument/2006/math" xmlns:a14="http://schemas.microsoft.com/office/drawing/2010/main" xmlns:ma14="http://schemas.microsoft.com/office/mac/drawingml/2011/main" val="1"/>
+                  <ma14:wrappingTextBoxFlag xmlns:ma14="http://schemas.microsoft.com/office/mac/drawingml/2011/main" xmlns:a14="http://schemas.microsoft.com/office/drawing/2010/main" xmlns:m="http://schemas.openxmlformats.org/officeDocument/2006/math" xmlns="" val="1"/>
                 </a:ext>
               </a:extLst>
             </p:spPr>
@@ -9878,7 +7311,7 @@
               <a:effectLst/>
               <a:extLst>
                 <a:ext uri="{C572A759-6A51-4108-AA02-DFA0A04FC94B}">
-                  <ma14:wrappingTextBoxFlag xmlns="" xmlns:m="http://schemas.openxmlformats.org/officeDocument/2006/math" xmlns:a14="http://schemas.microsoft.com/office/drawing/2010/main" xmlns:ma14="http://schemas.microsoft.com/office/mac/drawingml/2011/main" val="1"/>
+                  <ma14:wrappingTextBoxFlag xmlns:ma14="http://schemas.microsoft.com/office/mac/drawingml/2011/main" xmlns:a14="http://schemas.microsoft.com/office/drawing/2010/main" xmlns:m="http://schemas.openxmlformats.org/officeDocument/2006/math" xmlns="" val="1"/>
                 </a:ext>
               </a:extLst>
             </p:spPr>
@@ -9938,7 +7371,7 @@
               <a:effectLst/>
               <a:extLst>
                 <a:ext uri="{C572A759-6A51-4108-AA02-DFA0A04FC94B}">
-                  <ma14:wrappingTextBoxFlag xmlns="" xmlns:m="http://schemas.openxmlformats.org/officeDocument/2006/math" xmlns:a14="http://schemas.microsoft.com/office/drawing/2010/main" xmlns:ma14="http://schemas.microsoft.com/office/mac/drawingml/2011/main" val="1"/>
+                  <ma14:wrappingTextBoxFlag xmlns:ma14="http://schemas.microsoft.com/office/mac/drawingml/2011/main" xmlns:a14="http://schemas.microsoft.com/office/drawing/2010/main" xmlns:m="http://schemas.openxmlformats.org/officeDocument/2006/math" xmlns="" val="1"/>
                 </a:ext>
               </a:extLst>
             </p:spPr>
@@ -9998,7 +7431,7 @@
               <a:effectLst/>
               <a:extLst>
                 <a:ext uri="{C572A759-6A51-4108-AA02-DFA0A04FC94B}">
-                  <ma14:wrappingTextBoxFlag xmlns="" xmlns:m="http://schemas.openxmlformats.org/officeDocument/2006/math" xmlns:a14="http://schemas.microsoft.com/office/drawing/2010/main" xmlns:ma14="http://schemas.microsoft.com/office/mac/drawingml/2011/main" val="1"/>
+                  <ma14:wrappingTextBoxFlag xmlns:ma14="http://schemas.microsoft.com/office/mac/drawingml/2011/main" xmlns:a14="http://schemas.microsoft.com/office/drawing/2010/main" xmlns:m="http://schemas.openxmlformats.org/officeDocument/2006/math" xmlns="" val="1"/>
                 </a:ext>
               </a:extLst>
             </p:spPr>
@@ -10058,7 +7491,7 @@
               <a:effectLst/>
               <a:extLst>
                 <a:ext uri="{C572A759-6A51-4108-AA02-DFA0A04FC94B}">
-                  <ma14:wrappingTextBoxFlag xmlns="" xmlns:m="http://schemas.openxmlformats.org/officeDocument/2006/math" xmlns:a14="http://schemas.microsoft.com/office/drawing/2010/main" xmlns:ma14="http://schemas.microsoft.com/office/mac/drawingml/2011/main" val="1"/>
+                  <ma14:wrappingTextBoxFlag xmlns:ma14="http://schemas.microsoft.com/office/mac/drawingml/2011/main" xmlns:a14="http://schemas.microsoft.com/office/drawing/2010/main" xmlns:m="http://schemas.openxmlformats.org/officeDocument/2006/math" xmlns="" val="1"/>
                 </a:ext>
               </a:extLst>
             </p:spPr>
@@ -10118,7 +7551,7 @@
               <a:effectLst/>
               <a:extLst>
                 <a:ext uri="{C572A759-6A51-4108-AA02-DFA0A04FC94B}">
-                  <ma14:wrappingTextBoxFlag xmlns="" xmlns:m="http://schemas.openxmlformats.org/officeDocument/2006/math" xmlns:a14="http://schemas.microsoft.com/office/drawing/2010/main" xmlns:ma14="http://schemas.microsoft.com/office/mac/drawingml/2011/main" val="1"/>
+                  <ma14:wrappingTextBoxFlag xmlns:ma14="http://schemas.microsoft.com/office/mac/drawingml/2011/main" xmlns:a14="http://schemas.microsoft.com/office/drawing/2010/main" xmlns:m="http://schemas.openxmlformats.org/officeDocument/2006/math" xmlns="" val="1"/>
                 </a:ext>
               </a:extLst>
             </p:spPr>
@@ -10178,7 +7611,7 @@
               <a:effectLst/>
               <a:extLst>
                 <a:ext uri="{C572A759-6A51-4108-AA02-DFA0A04FC94B}">
-                  <ma14:wrappingTextBoxFlag xmlns="" xmlns:m="http://schemas.openxmlformats.org/officeDocument/2006/math" xmlns:a14="http://schemas.microsoft.com/office/drawing/2010/main" xmlns:ma14="http://schemas.microsoft.com/office/mac/drawingml/2011/main" val="1"/>
+                  <ma14:wrappingTextBoxFlag xmlns:ma14="http://schemas.microsoft.com/office/mac/drawingml/2011/main" xmlns:a14="http://schemas.microsoft.com/office/drawing/2010/main" xmlns:m="http://schemas.openxmlformats.org/officeDocument/2006/math" xmlns="" val="1"/>
                 </a:ext>
               </a:extLst>
             </p:spPr>
@@ -10253,7 +7686,7 @@
               <a:effectLst/>
               <a:extLst>
                 <a:ext uri="{C572A759-6A51-4108-AA02-DFA0A04FC94B}">
-                  <ma14:wrappingTextBoxFlag xmlns="" xmlns:m="http://schemas.openxmlformats.org/officeDocument/2006/math" xmlns:a14="http://schemas.microsoft.com/office/drawing/2010/main" xmlns:ma14="http://schemas.microsoft.com/office/mac/drawingml/2011/main" val="1"/>
+                  <ma14:wrappingTextBoxFlag xmlns:ma14="http://schemas.microsoft.com/office/mac/drawingml/2011/main" xmlns:a14="http://schemas.microsoft.com/office/drawing/2010/main" xmlns:m="http://schemas.openxmlformats.org/officeDocument/2006/math" xmlns="" val="1"/>
                 </a:ext>
               </a:extLst>
             </p:spPr>
@@ -10313,7 +7746,7 @@
               <a:effectLst/>
               <a:extLst>
                 <a:ext uri="{C572A759-6A51-4108-AA02-DFA0A04FC94B}">
-                  <ma14:wrappingTextBoxFlag xmlns="" xmlns:m="http://schemas.openxmlformats.org/officeDocument/2006/math" xmlns:a14="http://schemas.microsoft.com/office/drawing/2010/main" xmlns:ma14="http://schemas.microsoft.com/office/mac/drawingml/2011/main" val="1"/>
+                  <ma14:wrappingTextBoxFlag xmlns:ma14="http://schemas.microsoft.com/office/mac/drawingml/2011/main" xmlns:a14="http://schemas.microsoft.com/office/drawing/2010/main" xmlns:m="http://schemas.openxmlformats.org/officeDocument/2006/math" xmlns="" val="1"/>
                 </a:ext>
               </a:extLst>
             </p:spPr>
@@ -10373,7 +7806,7 @@
               <a:effectLst/>
               <a:extLst>
                 <a:ext uri="{C572A759-6A51-4108-AA02-DFA0A04FC94B}">
-                  <ma14:wrappingTextBoxFlag xmlns="" xmlns:m="http://schemas.openxmlformats.org/officeDocument/2006/math" xmlns:a14="http://schemas.microsoft.com/office/drawing/2010/main" xmlns:ma14="http://schemas.microsoft.com/office/mac/drawingml/2011/main" val="1"/>
+                  <ma14:wrappingTextBoxFlag xmlns:ma14="http://schemas.microsoft.com/office/mac/drawingml/2011/main" xmlns:a14="http://schemas.microsoft.com/office/drawing/2010/main" xmlns:m="http://schemas.openxmlformats.org/officeDocument/2006/math" xmlns="" val="1"/>
                 </a:ext>
               </a:extLst>
             </p:spPr>
@@ -10433,7 +7866,7 @@
               <a:effectLst/>
               <a:extLst>
                 <a:ext uri="{C572A759-6A51-4108-AA02-DFA0A04FC94B}">
-                  <ma14:wrappingTextBoxFlag xmlns="" xmlns:m="http://schemas.openxmlformats.org/officeDocument/2006/math" xmlns:a14="http://schemas.microsoft.com/office/drawing/2010/main" xmlns:ma14="http://schemas.microsoft.com/office/mac/drawingml/2011/main" val="1"/>
+                  <ma14:wrappingTextBoxFlag xmlns:ma14="http://schemas.microsoft.com/office/mac/drawingml/2011/main" xmlns:a14="http://schemas.microsoft.com/office/drawing/2010/main" xmlns:m="http://schemas.openxmlformats.org/officeDocument/2006/math" xmlns="" val="1"/>
                 </a:ext>
               </a:extLst>
             </p:spPr>
@@ -10493,7 +7926,7 @@
               <a:effectLst/>
               <a:extLst>
                 <a:ext uri="{C572A759-6A51-4108-AA02-DFA0A04FC94B}">
-                  <ma14:wrappingTextBoxFlag xmlns="" xmlns:m="http://schemas.openxmlformats.org/officeDocument/2006/math" xmlns:a14="http://schemas.microsoft.com/office/drawing/2010/main" xmlns:ma14="http://schemas.microsoft.com/office/mac/drawingml/2011/main" val="1"/>
+                  <ma14:wrappingTextBoxFlag xmlns:ma14="http://schemas.microsoft.com/office/mac/drawingml/2011/main" xmlns:a14="http://schemas.microsoft.com/office/drawing/2010/main" xmlns:m="http://schemas.openxmlformats.org/officeDocument/2006/math" xmlns="" val="1"/>
                 </a:ext>
               </a:extLst>
             </p:spPr>
@@ -10553,7 +7986,7 @@
               <a:effectLst/>
               <a:extLst>
                 <a:ext uri="{C572A759-6A51-4108-AA02-DFA0A04FC94B}">
-                  <ma14:wrappingTextBoxFlag xmlns="" xmlns:m="http://schemas.openxmlformats.org/officeDocument/2006/math" xmlns:a14="http://schemas.microsoft.com/office/drawing/2010/main" xmlns:ma14="http://schemas.microsoft.com/office/mac/drawingml/2011/main" val="1"/>
+                  <ma14:wrappingTextBoxFlag xmlns:ma14="http://schemas.microsoft.com/office/mac/drawingml/2011/main" xmlns:a14="http://schemas.microsoft.com/office/drawing/2010/main" xmlns:m="http://schemas.openxmlformats.org/officeDocument/2006/math" xmlns="" val="1"/>
                 </a:ext>
               </a:extLst>
             </p:spPr>
@@ -10613,7 +8046,7 @@
               <a:effectLst/>
               <a:extLst>
                 <a:ext uri="{C572A759-6A51-4108-AA02-DFA0A04FC94B}">
-                  <ma14:wrappingTextBoxFlag xmlns="" xmlns:m="http://schemas.openxmlformats.org/officeDocument/2006/math" xmlns:a14="http://schemas.microsoft.com/office/drawing/2010/main" xmlns:ma14="http://schemas.microsoft.com/office/mac/drawingml/2011/main" val="1"/>
+                  <ma14:wrappingTextBoxFlag xmlns:ma14="http://schemas.microsoft.com/office/mac/drawingml/2011/main" xmlns:a14="http://schemas.microsoft.com/office/drawing/2010/main" xmlns:m="http://schemas.openxmlformats.org/officeDocument/2006/math" xmlns="" val="1"/>
                 </a:ext>
               </a:extLst>
             </p:spPr>
@@ -10673,7 +8106,7 @@
               <a:effectLst/>
               <a:extLst>
                 <a:ext uri="{C572A759-6A51-4108-AA02-DFA0A04FC94B}">
-                  <ma14:wrappingTextBoxFlag xmlns="" xmlns:m="http://schemas.openxmlformats.org/officeDocument/2006/math" xmlns:a14="http://schemas.microsoft.com/office/drawing/2010/main" xmlns:ma14="http://schemas.microsoft.com/office/mac/drawingml/2011/main" val="1"/>
+                  <ma14:wrappingTextBoxFlag xmlns:ma14="http://schemas.microsoft.com/office/mac/drawingml/2011/main" xmlns:a14="http://schemas.microsoft.com/office/drawing/2010/main" xmlns:m="http://schemas.openxmlformats.org/officeDocument/2006/math" xmlns="" val="1"/>
                 </a:ext>
               </a:extLst>
             </p:spPr>
@@ -10946,7 +8379,7 @@
                 <a:effectLst/>
                 <a:extLst>
                   <a:ext uri="{C572A759-6A51-4108-AA02-DFA0A04FC94B}">
-                    <ma14:wrappingTextBoxFlag xmlns="" xmlns:m="http://schemas.openxmlformats.org/officeDocument/2006/math" xmlns:a14="http://schemas.microsoft.com/office/drawing/2010/main" xmlns:ma14="http://schemas.microsoft.com/office/mac/drawingml/2011/main" val="1"/>
+                    <ma14:wrappingTextBoxFlag xmlns:ma14="http://schemas.microsoft.com/office/mac/drawingml/2011/main" xmlns:a14="http://schemas.microsoft.com/office/drawing/2010/main" xmlns:m="http://schemas.openxmlformats.org/officeDocument/2006/math" xmlns="" val="1"/>
                   </a:ext>
                 </a:extLst>
               </p:spPr>
@@ -11006,7 +8439,7 @@
                 <a:effectLst/>
                 <a:extLst>
                   <a:ext uri="{C572A759-6A51-4108-AA02-DFA0A04FC94B}">
-                    <ma14:wrappingTextBoxFlag xmlns="" xmlns:m="http://schemas.openxmlformats.org/officeDocument/2006/math" xmlns:a14="http://schemas.microsoft.com/office/drawing/2010/main" xmlns:ma14="http://schemas.microsoft.com/office/mac/drawingml/2011/main" val="1"/>
+                    <ma14:wrappingTextBoxFlag xmlns:ma14="http://schemas.microsoft.com/office/mac/drawingml/2011/main" xmlns:a14="http://schemas.microsoft.com/office/drawing/2010/main" xmlns:m="http://schemas.openxmlformats.org/officeDocument/2006/math" xmlns="" val="1"/>
                   </a:ext>
                 </a:extLst>
               </p:spPr>
@@ -11066,7 +8499,7 @@
                 <a:effectLst/>
                 <a:extLst>
                   <a:ext uri="{C572A759-6A51-4108-AA02-DFA0A04FC94B}">
-                    <ma14:wrappingTextBoxFlag xmlns="" xmlns:m="http://schemas.openxmlformats.org/officeDocument/2006/math" xmlns:a14="http://schemas.microsoft.com/office/drawing/2010/main" xmlns:ma14="http://schemas.microsoft.com/office/mac/drawingml/2011/main" val="1"/>
+                    <ma14:wrappingTextBoxFlag xmlns:ma14="http://schemas.microsoft.com/office/mac/drawingml/2011/main" xmlns:a14="http://schemas.microsoft.com/office/drawing/2010/main" xmlns:m="http://schemas.openxmlformats.org/officeDocument/2006/math" xmlns="" val="1"/>
                   </a:ext>
                 </a:extLst>
               </p:spPr>
@@ -11126,7 +8559,7 @@
                 <a:effectLst/>
                 <a:extLst>
                   <a:ext uri="{C572A759-6A51-4108-AA02-DFA0A04FC94B}">
-                    <ma14:wrappingTextBoxFlag xmlns="" xmlns:m="http://schemas.openxmlformats.org/officeDocument/2006/math" xmlns:a14="http://schemas.microsoft.com/office/drawing/2010/main" xmlns:ma14="http://schemas.microsoft.com/office/mac/drawingml/2011/main" val="1"/>
+                    <ma14:wrappingTextBoxFlag xmlns:ma14="http://schemas.microsoft.com/office/mac/drawingml/2011/main" xmlns:a14="http://schemas.microsoft.com/office/drawing/2010/main" xmlns:m="http://schemas.openxmlformats.org/officeDocument/2006/math" xmlns="" val="1"/>
                   </a:ext>
                 </a:extLst>
               </p:spPr>
@@ -11186,7 +8619,7 @@
                 <a:effectLst/>
                 <a:extLst>
                   <a:ext uri="{C572A759-6A51-4108-AA02-DFA0A04FC94B}">
-                    <ma14:wrappingTextBoxFlag xmlns="" xmlns:m="http://schemas.openxmlformats.org/officeDocument/2006/math" xmlns:a14="http://schemas.microsoft.com/office/drawing/2010/main" xmlns:ma14="http://schemas.microsoft.com/office/mac/drawingml/2011/main" val="1"/>
+                    <ma14:wrappingTextBoxFlag xmlns:ma14="http://schemas.microsoft.com/office/mac/drawingml/2011/main" xmlns:a14="http://schemas.microsoft.com/office/drawing/2010/main" xmlns:m="http://schemas.openxmlformats.org/officeDocument/2006/math" xmlns="" val="1"/>
                   </a:ext>
                 </a:extLst>
               </p:spPr>
@@ -11246,7 +8679,7 @@
                 <a:effectLst/>
                 <a:extLst>
                   <a:ext uri="{C572A759-6A51-4108-AA02-DFA0A04FC94B}">
-                    <ma14:wrappingTextBoxFlag xmlns="" xmlns:m="http://schemas.openxmlformats.org/officeDocument/2006/math" xmlns:a14="http://schemas.microsoft.com/office/drawing/2010/main" xmlns:ma14="http://schemas.microsoft.com/office/mac/drawingml/2011/main" val="1"/>
+                    <ma14:wrappingTextBoxFlag xmlns:ma14="http://schemas.microsoft.com/office/mac/drawingml/2011/main" xmlns:a14="http://schemas.microsoft.com/office/drawing/2010/main" xmlns:m="http://schemas.openxmlformats.org/officeDocument/2006/math" xmlns="" val="1"/>
                   </a:ext>
                 </a:extLst>
               </p:spPr>
@@ -11306,7 +8739,7 @@
                 <a:effectLst/>
                 <a:extLst>
                   <a:ext uri="{C572A759-6A51-4108-AA02-DFA0A04FC94B}">
-                    <ma14:wrappingTextBoxFlag xmlns="" xmlns:m="http://schemas.openxmlformats.org/officeDocument/2006/math" xmlns:a14="http://schemas.microsoft.com/office/drawing/2010/main" xmlns:ma14="http://schemas.microsoft.com/office/mac/drawingml/2011/main" val="1"/>
+                    <ma14:wrappingTextBoxFlag xmlns:ma14="http://schemas.microsoft.com/office/mac/drawingml/2011/main" xmlns:a14="http://schemas.microsoft.com/office/drawing/2010/main" xmlns:m="http://schemas.openxmlformats.org/officeDocument/2006/math" xmlns="" val="1"/>
                   </a:ext>
                 </a:extLst>
               </p:spPr>
@@ -11381,7 +8814,7 @@
                 <a:effectLst/>
                 <a:extLst>
                   <a:ext uri="{C572A759-6A51-4108-AA02-DFA0A04FC94B}">
-                    <ma14:wrappingTextBoxFlag xmlns="" xmlns:m="http://schemas.openxmlformats.org/officeDocument/2006/math" xmlns:a14="http://schemas.microsoft.com/office/drawing/2010/main" xmlns:ma14="http://schemas.microsoft.com/office/mac/drawingml/2011/main" val="1"/>
+                    <ma14:wrappingTextBoxFlag xmlns:ma14="http://schemas.microsoft.com/office/mac/drawingml/2011/main" xmlns:a14="http://schemas.microsoft.com/office/drawing/2010/main" xmlns:m="http://schemas.openxmlformats.org/officeDocument/2006/math" xmlns="" val="1"/>
                   </a:ext>
                 </a:extLst>
               </p:spPr>
@@ -11441,7 +8874,7 @@
                 <a:effectLst/>
                 <a:extLst>
                   <a:ext uri="{C572A759-6A51-4108-AA02-DFA0A04FC94B}">
-                    <ma14:wrappingTextBoxFlag xmlns="" xmlns:m="http://schemas.openxmlformats.org/officeDocument/2006/math" xmlns:a14="http://schemas.microsoft.com/office/drawing/2010/main" xmlns:ma14="http://schemas.microsoft.com/office/mac/drawingml/2011/main" val="1"/>
+                    <ma14:wrappingTextBoxFlag xmlns:ma14="http://schemas.microsoft.com/office/mac/drawingml/2011/main" xmlns:a14="http://schemas.microsoft.com/office/drawing/2010/main" xmlns:m="http://schemas.openxmlformats.org/officeDocument/2006/math" xmlns="" val="1"/>
                   </a:ext>
                 </a:extLst>
               </p:spPr>
@@ -11501,7 +8934,7 @@
                 <a:effectLst/>
                 <a:extLst>
                   <a:ext uri="{C572A759-6A51-4108-AA02-DFA0A04FC94B}">
-                    <ma14:wrappingTextBoxFlag xmlns="" xmlns:m="http://schemas.openxmlformats.org/officeDocument/2006/math" xmlns:a14="http://schemas.microsoft.com/office/drawing/2010/main" xmlns:ma14="http://schemas.microsoft.com/office/mac/drawingml/2011/main" val="1"/>
+                    <ma14:wrappingTextBoxFlag xmlns:ma14="http://schemas.microsoft.com/office/mac/drawingml/2011/main" xmlns:a14="http://schemas.microsoft.com/office/drawing/2010/main" xmlns:m="http://schemas.openxmlformats.org/officeDocument/2006/math" xmlns="" val="1"/>
                   </a:ext>
                 </a:extLst>
               </p:spPr>
@@ -11561,7 +8994,7 @@
                 <a:effectLst/>
                 <a:extLst>
                   <a:ext uri="{C572A759-6A51-4108-AA02-DFA0A04FC94B}">
-                    <ma14:wrappingTextBoxFlag xmlns="" xmlns:m="http://schemas.openxmlformats.org/officeDocument/2006/math" xmlns:a14="http://schemas.microsoft.com/office/drawing/2010/main" xmlns:ma14="http://schemas.microsoft.com/office/mac/drawingml/2011/main" val="1"/>
+                    <ma14:wrappingTextBoxFlag xmlns:ma14="http://schemas.microsoft.com/office/mac/drawingml/2011/main" xmlns:a14="http://schemas.microsoft.com/office/drawing/2010/main" xmlns:m="http://schemas.openxmlformats.org/officeDocument/2006/math" xmlns="" val="1"/>
                   </a:ext>
                 </a:extLst>
               </p:spPr>
@@ -11621,7 +9054,7 @@
                 <a:effectLst/>
                 <a:extLst>
                   <a:ext uri="{C572A759-6A51-4108-AA02-DFA0A04FC94B}">
-                    <ma14:wrappingTextBoxFlag xmlns="" xmlns:m="http://schemas.openxmlformats.org/officeDocument/2006/math" xmlns:a14="http://schemas.microsoft.com/office/drawing/2010/main" xmlns:ma14="http://schemas.microsoft.com/office/mac/drawingml/2011/main" val="1"/>
+                    <ma14:wrappingTextBoxFlag xmlns:ma14="http://schemas.microsoft.com/office/mac/drawingml/2011/main" xmlns:a14="http://schemas.microsoft.com/office/drawing/2010/main" xmlns:m="http://schemas.openxmlformats.org/officeDocument/2006/math" xmlns="" val="1"/>
                   </a:ext>
                 </a:extLst>
               </p:spPr>
@@ -11681,7 +9114,7 @@
                 <a:effectLst/>
                 <a:extLst>
                   <a:ext uri="{C572A759-6A51-4108-AA02-DFA0A04FC94B}">
-                    <ma14:wrappingTextBoxFlag xmlns="" xmlns:m="http://schemas.openxmlformats.org/officeDocument/2006/math" xmlns:a14="http://schemas.microsoft.com/office/drawing/2010/main" xmlns:ma14="http://schemas.microsoft.com/office/mac/drawingml/2011/main" val="1"/>
+                    <ma14:wrappingTextBoxFlag xmlns:ma14="http://schemas.microsoft.com/office/mac/drawingml/2011/main" xmlns:a14="http://schemas.microsoft.com/office/drawing/2010/main" xmlns:m="http://schemas.openxmlformats.org/officeDocument/2006/math" xmlns="" val="1"/>
                   </a:ext>
                 </a:extLst>
               </p:spPr>
@@ -11741,7 +9174,7 @@
                 <a:effectLst/>
                 <a:extLst>
                   <a:ext uri="{C572A759-6A51-4108-AA02-DFA0A04FC94B}">
-                    <ma14:wrappingTextBoxFlag xmlns="" xmlns:m="http://schemas.openxmlformats.org/officeDocument/2006/math" xmlns:a14="http://schemas.microsoft.com/office/drawing/2010/main" xmlns:ma14="http://schemas.microsoft.com/office/mac/drawingml/2011/main" val="1"/>
+                    <ma14:wrappingTextBoxFlag xmlns:ma14="http://schemas.microsoft.com/office/mac/drawingml/2011/main" xmlns:a14="http://schemas.microsoft.com/office/drawing/2010/main" xmlns:m="http://schemas.openxmlformats.org/officeDocument/2006/math" xmlns="" val="1"/>
                   </a:ext>
                 </a:extLst>
               </p:spPr>
@@ -11801,7 +9234,7 @@
                 <a:effectLst/>
                 <a:extLst>
                   <a:ext uri="{C572A759-6A51-4108-AA02-DFA0A04FC94B}">
-                    <ma14:wrappingTextBoxFlag xmlns="" xmlns:m="http://schemas.openxmlformats.org/officeDocument/2006/math" xmlns:a14="http://schemas.microsoft.com/office/drawing/2010/main" xmlns:ma14="http://schemas.microsoft.com/office/mac/drawingml/2011/main" val="1"/>
+                    <ma14:wrappingTextBoxFlag xmlns:ma14="http://schemas.microsoft.com/office/mac/drawingml/2011/main" xmlns:a14="http://schemas.microsoft.com/office/drawing/2010/main" xmlns:m="http://schemas.openxmlformats.org/officeDocument/2006/math" xmlns="" val="1"/>
                   </a:ext>
                 </a:extLst>
               </p:spPr>
@@ -12028,7 +9461,7 @@
               <a:effectLst/>
               <a:extLst>
                 <a:ext uri="{C572A759-6A51-4108-AA02-DFA0A04FC94B}">
-                  <ma14:wrappingTextBoxFlag xmlns="" xmlns:m="http://schemas.openxmlformats.org/officeDocument/2006/math" xmlns:a14="http://schemas.microsoft.com/office/drawing/2010/main" xmlns:ma14="http://schemas.microsoft.com/office/mac/drawingml/2011/main" val="1"/>
+                  <ma14:wrappingTextBoxFlag xmlns:ma14="http://schemas.microsoft.com/office/mac/drawingml/2011/main" xmlns:a14="http://schemas.microsoft.com/office/drawing/2010/main" xmlns:m="http://schemas.openxmlformats.org/officeDocument/2006/math" xmlns="" val="1"/>
                 </a:ext>
               </a:extLst>
             </p:spPr>
@@ -12185,7 +9618,7 @@
               <a:effectLst/>
               <a:extLst>
                 <a:ext uri="{C572A759-6A51-4108-AA02-DFA0A04FC94B}">
-                  <ma14:wrappingTextBoxFlag xmlns="" xmlns:m="http://schemas.openxmlformats.org/officeDocument/2006/math" xmlns:a14="http://schemas.microsoft.com/office/drawing/2010/main" xmlns:ma14="http://schemas.microsoft.com/office/mac/drawingml/2011/main" val="1"/>
+                  <ma14:wrappingTextBoxFlag xmlns:ma14="http://schemas.microsoft.com/office/mac/drawingml/2011/main" xmlns:a14="http://schemas.microsoft.com/office/drawing/2010/main" xmlns:m="http://schemas.openxmlformats.org/officeDocument/2006/math" xmlns="" val="1"/>
                 </a:ext>
               </a:extLst>
             </p:spPr>
@@ -12335,7 +9768,7 @@
               <a:effectLst/>
               <a:extLst>
                 <a:ext uri="{C572A759-6A51-4108-AA02-DFA0A04FC94B}">
-                  <ma14:wrappingTextBoxFlag xmlns="" xmlns:m="http://schemas.openxmlformats.org/officeDocument/2006/math" xmlns:a14="http://schemas.microsoft.com/office/drawing/2010/main" xmlns:ma14="http://schemas.microsoft.com/office/mac/drawingml/2011/main" val="1"/>
+                  <ma14:wrappingTextBoxFlag xmlns:ma14="http://schemas.microsoft.com/office/mac/drawingml/2011/main" xmlns:a14="http://schemas.microsoft.com/office/drawing/2010/main" xmlns:m="http://schemas.openxmlformats.org/officeDocument/2006/math" xmlns="" val="1"/>
                 </a:ext>
               </a:extLst>
             </p:spPr>
@@ -12465,7 +9898,7 @@
               <a:effectLst/>
               <a:extLst>
                 <a:ext uri="{C572A759-6A51-4108-AA02-DFA0A04FC94B}">
-                  <ma14:wrappingTextBoxFlag xmlns="" xmlns:m="http://schemas.openxmlformats.org/officeDocument/2006/math" xmlns:a14="http://schemas.microsoft.com/office/drawing/2010/main" xmlns:ma14="http://schemas.microsoft.com/office/mac/drawingml/2011/main" val="1"/>
+                  <ma14:wrappingTextBoxFlag xmlns:ma14="http://schemas.microsoft.com/office/mac/drawingml/2011/main" xmlns:a14="http://schemas.microsoft.com/office/drawing/2010/main" xmlns:m="http://schemas.openxmlformats.org/officeDocument/2006/math" xmlns="" val="1"/>
                 </a:ext>
               </a:extLst>
             </p:spPr>
@@ -13209,7 +10642,7 @@
               <a:effectLst/>
               <a:extLst>
                 <a:ext uri="{C572A759-6A51-4108-AA02-DFA0A04FC94B}">
-                  <ma14:wrappingTextBoxFlag xmlns="" xmlns:m="http://schemas.openxmlformats.org/officeDocument/2006/math" xmlns:a14="http://schemas.microsoft.com/office/drawing/2010/main" xmlns:ma14="http://schemas.microsoft.com/office/mac/drawingml/2011/main" val="1"/>
+                  <ma14:wrappingTextBoxFlag xmlns:ma14="http://schemas.microsoft.com/office/mac/drawingml/2011/main" xmlns:a14="http://schemas.microsoft.com/office/drawing/2010/main" xmlns:m="http://schemas.openxmlformats.org/officeDocument/2006/math" xmlns="" val="1"/>
                 </a:ext>
               </a:extLst>
             </p:spPr>
@@ -13269,7 +10702,7 @@
               <a:effectLst/>
               <a:extLst>
                 <a:ext uri="{C572A759-6A51-4108-AA02-DFA0A04FC94B}">
-                  <ma14:wrappingTextBoxFlag xmlns="" xmlns:m="http://schemas.openxmlformats.org/officeDocument/2006/math" xmlns:a14="http://schemas.microsoft.com/office/drawing/2010/main" xmlns:ma14="http://schemas.microsoft.com/office/mac/drawingml/2011/main" val="1"/>
+                  <ma14:wrappingTextBoxFlag xmlns:ma14="http://schemas.microsoft.com/office/mac/drawingml/2011/main" xmlns:a14="http://schemas.microsoft.com/office/drawing/2010/main" xmlns:m="http://schemas.openxmlformats.org/officeDocument/2006/math" xmlns="" val="1"/>
                 </a:ext>
               </a:extLst>
             </p:spPr>
@@ -13774,7 +11207,7 @@
 </p:sld>
 </file>
 
-<file path=ppt/slides/slide8.xml><?xml version="1.0" encoding="utf-8"?>
+<file path=ppt/slides/slide7.xml><?xml version="1.0" encoding="utf-8"?>
 <p:sld xmlns:a="http://schemas.openxmlformats.org/drawingml/2006/main" xmlns:r="http://schemas.openxmlformats.org/officeDocument/2006/relationships" xmlns:p="http://schemas.openxmlformats.org/presentationml/2006/main">
   <p:cSld>
     <p:spTree>
@@ -13839,7 +11272,7 @@
           </a:ln>
           <a:extLst>
             <a:ext uri="{C572A759-6A51-4108-AA02-DFA0A04FC94B}">
-              <ma14:wrappingTextBoxFlag xmlns="" xmlns:m="http://schemas.openxmlformats.org/officeDocument/2006/math" xmlns:a14="http://schemas.microsoft.com/office/drawing/2010/main" xmlns:ma14="http://schemas.microsoft.com/office/mac/drawingml/2011/main" val="1"/>
+              <ma14:wrappingTextBoxFlag xmlns:ma14="http://schemas.microsoft.com/office/mac/drawingml/2011/main" xmlns:a14="http://schemas.microsoft.com/office/drawing/2010/main" xmlns:m="http://schemas.openxmlformats.org/officeDocument/2006/math" xmlns="" val="1"/>
             </a:ext>
           </a:extLst>
         </p:spPr>
@@ -13913,7 +11346,7 @@
             <a:effectLst/>
             <a:extLst>
               <a:ext uri="{C572A759-6A51-4108-AA02-DFA0A04FC94B}">
-                <ma14:wrappingTextBoxFlag xmlns="" xmlns:m="http://schemas.openxmlformats.org/officeDocument/2006/math" xmlns:a14="http://schemas.microsoft.com/office/drawing/2010/main" xmlns:ma14="http://schemas.microsoft.com/office/mac/drawingml/2011/main" val="1"/>
+                <ma14:wrappingTextBoxFlag xmlns:ma14="http://schemas.microsoft.com/office/mac/drawingml/2011/main" xmlns:a14="http://schemas.microsoft.com/office/drawing/2010/main" xmlns:m="http://schemas.openxmlformats.org/officeDocument/2006/math" xmlns="" val="1"/>
               </a:ext>
             </a:extLst>
           </p:spPr>
@@ -14008,7 +11441,7 @@
             <a:effectLst/>
             <a:extLst>
               <a:ext uri="{C572A759-6A51-4108-AA02-DFA0A04FC94B}">
-                <ma14:wrappingTextBoxFlag xmlns="" xmlns:m="http://schemas.openxmlformats.org/officeDocument/2006/math" xmlns:a14="http://schemas.microsoft.com/office/drawing/2010/main" xmlns:ma14="http://schemas.microsoft.com/office/mac/drawingml/2011/main" val="1"/>
+                <ma14:wrappingTextBoxFlag xmlns:ma14="http://schemas.microsoft.com/office/mac/drawingml/2011/main" xmlns:a14="http://schemas.microsoft.com/office/drawing/2010/main" xmlns:m="http://schemas.openxmlformats.org/officeDocument/2006/math" xmlns="" val="1"/>
               </a:ext>
             </a:extLst>
           </p:spPr>
@@ -14787,7 +12220,7 @@
             <a:effectLst/>
             <a:extLst>
               <a:ext uri="{C572A759-6A51-4108-AA02-DFA0A04FC94B}">
-                <ma14:wrappingTextBoxFlag xmlns="" xmlns:m="http://schemas.openxmlformats.org/officeDocument/2006/math" xmlns:a14="http://schemas.microsoft.com/office/drawing/2010/main" xmlns:ma14="http://schemas.microsoft.com/office/mac/drawingml/2011/main" val="1"/>
+                <ma14:wrappingTextBoxFlag xmlns:ma14="http://schemas.microsoft.com/office/mac/drawingml/2011/main" xmlns:a14="http://schemas.microsoft.com/office/drawing/2010/main" xmlns:m="http://schemas.openxmlformats.org/officeDocument/2006/math" xmlns="" val="1"/>
               </a:ext>
             </a:extLst>
           </p:spPr>
@@ -14964,7 +12397,7 @@
             <a:effectLst/>
             <a:extLst>
               <a:ext uri="{C572A759-6A51-4108-AA02-DFA0A04FC94B}">
-                <ma14:wrappingTextBoxFlag xmlns="" xmlns:m="http://schemas.openxmlformats.org/officeDocument/2006/math" xmlns:a14="http://schemas.microsoft.com/office/drawing/2010/main" xmlns:ma14="http://schemas.microsoft.com/office/mac/drawingml/2011/main" val="1"/>
+                <ma14:wrappingTextBoxFlag xmlns:ma14="http://schemas.microsoft.com/office/mac/drawingml/2011/main" xmlns:a14="http://schemas.microsoft.com/office/drawing/2010/main" xmlns:m="http://schemas.openxmlformats.org/officeDocument/2006/math" xmlns="" val="1"/>
               </a:ext>
             </a:extLst>
           </p:spPr>
@@ -15130,7 +12563,7 @@
             <a:effectLst/>
             <a:extLst>
               <a:ext uri="{C572A759-6A51-4108-AA02-DFA0A04FC94B}">
-                <ma14:wrappingTextBoxFlag xmlns="" xmlns:m="http://schemas.openxmlformats.org/officeDocument/2006/math" xmlns:a14="http://schemas.microsoft.com/office/drawing/2010/main" xmlns:ma14="http://schemas.microsoft.com/office/mac/drawingml/2011/main" val="1"/>
+                <ma14:wrappingTextBoxFlag xmlns:ma14="http://schemas.microsoft.com/office/mac/drawingml/2011/main" xmlns:a14="http://schemas.microsoft.com/office/drawing/2010/main" xmlns:m="http://schemas.openxmlformats.org/officeDocument/2006/math" xmlns="" val="1"/>
               </a:ext>
             </a:extLst>
           </p:spPr>
@@ -15384,7 +12817,7 @@
 </p:sld>
 </file>
 
-<file path=ppt/slides/slide9.xml><?xml version="1.0" encoding="utf-8"?>
+<file path=ppt/slides/slide8.xml><?xml version="1.0" encoding="utf-8"?>
 <p:sld xmlns:a="http://schemas.openxmlformats.org/drawingml/2006/main" xmlns:r="http://schemas.openxmlformats.org/officeDocument/2006/relationships" xmlns:p="http://schemas.openxmlformats.org/presentationml/2006/main">
   <p:cSld>
     <p:spTree>
@@ -15466,7 +12899,7 @@
             <a:effectLst/>
             <a:extLst>
               <a:ext uri="{C572A759-6A51-4108-AA02-DFA0A04FC94B}">
-                <ma14:wrappingTextBoxFlag xmlns="" xmlns:m="http://schemas.openxmlformats.org/officeDocument/2006/math" xmlns:a14="http://schemas.microsoft.com/office/drawing/2010/main" xmlns:ma14="http://schemas.microsoft.com/office/mac/drawingml/2011/main" val="1"/>
+                <ma14:wrappingTextBoxFlag xmlns:ma14="http://schemas.microsoft.com/office/mac/drawingml/2011/main" xmlns:a14="http://schemas.microsoft.com/office/drawing/2010/main" xmlns:m="http://schemas.openxmlformats.org/officeDocument/2006/math" xmlns="" val="1"/>
               </a:ext>
             </a:extLst>
           </p:spPr>
@@ -15561,7 +12994,7 @@
             <a:effectLst/>
             <a:extLst>
               <a:ext uri="{C572A759-6A51-4108-AA02-DFA0A04FC94B}">
-                <ma14:wrappingTextBoxFlag xmlns="" xmlns:m="http://schemas.openxmlformats.org/officeDocument/2006/math" xmlns:a14="http://schemas.microsoft.com/office/drawing/2010/main" xmlns:ma14="http://schemas.microsoft.com/office/mac/drawingml/2011/main" val="1"/>
+                <ma14:wrappingTextBoxFlag xmlns:ma14="http://schemas.microsoft.com/office/mac/drawingml/2011/main" xmlns:a14="http://schemas.microsoft.com/office/drawing/2010/main" xmlns:m="http://schemas.openxmlformats.org/officeDocument/2006/math" xmlns="" val="1"/>
               </a:ext>
             </a:extLst>
           </p:spPr>
@@ -16340,7 +13773,7 @@
             <a:effectLst/>
             <a:extLst>
               <a:ext uri="{C572A759-6A51-4108-AA02-DFA0A04FC94B}">
-                <ma14:wrappingTextBoxFlag xmlns="" xmlns:m="http://schemas.openxmlformats.org/officeDocument/2006/math" xmlns:a14="http://schemas.microsoft.com/office/drawing/2010/main" xmlns:ma14="http://schemas.microsoft.com/office/mac/drawingml/2011/main" val="1"/>
+                <ma14:wrappingTextBoxFlag xmlns:ma14="http://schemas.microsoft.com/office/mac/drawingml/2011/main" xmlns:a14="http://schemas.microsoft.com/office/drawing/2010/main" xmlns:m="http://schemas.openxmlformats.org/officeDocument/2006/math" xmlns="" val="1"/>
               </a:ext>
             </a:extLst>
           </p:spPr>
@@ -16517,7 +13950,7 @@
             <a:effectLst/>
             <a:extLst>
               <a:ext uri="{C572A759-6A51-4108-AA02-DFA0A04FC94B}">
-                <ma14:wrappingTextBoxFlag xmlns="" xmlns:m="http://schemas.openxmlformats.org/officeDocument/2006/math" xmlns:a14="http://schemas.microsoft.com/office/drawing/2010/main" xmlns:ma14="http://schemas.microsoft.com/office/mac/drawingml/2011/main" val="1"/>
+                <ma14:wrappingTextBoxFlag xmlns:ma14="http://schemas.microsoft.com/office/mac/drawingml/2011/main" xmlns:a14="http://schemas.microsoft.com/office/drawing/2010/main" xmlns:m="http://schemas.openxmlformats.org/officeDocument/2006/math" xmlns="" val="1"/>
               </a:ext>
             </a:extLst>
           </p:spPr>
@@ -16660,7 +14093,7 @@
           </a:ln>
           <a:extLst>
             <a:ext uri="{C572A759-6A51-4108-AA02-DFA0A04FC94B}">
-              <ma14:wrappingTextBoxFlag xmlns="" xmlns:m="http://schemas.openxmlformats.org/officeDocument/2006/math" xmlns:a14="http://schemas.microsoft.com/office/drawing/2010/main" xmlns:ma14="http://schemas.microsoft.com/office/mac/drawingml/2011/main" val="1"/>
+              <ma14:wrappingTextBoxFlag xmlns:ma14="http://schemas.microsoft.com/office/mac/drawingml/2011/main" xmlns:a14="http://schemas.microsoft.com/office/drawing/2010/main" xmlns:m="http://schemas.openxmlformats.org/officeDocument/2006/math" xmlns="" val="1"/>
             </a:ext>
           </a:extLst>
         </p:spPr>
@@ -17767,6 +15200,2497 @@
 </p:sld>
 </file>
 
+<file path=ppt/slides/slide9.xml><?xml version="1.0" encoding="utf-8"?>
+<p:sld xmlns:a="http://schemas.openxmlformats.org/drawingml/2006/main" xmlns:r="http://schemas.openxmlformats.org/officeDocument/2006/relationships" xmlns:p="http://schemas.openxmlformats.org/presentationml/2006/main">
+  <p:cSld>
+    <p:spTree>
+      <p:nvGrpSpPr>
+        <p:cNvPr id="1" name=""/>
+        <p:cNvGrpSpPr/>
+        <p:nvPr/>
+      </p:nvGrpSpPr>
+      <p:grpSpPr>
+        <a:xfrm>
+          <a:off x="0" y="0"/>
+          <a:ext cx="0" cy="0"/>
+          <a:chOff x="0" y="0"/>
+          <a:chExt cx="0" cy="0"/>
+        </a:xfrm>
+      </p:grpSpPr>
+      <p:sp>
+        <p:nvSpPr>
+          <p:cNvPr id="1182" name="Logitboost as gradient descent"/>
+          <p:cNvSpPr txBox="1">
+            <a:spLocks noGrp="1"/>
+          </p:cNvSpPr>
+          <p:nvPr>
+            <p:ph type="title"/>
+          </p:nvPr>
+        </p:nvSpPr>
+        <p:spPr>
+          <a:xfrm>
+            <a:off x="2209800" y="50800"/>
+            <a:ext cx="7772400" cy="873864"/>
+          </a:xfrm>
+          <a:prstGeom prst="rect">
+            <a:avLst/>
+          </a:prstGeom>
+        </p:spPr>
+        <p:txBody>
+          <a:bodyPr/>
+          <a:lstStyle/>
+          <a:p>
+            <a:r>
+              <a:t>Logitboost as gradient descent</a:t>
+            </a:r>
+          </a:p>
+        </p:txBody>
+      </p:sp>
+      <p:grpSp>
+        <p:nvGrpSpPr>
+          <p:cNvPr id="1200" name="Group"/>
+          <p:cNvGrpSpPr/>
+          <p:nvPr/>
+        </p:nvGrpSpPr>
+        <p:grpSpPr>
+          <a:xfrm>
+            <a:off x="3492500" y="2133600"/>
+            <a:ext cx="5281613" cy="4902200"/>
+            <a:chOff x="0" y="0"/>
+            <a:chExt cx="10563225" cy="9804400"/>
+          </a:xfrm>
+        </p:grpSpPr>
+        <p:sp>
+          <p:nvSpPr>
+            <p:cNvPr id="1183" name="Correct"/>
+            <p:cNvSpPr/>
+            <p:nvPr/>
+          </p:nvSpPr>
+          <p:spPr>
+            <a:xfrm>
+              <a:off x="6731000" y="8534400"/>
+              <a:ext cx="1270000" cy="1270000"/>
+            </a:xfrm>
+            <a:prstGeom prst="line">
+              <a:avLst/>
+            </a:prstGeom>
+            <a:noFill/>
+            <a:ln w="25400" cap="flat">
+              <a:noFill/>
+              <a:miter lim="400000"/>
+            </a:ln>
+            <a:effectLst/>
+            <a:extLst>
+              <a:ext uri="{C572A759-6A51-4108-AA02-DFA0A04FC94B}">
+                <ma14:wrappingTextBoxFlag xmlns:ma14="http://schemas.microsoft.com/office/mac/drawingml/2011/main" xmlns:a14="http://schemas.microsoft.com/office/drawing/2010/main" xmlns:m="http://schemas.openxmlformats.org/officeDocument/2006/math" xmlns="" val="1"/>
+              </a:ext>
+            </a:extLst>
+          </p:spPr>
+          <p:txBody>
+            <a:bodyPr wrap="none" lIns="50800" tIns="50800" rIns="50800" bIns="50800" numCol="1" anchor="t">
+              <a:spAutoFit/>
+            </a:bodyPr>
+            <a:lstStyle>
+              <a:lvl1pPr marL="81279" marR="81279" defTabSz="1828800">
+                <a:buClr>
+                  <a:srgbClr val="434ED6"/>
+                </a:buClr>
+                <a:buFont typeface="Times New Roman"/>
+                <a:defRPr sz="4800">
+                  <a:solidFill>
+                    <a:srgbClr val="434ED6"/>
+                  </a:solidFill>
+                  <a:uFill>
+                    <a:solidFill>
+                      <a:srgbClr val="434ED6"/>
+                    </a:solidFill>
+                  </a:uFill>
+                  <a:latin typeface="+mn-lt"/>
+                  <a:ea typeface="+mn-ea"/>
+                  <a:cs typeface="+mn-cs"/>
+                  <a:sym typeface="Times New Roman"/>
+                </a:defRPr>
+              </a:lvl1pPr>
+            </a:lstStyle>
+            <a:p>
+              <a:r>
+                <a:rPr sz="2400"/>
+                <a:t>Correct</a:t>
+              </a:r>
+            </a:p>
+          </p:txBody>
+        </p:sp>
+        <p:sp>
+          <p:nvSpPr>
+            <p:cNvPr id="1184" name="Line"/>
+            <p:cNvSpPr/>
+            <p:nvPr/>
+          </p:nvSpPr>
+          <p:spPr>
+            <a:xfrm flipH="1" flipV="1">
+              <a:off x="4521200" y="0"/>
+              <a:ext cx="3175" cy="6858000"/>
+            </a:xfrm>
+            <a:prstGeom prst="line">
+              <a:avLst/>
+            </a:prstGeom>
+            <a:noFill/>
+            <a:ln w="12700" cap="flat">
+              <a:solidFill>
+                <a:srgbClr val="000000"/>
+              </a:solidFill>
+              <a:prstDash val="solid"/>
+              <a:round/>
+              <a:tailEnd type="triangle" w="med" len="med"/>
+            </a:ln>
+            <a:effectLst/>
+          </p:spPr>
+          <p:txBody>
+            <a:bodyPr wrap="square" lIns="50800" tIns="50800" rIns="50800" bIns="50800" numCol="1" anchor="ctr">
+              <a:noAutofit/>
+            </a:bodyPr>
+            <a:lstStyle/>
+            <a:p>
+              <a:endParaRPr sz="900"/>
+            </a:p>
+          </p:txBody>
+        </p:sp>
+        <p:sp>
+          <p:nvSpPr>
+            <p:cNvPr id="1185" name="Margin"/>
+            <p:cNvSpPr/>
+            <p:nvPr/>
+          </p:nvSpPr>
+          <p:spPr>
+            <a:xfrm>
+              <a:off x="9293225" y="7038975"/>
+              <a:ext cx="1270000" cy="1270000"/>
+            </a:xfrm>
+            <a:prstGeom prst="line">
+              <a:avLst/>
+            </a:prstGeom>
+            <a:noFill/>
+            <a:ln w="25400" cap="flat">
+              <a:noFill/>
+              <a:miter lim="400000"/>
+            </a:ln>
+            <a:effectLst/>
+            <a:extLst>
+              <a:ext uri="{C572A759-6A51-4108-AA02-DFA0A04FC94B}">
+                <ma14:wrappingTextBoxFlag xmlns:ma14="http://schemas.microsoft.com/office/mac/drawingml/2011/main" xmlns:a14="http://schemas.microsoft.com/office/drawing/2010/main" xmlns:m="http://schemas.openxmlformats.org/officeDocument/2006/math" xmlns="" val="1"/>
+              </a:ext>
+            </a:extLst>
+          </p:spPr>
+          <p:txBody>
+            <a:bodyPr wrap="none" lIns="50800" tIns="50800" rIns="50800" bIns="50800" numCol="1" anchor="t">
+              <a:spAutoFit/>
+            </a:bodyPr>
+            <a:lstStyle>
+              <a:lvl1pPr marL="81279" marR="81279" defTabSz="1828800">
+                <a:buClr>
+                  <a:srgbClr val="434ED6"/>
+                </a:buClr>
+                <a:buFont typeface="Times New Roman"/>
+                <a:defRPr sz="4800">
+                  <a:solidFill>
+                    <a:srgbClr val="434ED6"/>
+                  </a:solidFill>
+                  <a:uFill>
+                    <a:solidFill>
+                      <a:srgbClr val="434ED6"/>
+                    </a:solidFill>
+                  </a:uFill>
+                  <a:latin typeface="+mn-lt"/>
+                  <a:ea typeface="+mn-ea"/>
+                  <a:cs typeface="+mn-cs"/>
+                  <a:sym typeface="Times New Roman"/>
+                </a:defRPr>
+              </a:lvl1pPr>
+            </a:lstStyle>
+            <a:p>
+              <a:r>
+                <a:rPr sz="2400"/>
+                <a:t>Margin</a:t>
+              </a:r>
+            </a:p>
+          </p:txBody>
+        </p:sp>
+        <p:sp>
+          <p:nvSpPr>
+            <p:cNvPr id="1186" name="Line"/>
+            <p:cNvSpPr/>
+            <p:nvPr/>
+          </p:nvSpPr>
+          <p:spPr>
+            <a:xfrm>
+              <a:off x="0" y="6927850"/>
+              <a:ext cx="10163175" cy="3175"/>
+            </a:xfrm>
+            <a:prstGeom prst="line">
+              <a:avLst/>
+            </a:prstGeom>
+            <a:noFill/>
+            <a:ln w="12700" cap="flat">
+              <a:solidFill>
+                <a:srgbClr val="000000"/>
+              </a:solidFill>
+              <a:prstDash val="solid"/>
+              <a:round/>
+              <a:tailEnd type="triangle" w="med" len="med"/>
+            </a:ln>
+            <a:effectLst/>
+          </p:spPr>
+          <p:txBody>
+            <a:bodyPr wrap="square" lIns="50800" tIns="50800" rIns="50800" bIns="50800" numCol="1" anchor="ctr">
+              <a:noAutofit/>
+            </a:bodyPr>
+            <a:lstStyle/>
+            <a:p>
+              <a:endParaRPr sz="900"/>
+            </a:p>
+          </p:txBody>
+        </p:sp>
+        <p:sp>
+          <p:nvSpPr>
+            <p:cNvPr id="1187" name="Rectangle"/>
+            <p:cNvSpPr/>
+            <p:nvPr/>
+          </p:nvSpPr>
+          <p:spPr>
+            <a:xfrm>
+              <a:off x="1727200" y="6702425"/>
+              <a:ext cx="431800" cy="225425"/>
+            </a:xfrm>
+            <a:prstGeom prst="rect">
+              <a:avLst/>
+            </a:prstGeom>
+            <a:solidFill>
+              <a:srgbClr val="00D2A9"/>
+            </a:solidFill>
+            <a:ln w="12700" cap="flat">
+              <a:solidFill>
+                <a:srgbClr val="434ED6"/>
+              </a:solidFill>
+              <a:prstDash val="solid"/>
+              <a:round/>
+            </a:ln>
+            <a:effectLst/>
+          </p:spPr>
+          <p:txBody>
+            <a:bodyPr wrap="square" lIns="50800" tIns="50800" rIns="50800" bIns="50800" numCol="1" anchor="ctr">
+              <a:noAutofit/>
+            </a:bodyPr>
+            <a:lstStyle/>
+            <a:p>
+              <a:pPr marL="40640" marR="40640">
+                <a:defRPr sz="4800">
+                  <a:uFill>
+                    <a:solidFill>
+                      <a:srgbClr val="000000"/>
+                    </a:solidFill>
+                  </a:uFill>
+                  <a:latin typeface="+mn-lt"/>
+                  <a:ea typeface="+mn-ea"/>
+                  <a:cs typeface="+mn-cs"/>
+                  <a:sym typeface="Times New Roman"/>
+                </a:defRPr>
+              </a:pPr>
+              <a:endParaRPr sz="2400"/>
+            </a:p>
+          </p:txBody>
+        </p:sp>
+        <p:sp>
+          <p:nvSpPr>
+            <p:cNvPr id="1188" name="Rectangle"/>
+            <p:cNvSpPr/>
+            <p:nvPr/>
+          </p:nvSpPr>
+          <p:spPr>
+            <a:xfrm>
+              <a:off x="3457575" y="6702425"/>
+              <a:ext cx="431800" cy="225425"/>
+            </a:xfrm>
+            <a:prstGeom prst="rect">
+              <a:avLst/>
+            </a:prstGeom>
+            <a:solidFill>
+              <a:srgbClr val="00D2A9"/>
+            </a:solidFill>
+            <a:ln w="12700" cap="flat">
+              <a:solidFill>
+                <a:srgbClr val="434ED6"/>
+              </a:solidFill>
+              <a:prstDash val="solid"/>
+              <a:round/>
+            </a:ln>
+            <a:effectLst/>
+          </p:spPr>
+          <p:txBody>
+            <a:bodyPr wrap="square" lIns="50800" tIns="50800" rIns="50800" bIns="50800" numCol="1" anchor="ctr">
+              <a:noAutofit/>
+            </a:bodyPr>
+            <a:lstStyle/>
+            <a:p>
+              <a:pPr marL="40640" marR="40640">
+                <a:defRPr sz="4800">
+                  <a:uFill>
+                    <a:solidFill>
+                      <a:srgbClr val="000000"/>
+                    </a:solidFill>
+                  </a:uFill>
+                  <a:latin typeface="+mn-lt"/>
+                  <a:ea typeface="+mn-ea"/>
+                  <a:cs typeface="+mn-cs"/>
+                  <a:sym typeface="Times New Roman"/>
+                </a:defRPr>
+              </a:pPr>
+              <a:endParaRPr sz="2400"/>
+            </a:p>
+          </p:txBody>
+        </p:sp>
+        <p:sp>
+          <p:nvSpPr>
+            <p:cNvPr id="1189" name="Rectangle"/>
+            <p:cNvSpPr/>
+            <p:nvPr/>
+          </p:nvSpPr>
+          <p:spPr>
+            <a:xfrm>
+              <a:off x="4540250" y="6369050"/>
+              <a:ext cx="431800" cy="558800"/>
+            </a:xfrm>
+            <a:prstGeom prst="rect">
+              <a:avLst/>
+            </a:prstGeom>
+            <a:solidFill>
+              <a:srgbClr val="00D2A9"/>
+            </a:solidFill>
+            <a:ln w="12700" cap="flat">
+              <a:solidFill>
+                <a:srgbClr val="434ED6"/>
+              </a:solidFill>
+              <a:prstDash val="solid"/>
+              <a:round/>
+            </a:ln>
+            <a:effectLst/>
+          </p:spPr>
+          <p:txBody>
+            <a:bodyPr wrap="square" lIns="50800" tIns="50800" rIns="50800" bIns="50800" numCol="1" anchor="ctr">
+              <a:noAutofit/>
+            </a:bodyPr>
+            <a:lstStyle/>
+            <a:p>
+              <a:pPr marL="40640" marR="40640">
+                <a:defRPr sz="4800">
+                  <a:uFill>
+                    <a:solidFill>
+                      <a:srgbClr val="000000"/>
+                    </a:solidFill>
+                  </a:uFill>
+                  <a:latin typeface="+mn-lt"/>
+                  <a:ea typeface="+mn-ea"/>
+                  <a:cs typeface="+mn-cs"/>
+                  <a:sym typeface="Times New Roman"/>
+                </a:defRPr>
+              </a:pPr>
+              <a:endParaRPr sz="2400"/>
+            </a:p>
+          </p:txBody>
+        </p:sp>
+        <p:sp>
+          <p:nvSpPr>
+            <p:cNvPr id="1190" name="Rectangle"/>
+            <p:cNvSpPr/>
+            <p:nvPr/>
+          </p:nvSpPr>
+          <p:spPr>
+            <a:xfrm>
+              <a:off x="4972050" y="5584825"/>
+              <a:ext cx="434975" cy="1343025"/>
+            </a:xfrm>
+            <a:prstGeom prst="rect">
+              <a:avLst/>
+            </a:prstGeom>
+            <a:solidFill>
+              <a:srgbClr val="00D2A9"/>
+            </a:solidFill>
+            <a:ln w="12700" cap="flat">
+              <a:solidFill>
+                <a:srgbClr val="434ED6"/>
+              </a:solidFill>
+              <a:prstDash val="solid"/>
+              <a:round/>
+            </a:ln>
+            <a:effectLst/>
+          </p:spPr>
+          <p:txBody>
+            <a:bodyPr wrap="square" lIns="50800" tIns="50800" rIns="50800" bIns="50800" numCol="1" anchor="ctr">
+              <a:noAutofit/>
+            </a:bodyPr>
+            <a:lstStyle/>
+            <a:p>
+              <a:pPr marL="40640" marR="40640">
+                <a:defRPr sz="4800">
+                  <a:uFill>
+                    <a:solidFill>
+                      <a:srgbClr val="000000"/>
+                    </a:solidFill>
+                  </a:uFill>
+                  <a:latin typeface="+mn-lt"/>
+                  <a:ea typeface="+mn-ea"/>
+                  <a:cs typeface="+mn-cs"/>
+                  <a:sym typeface="Times New Roman"/>
+                </a:defRPr>
+              </a:pPr>
+              <a:endParaRPr sz="2400"/>
+            </a:p>
+          </p:txBody>
+        </p:sp>
+        <p:sp>
+          <p:nvSpPr>
+            <p:cNvPr id="1191" name="Rectangle"/>
+            <p:cNvSpPr/>
+            <p:nvPr/>
+          </p:nvSpPr>
+          <p:spPr>
+            <a:xfrm>
+              <a:off x="7566025" y="6702425"/>
+              <a:ext cx="434975" cy="225425"/>
+            </a:xfrm>
+            <a:prstGeom prst="rect">
+              <a:avLst/>
+            </a:prstGeom>
+            <a:solidFill>
+              <a:srgbClr val="00D2A9"/>
+            </a:solidFill>
+            <a:ln w="12700" cap="flat">
+              <a:solidFill>
+                <a:srgbClr val="434ED6"/>
+              </a:solidFill>
+              <a:prstDash val="solid"/>
+              <a:round/>
+            </a:ln>
+            <a:effectLst/>
+          </p:spPr>
+          <p:txBody>
+            <a:bodyPr wrap="square" lIns="50800" tIns="50800" rIns="50800" bIns="50800" numCol="1" anchor="ctr">
+              <a:noAutofit/>
+            </a:bodyPr>
+            <a:lstStyle/>
+            <a:p>
+              <a:pPr marL="40640" marR="40640">
+                <a:defRPr sz="4800">
+                  <a:uFill>
+                    <a:solidFill>
+                      <a:srgbClr val="000000"/>
+                    </a:solidFill>
+                  </a:uFill>
+                  <a:latin typeface="+mn-lt"/>
+                  <a:ea typeface="+mn-ea"/>
+                  <a:cs typeface="+mn-cs"/>
+                  <a:sym typeface="Times New Roman"/>
+                </a:defRPr>
+              </a:pPr>
+              <a:endParaRPr sz="2400"/>
+            </a:p>
+          </p:txBody>
+        </p:sp>
+        <p:sp>
+          <p:nvSpPr>
+            <p:cNvPr id="1192" name="Rectangle"/>
+            <p:cNvSpPr/>
+            <p:nvPr/>
+          </p:nvSpPr>
+          <p:spPr>
+            <a:xfrm>
+              <a:off x="5407025" y="6032500"/>
+              <a:ext cx="428625" cy="895350"/>
+            </a:xfrm>
+            <a:prstGeom prst="rect">
+              <a:avLst/>
+            </a:prstGeom>
+            <a:solidFill>
+              <a:srgbClr val="00D2A9"/>
+            </a:solidFill>
+            <a:ln w="12700" cap="flat">
+              <a:solidFill>
+                <a:srgbClr val="434ED6"/>
+              </a:solidFill>
+              <a:prstDash val="solid"/>
+              <a:round/>
+            </a:ln>
+            <a:effectLst/>
+          </p:spPr>
+          <p:txBody>
+            <a:bodyPr wrap="square" lIns="50800" tIns="50800" rIns="50800" bIns="50800" numCol="1" anchor="ctr">
+              <a:noAutofit/>
+            </a:bodyPr>
+            <a:lstStyle/>
+            <a:p>
+              <a:pPr marL="40640" marR="40640">
+                <a:defRPr sz="4800">
+                  <a:uFill>
+                    <a:solidFill>
+                      <a:srgbClr val="000000"/>
+                    </a:solidFill>
+                  </a:uFill>
+                  <a:latin typeface="+mn-lt"/>
+                  <a:ea typeface="+mn-ea"/>
+                  <a:cs typeface="+mn-cs"/>
+                  <a:sym typeface="Times New Roman"/>
+                </a:defRPr>
+              </a:pPr>
+              <a:endParaRPr sz="2400"/>
+            </a:p>
+          </p:txBody>
+        </p:sp>
+        <p:sp>
+          <p:nvSpPr>
+            <p:cNvPr id="1193" name="Rectangle"/>
+            <p:cNvSpPr/>
+            <p:nvPr/>
+          </p:nvSpPr>
+          <p:spPr>
+            <a:xfrm>
+              <a:off x="5835650" y="5248275"/>
+              <a:ext cx="434975" cy="1679575"/>
+            </a:xfrm>
+            <a:prstGeom prst="rect">
+              <a:avLst/>
+            </a:prstGeom>
+            <a:solidFill>
+              <a:srgbClr val="00D2A9"/>
+            </a:solidFill>
+            <a:ln w="12700" cap="flat">
+              <a:solidFill>
+                <a:srgbClr val="434ED6"/>
+              </a:solidFill>
+              <a:prstDash val="solid"/>
+              <a:round/>
+            </a:ln>
+            <a:effectLst/>
+          </p:spPr>
+          <p:txBody>
+            <a:bodyPr wrap="square" lIns="50800" tIns="50800" rIns="50800" bIns="50800" numCol="1" anchor="ctr">
+              <a:noAutofit/>
+            </a:bodyPr>
+            <a:lstStyle/>
+            <a:p>
+              <a:pPr marL="40640" marR="40640">
+                <a:defRPr sz="4800">
+                  <a:uFill>
+                    <a:solidFill>
+                      <a:srgbClr val="000000"/>
+                    </a:solidFill>
+                  </a:uFill>
+                  <a:latin typeface="+mn-lt"/>
+                  <a:ea typeface="+mn-ea"/>
+                  <a:cs typeface="+mn-cs"/>
+                  <a:sym typeface="Times New Roman"/>
+                </a:defRPr>
+              </a:pPr>
+              <a:endParaRPr sz="2400"/>
+            </a:p>
+          </p:txBody>
+        </p:sp>
+        <p:sp>
+          <p:nvSpPr>
+            <p:cNvPr id="1194" name="Rectangle"/>
+            <p:cNvSpPr/>
+            <p:nvPr/>
+          </p:nvSpPr>
+          <p:spPr>
+            <a:xfrm>
+              <a:off x="6702425" y="6369050"/>
+              <a:ext cx="431800" cy="558800"/>
+            </a:xfrm>
+            <a:prstGeom prst="rect">
+              <a:avLst/>
+            </a:prstGeom>
+            <a:solidFill>
+              <a:srgbClr val="00D2A9"/>
+            </a:solidFill>
+            <a:ln w="12700" cap="flat">
+              <a:solidFill>
+                <a:srgbClr val="434ED6"/>
+              </a:solidFill>
+              <a:prstDash val="solid"/>
+              <a:round/>
+            </a:ln>
+            <a:effectLst/>
+          </p:spPr>
+          <p:txBody>
+            <a:bodyPr wrap="square" lIns="50800" tIns="50800" rIns="50800" bIns="50800" numCol="1" anchor="ctr">
+              <a:noAutofit/>
+            </a:bodyPr>
+            <a:lstStyle/>
+            <a:p>
+              <a:pPr marL="40640" marR="40640">
+                <a:defRPr sz="4800">
+                  <a:uFill>
+                    <a:solidFill>
+                      <a:srgbClr val="000000"/>
+                    </a:solidFill>
+                  </a:uFill>
+                  <a:latin typeface="+mn-lt"/>
+                  <a:ea typeface="+mn-ea"/>
+                  <a:cs typeface="+mn-cs"/>
+                  <a:sym typeface="Times New Roman"/>
+                </a:defRPr>
+              </a:pPr>
+              <a:endParaRPr sz="2400"/>
+            </a:p>
+          </p:txBody>
+        </p:sp>
+        <p:sp>
+          <p:nvSpPr>
+            <p:cNvPr id="1195" name="Rectangle"/>
+            <p:cNvSpPr/>
+            <p:nvPr/>
+          </p:nvSpPr>
+          <p:spPr>
+            <a:xfrm>
+              <a:off x="6270625" y="6032500"/>
+              <a:ext cx="431800" cy="895350"/>
+            </a:xfrm>
+            <a:prstGeom prst="rect">
+              <a:avLst/>
+            </a:prstGeom>
+            <a:solidFill>
+              <a:srgbClr val="00D2A9"/>
+            </a:solidFill>
+            <a:ln w="12700" cap="flat">
+              <a:solidFill>
+                <a:srgbClr val="434ED6"/>
+              </a:solidFill>
+              <a:prstDash val="solid"/>
+              <a:round/>
+            </a:ln>
+            <a:effectLst/>
+          </p:spPr>
+          <p:txBody>
+            <a:bodyPr wrap="square" lIns="50800" tIns="50800" rIns="50800" bIns="50800" numCol="1" anchor="ctr">
+              <a:noAutofit/>
+            </a:bodyPr>
+            <a:lstStyle/>
+            <a:p>
+              <a:pPr marL="40640" marR="40640">
+                <a:defRPr sz="4800">
+                  <a:uFill>
+                    <a:solidFill>
+                      <a:srgbClr val="000000"/>
+                    </a:solidFill>
+                  </a:uFill>
+                  <a:latin typeface="+mn-lt"/>
+                  <a:ea typeface="+mn-ea"/>
+                  <a:cs typeface="+mn-cs"/>
+                  <a:sym typeface="Times New Roman"/>
+                </a:defRPr>
+              </a:pPr>
+              <a:endParaRPr sz="2400"/>
+            </a:p>
+          </p:txBody>
+        </p:sp>
+        <p:sp>
+          <p:nvSpPr>
+            <p:cNvPr id="1196" name="Rectangle"/>
+            <p:cNvSpPr/>
+            <p:nvPr/>
+          </p:nvSpPr>
+          <p:spPr>
+            <a:xfrm>
+              <a:off x="8001000" y="6369050"/>
+              <a:ext cx="431800" cy="558800"/>
+            </a:xfrm>
+            <a:prstGeom prst="rect">
+              <a:avLst/>
+            </a:prstGeom>
+            <a:solidFill>
+              <a:srgbClr val="00D2A9"/>
+            </a:solidFill>
+            <a:ln w="12700" cap="flat">
+              <a:solidFill>
+                <a:srgbClr val="434ED6"/>
+              </a:solidFill>
+              <a:prstDash val="solid"/>
+              <a:round/>
+            </a:ln>
+            <a:effectLst/>
+          </p:spPr>
+          <p:txBody>
+            <a:bodyPr wrap="square" lIns="50800" tIns="50800" rIns="50800" bIns="50800" numCol="1" anchor="ctr">
+              <a:noAutofit/>
+            </a:bodyPr>
+            <a:lstStyle/>
+            <a:p>
+              <a:pPr marL="40640" marR="40640">
+                <a:defRPr sz="4800">
+                  <a:uFill>
+                    <a:solidFill>
+                      <a:srgbClr val="000000"/>
+                    </a:solidFill>
+                  </a:uFill>
+                  <a:latin typeface="+mn-lt"/>
+                  <a:ea typeface="+mn-ea"/>
+                  <a:cs typeface="+mn-cs"/>
+                  <a:sym typeface="Times New Roman"/>
+                </a:defRPr>
+              </a:pPr>
+              <a:endParaRPr sz="2400"/>
+            </a:p>
+          </p:txBody>
+        </p:sp>
+        <p:sp>
+          <p:nvSpPr>
+            <p:cNvPr id="1197" name="Line"/>
+            <p:cNvSpPr/>
+            <p:nvPr/>
+          </p:nvSpPr>
+          <p:spPr>
+            <a:xfrm rot="5400000" flipH="1">
+              <a:off x="6591276" y="5492567"/>
+              <a:ext cx="558801" cy="4324351"/>
+            </a:xfrm>
+            <a:custGeom>
+              <a:avLst/>
+              <a:gdLst/>
+              <a:ahLst/>
+              <a:cxnLst>
+                <a:cxn ang="0">
+                  <a:pos x="wd2" y="hd2"/>
+                </a:cxn>
+                <a:cxn ang="5400000">
+                  <a:pos x="wd2" y="hd2"/>
+                </a:cxn>
+                <a:cxn ang="10800000">
+                  <a:pos x="wd2" y="hd2"/>
+                </a:cxn>
+                <a:cxn ang="16200000">
+                  <a:pos x="wd2" y="hd2"/>
+                </a:cxn>
+              </a:cxnLst>
+              <a:rect l="0" t="0" r="r" b="b"/>
+              <a:pathLst>
+                <a:path w="21600" h="21600" extrusionOk="0">
+                  <a:moveTo>
+                    <a:pt x="21600" y="0"/>
+                  </a:moveTo>
+                  <a:cubicBezTo>
+                    <a:pt x="15635" y="0"/>
+                    <a:pt x="10800" y="806"/>
+                    <a:pt x="10800" y="1800"/>
+                  </a:cubicBezTo>
+                  <a:lnTo>
+                    <a:pt x="10800" y="9000"/>
+                  </a:lnTo>
+                  <a:cubicBezTo>
+                    <a:pt x="10800" y="9994"/>
+                    <a:pt x="5965" y="10800"/>
+                    <a:pt x="0" y="10800"/>
+                  </a:cubicBezTo>
+                  <a:cubicBezTo>
+                    <a:pt x="5965" y="10800"/>
+                    <a:pt x="10800" y="11606"/>
+                    <a:pt x="10800" y="12600"/>
+                  </a:cubicBezTo>
+                  <a:lnTo>
+                    <a:pt x="10800" y="19800"/>
+                  </a:lnTo>
+                  <a:cubicBezTo>
+                    <a:pt x="10800" y="20794"/>
+                    <a:pt x="15635" y="21600"/>
+                    <a:pt x="21600" y="21600"/>
+                  </a:cubicBezTo>
+                </a:path>
+              </a:pathLst>
+            </a:custGeom>
+            <a:noFill/>
+            <a:ln w="12700" cap="flat">
+              <a:solidFill>
+                <a:srgbClr val="434ED6"/>
+              </a:solidFill>
+              <a:prstDash val="solid"/>
+              <a:round/>
+            </a:ln>
+            <a:effectLst/>
+          </p:spPr>
+          <p:txBody>
+            <a:bodyPr wrap="square" lIns="50800" tIns="50800" rIns="50800" bIns="50800" numCol="1" anchor="ctr">
+              <a:noAutofit/>
+            </a:bodyPr>
+            <a:lstStyle/>
+            <a:p>
+              <a:pPr marL="40640" marR="40640">
+                <a:defRPr sz="4800">
+                  <a:uFill>
+                    <a:solidFill>
+                      <a:srgbClr val="000000"/>
+                    </a:solidFill>
+                  </a:uFill>
+                  <a:latin typeface="+mn-lt"/>
+                  <a:ea typeface="+mn-ea"/>
+                  <a:cs typeface="+mn-cs"/>
+                  <a:sym typeface="Times New Roman"/>
+                </a:defRPr>
+              </a:pPr>
+              <a:endParaRPr sz="2400"/>
+            </a:p>
+          </p:txBody>
+        </p:sp>
+        <p:sp>
+          <p:nvSpPr>
+            <p:cNvPr id="1198" name="Line"/>
+            <p:cNvSpPr/>
+            <p:nvPr/>
+          </p:nvSpPr>
+          <p:spPr>
+            <a:xfrm rot="5400000" flipH="1">
+              <a:off x="2006576" y="5156017"/>
+              <a:ext cx="558801" cy="4324351"/>
+            </a:xfrm>
+            <a:custGeom>
+              <a:avLst/>
+              <a:gdLst/>
+              <a:ahLst/>
+              <a:cxnLst>
+                <a:cxn ang="0">
+                  <a:pos x="wd2" y="hd2"/>
+                </a:cxn>
+                <a:cxn ang="5400000">
+                  <a:pos x="wd2" y="hd2"/>
+                </a:cxn>
+                <a:cxn ang="10800000">
+                  <a:pos x="wd2" y="hd2"/>
+                </a:cxn>
+                <a:cxn ang="16200000">
+                  <a:pos x="wd2" y="hd2"/>
+                </a:cxn>
+              </a:cxnLst>
+              <a:rect l="0" t="0" r="r" b="b"/>
+              <a:pathLst>
+                <a:path w="21600" h="21600" extrusionOk="0">
+                  <a:moveTo>
+                    <a:pt x="21600" y="0"/>
+                  </a:moveTo>
+                  <a:cubicBezTo>
+                    <a:pt x="15635" y="0"/>
+                    <a:pt x="10800" y="806"/>
+                    <a:pt x="10800" y="1800"/>
+                  </a:cubicBezTo>
+                  <a:lnTo>
+                    <a:pt x="10800" y="9000"/>
+                  </a:lnTo>
+                  <a:cubicBezTo>
+                    <a:pt x="10800" y="9994"/>
+                    <a:pt x="5965" y="10800"/>
+                    <a:pt x="0" y="10800"/>
+                  </a:cubicBezTo>
+                  <a:cubicBezTo>
+                    <a:pt x="5965" y="10800"/>
+                    <a:pt x="10800" y="11606"/>
+                    <a:pt x="10800" y="12600"/>
+                  </a:cubicBezTo>
+                  <a:lnTo>
+                    <a:pt x="10800" y="19800"/>
+                  </a:lnTo>
+                  <a:cubicBezTo>
+                    <a:pt x="10800" y="20794"/>
+                    <a:pt x="15635" y="21600"/>
+                    <a:pt x="21600" y="21600"/>
+                  </a:cubicBezTo>
+                </a:path>
+              </a:pathLst>
+            </a:custGeom>
+            <a:noFill/>
+            <a:ln w="12700" cap="flat">
+              <a:solidFill>
+                <a:srgbClr val="FF2C79"/>
+              </a:solidFill>
+              <a:prstDash val="solid"/>
+              <a:round/>
+            </a:ln>
+            <a:effectLst/>
+          </p:spPr>
+          <p:txBody>
+            <a:bodyPr wrap="square" lIns="50800" tIns="50800" rIns="50800" bIns="50800" numCol="1" anchor="ctr">
+              <a:noAutofit/>
+            </a:bodyPr>
+            <a:lstStyle/>
+            <a:p>
+              <a:pPr marL="40640" marR="40640">
+                <a:defRPr sz="4800">
+                  <a:uFill>
+                    <a:solidFill>
+                      <a:srgbClr val="000000"/>
+                    </a:solidFill>
+                  </a:uFill>
+                  <a:latin typeface="+mn-lt"/>
+                  <a:ea typeface="+mn-ea"/>
+                  <a:cs typeface="+mn-cs"/>
+                  <a:sym typeface="Times New Roman"/>
+                </a:defRPr>
+              </a:pPr>
+              <a:endParaRPr sz="2400"/>
+            </a:p>
+          </p:txBody>
+        </p:sp>
+        <p:sp>
+          <p:nvSpPr>
+            <p:cNvPr id="1199" name="Mistakes"/>
+            <p:cNvSpPr/>
+            <p:nvPr/>
+          </p:nvSpPr>
+          <p:spPr>
+            <a:xfrm>
+              <a:off x="1362075" y="7712075"/>
+              <a:ext cx="1270000" cy="1270000"/>
+            </a:xfrm>
+            <a:prstGeom prst="line">
+              <a:avLst/>
+            </a:prstGeom>
+            <a:noFill/>
+            <a:ln w="25400" cap="flat">
+              <a:noFill/>
+              <a:miter lim="400000"/>
+            </a:ln>
+            <a:effectLst/>
+            <a:extLst>
+              <a:ext uri="{C572A759-6A51-4108-AA02-DFA0A04FC94B}">
+                <ma14:wrappingTextBoxFlag xmlns:ma14="http://schemas.microsoft.com/office/mac/drawingml/2011/main" xmlns:a14="http://schemas.microsoft.com/office/drawing/2010/main" xmlns:m="http://schemas.openxmlformats.org/officeDocument/2006/math" xmlns="" val="1"/>
+              </a:ext>
+            </a:extLst>
+          </p:spPr>
+          <p:txBody>
+            <a:bodyPr wrap="none" lIns="50800" tIns="50800" rIns="50800" bIns="50800" numCol="1" anchor="t">
+              <a:spAutoFit/>
+            </a:bodyPr>
+            <a:lstStyle>
+              <a:lvl1pPr marL="81279" marR="81279" defTabSz="1828800">
+                <a:buClr>
+                  <a:srgbClr val="FF2C79"/>
+                </a:buClr>
+                <a:buFont typeface="Times New Roman"/>
+                <a:defRPr sz="4800">
+                  <a:solidFill>
+                    <a:srgbClr val="FF2C79"/>
+                  </a:solidFill>
+                  <a:uFill>
+                    <a:solidFill>
+                      <a:srgbClr val="FF2C79"/>
+                    </a:solidFill>
+                  </a:uFill>
+                  <a:latin typeface="+mn-lt"/>
+                  <a:ea typeface="+mn-ea"/>
+                  <a:cs typeface="+mn-cs"/>
+                  <a:sym typeface="Times New Roman"/>
+                </a:defRPr>
+              </a:lvl1pPr>
+            </a:lstStyle>
+            <a:p>
+              <a:r>
+                <a:rPr sz="2400"/>
+                <a:t>Mistakes</a:t>
+              </a:r>
+            </a:p>
+          </p:txBody>
+        </p:sp>
+      </p:grpSp>
+      <p:sp>
+        <p:nvSpPr>
+          <p:cNvPr id="1201" name="Line"/>
+          <p:cNvSpPr/>
+          <p:nvPr/>
+        </p:nvSpPr>
+        <p:spPr>
+          <a:xfrm flipH="1">
+            <a:off x="5003800" y="2051050"/>
+            <a:ext cx="4265613" cy="3543300"/>
+          </a:xfrm>
+          <a:custGeom>
+            <a:avLst/>
+            <a:gdLst/>
+            <a:ahLst/>
+            <a:cxnLst>
+              <a:cxn ang="0">
+                <a:pos x="wd2" y="hd2"/>
+              </a:cxn>
+              <a:cxn ang="5400000">
+                <a:pos x="wd2" y="hd2"/>
+              </a:cxn>
+              <a:cxn ang="10800000">
+                <a:pos x="wd2" y="hd2"/>
+              </a:cxn>
+              <a:cxn ang="16200000">
+                <a:pos x="wd2" y="hd2"/>
+              </a:cxn>
+            </a:cxnLst>
+            <a:rect l="0" t="0" r="r" b="b"/>
+            <a:pathLst>
+              <a:path w="21600" h="21600" extrusionOk="0">
+                <a:moveTo>
+                  <a:pt x="0" y="21600"/>
+                </a:moveTo>
+                <a:cubicBezTo>
+                  <a:pt x="1654" y="21344"/>
+                  <a:pt x="7132" y="21209"/>
+                  <a:pt x="9989" y="20065"/>
+                </a:cubicBezTo>
+                <a:cubicBezTo>
+                  <a:pt x="12846" y="18921"/>
+                  <a:pt x="15383" y="16740"/>
+                  <a:pt x="17154" y="14722"/>
+                </a:cubicBezTo>
+                <a:cubicBezTo>
+                  <a:pt x="18926" y="12704"/>
+                  <a:pt x="19868" y="10409"/>
+                  <a:pt x="20606" y="7958"/>
+                </a:cubicBezTo>
+                <a:cubicBezTo>
+                  <a:pt x="21345" y="5507"/>
+                  <a:pt x="21391" y="1656"/>
+                  <a:pt x="21600" y="0"/>
+                </a:cubicBezTo>
+              </a:path>
+            </a:pathLst>
+          </a:custGeom>
+          <a:ln w="50800">
+            <a:solidFill>
+              <a:srgbClr val="434ED6"/>
+            </a:solidFill>
+          </a:ln>
+        </p:spPr>
+        <p:txBody>
+          <a:bodyPr lIns="50800" tIns="50800" rIns="50800" bIns="50800" anchor="ctr"/>
+          <a:lstStyle/>
+          <a:p>
+            <a:pPr marL="40640" marR="40640">
+              <a:defRPr sz="4800">
+                <a:uFill>
+                  <a:solidFill>
+                    <a:srgbClr val="000000"/>
+                  </a:solidFill>
+                </a:uFill>
+                <a:latin typeface="+mn-lt"/>
+                <a:ea typeface="+mn-ea"/>
+                <a:cs typeface="+mn-cs"/>
+                <a:sym typeface="Times New Roman"/>
+              </a:defRPr>
+            </a:pPr>
+            <a:endParaRPr sz="2400"/>
+          </a:p>
+        </p:txBody>
+      </p:sp>
+      <p:grpSp>
+        <p:nvGrpSpPr>
+          <p:cNvPr id="1213" name="Group"/>
+          <p:cNvGrpSpPr/>
+          <p:nvPr/>
+        </p:nvGrpSpPr>
+        <p:grpSpPr>
+          <a:xfrm>
+            <a:off x="4469531" y="4482976"/>
+            <a:ext cx="3393640" cy="1020127"/>
+            <a:chOff x="0" y="0"/>
+            <a:chExt cx="6787278" cy="2040252"/>
+          </a:xfrm>
+        </p:grpSpPr>
+        <p:grpSp>
+          <p:nvGrpSpPr>
+            <p:cNvPr id="1209" name="Group"/>
+            <p:cNvGrpSpPr/>
+            <p:nvPr/>
+          </p:nvGrpSpPr>
+          <p:grpSpPr>
+            <a:xfrm>
+              <a:off x="0" y="-1"/>
+              <a:ext cx="6787279" cy="2040254"/>
+              <a:chOff x="0" y="0"/>
+              <a:chExt cx="6787278" cy="2040252"/>
+            </a:xfrm>
+          </p:grpSpPr>
+          <p:sp>
+            <p:nvSpPr>
+              <p:cNvPr id="1202" name="Arrow"/>
+              <p:cNvSpPr/>
+              <p:nvPr/>
+            </p:nvSpPr>
+            <p:spPr>
+              <a:xfrm>
+                <a:off x="6245211" y="984674"/>
+                <a:ext cx="542068" cy="527789"/>
+              </a:xfrm>
+              <a:prstGeom prst="rightArrow">
+                <a:avLst>
+                  <a:gd name="adj1" fmla="val 46890"/>
+                  <a:gd name="adj2" fmla="val 71883"/>
+                </a:avLst>
+              </a:prstGeom>
+              <a:blipFill rotWithShape="1">
+                <a:blip r:embed="rId2"/>
+                <a:srcRect/>
+                <a:tile tx="0" ty="0" sx="100000" sy="100000" flip="none" algn="tl"/>
+              </a:blipFill>
+              <a:ln w="25400" cap="flat">
+                <a:noFill/>
+                <a:miter lim="400000"/>
+              </a:ln>
+              <a:effectLst>
+                <a:outerShdw blurRad="76200" dist="50800" dir="5400000" rotWithShape="0">
+                  <a:srgbClr val="000000">
+                    <a:alpha val="50000"/>
+                  </a:srgbClr>
+                </a:outerShdw>
+              </a:effectLst>
+            </p:spPr>
+            <p:txBody>
+              <a:bodyPr wrap="square" lIns="50800" tIns="50800" rIns="50800" bIns="50800" numCol="1" anchor="ctr">
+                <a:noAutofit/>
+              </a:bodyPr>
+              <a:lstStyle/>
+              <a:p>
+                <a:pPr algn="ctr" defTabSz="406400">
+                  <a:defRPr sz="5600">
+                    <a:solidFill>
+                      <a:srgbClr val="FFFFFF"/>
+                    </a:solidFill>
+                    <a:effectLst>
+                      <a:outerShdw blurRad="38100" dist="12700" dir="5400000" rotWithShape="0">
+                        <a:srgbClr val="000000">
+                          <a:alpha val="50000"/>
+                        </a:srgbClr>
+                      </a:outerShdw>
+                    </a:effectLst>
+                    <a:latin typeface="+mj-lt"/>
+                    <a:ea typeface="+mj-ea"/>
+                    <a:cs typeface="+mj-cs"/>
+                    <a:sym typeface="Gill Sans"/>
+                  </a:defRPr>
+                </a:pPr>
+                <a:endParaRPr sz="2800"/>
+              </a:p>
+            </p:txBody>
+          </p:sp>
+          <p:sp>
+            <p:nvSpPr>
+              <p:cNvPr id="1203" name="Arrow"/>
+              <p:cNvSpPr/>
+              <p:nvPr/>
+            </p:nvSpPr>
+            <p:spPr>
+              <a:xfrm>
+                <a:off x="4942466" y="984674"/>
+                <a:ext cx="542068" cy="527789"/>
+              </a:xfrm>
+              <a:prstGeom prst="rightArrow">
+                <a:avLst>
+                  <a:gd name="adj1" fmla="val 46890"/>
+                  <a:gd name="adj2" fmla="val 71883"/>
+                </a:avLst>
+              </a:prstGeom>
+              <a:blipFill rotWithShape="1">
+                <a:blip r:embed="rId2"/>
+                <a:srcRect/>
+                <a:tile tx="0" ty="0" sx="100000" sy="100000" flip="none" algn="tl"/>
+              </a:blipFill>
+              <a:ln w="25400" cap="flat">
+                <a:noFill/>
+                <a:miter lim="400000"/>
+              </a:ln>
+              <a:effectLst>
+                <a:outerShdw blurRad="76200" dist="50800" dir="5400000" rotWithShape="0">
+                  <a:srgbClr val="000000">
+                    <a:alpha val="50000"/>
+                  </a:srgbClr>
+                </a:outerShdw>
+              </a:effectLst>
+            </p:spPr>
+            <p:txBody>
+              <a:bodyPr wrap="square" lIns="50800" tIns="50800" rIns="50800" bIns="50800" numCol="1" anchor="ctr">
+                <a:noAutofit/>
+              </a:bodyPr>
+              <a:lstStyle/>
+              <a:p>
+                <a:pPr algn="ctr" defTabSz="406400">
+                  <a:defRPr sz="5600">
+                    <a:solidFill>
+                      <a:srgbClr val="FFFFFF"/>
+                    </a:solidFill>
+                    <a:effectLst>
+                      <a:outerShdw blurRad="38100" dist="12700" dir="5400000" rotWithShape="0">
+                        <a:srgbClr val="000000">
+                          <a:alpha val="50000"/>
+                        </a:srgbClr>
+                      </a:outerShdw>
+                    </a:effectLst>
+                    <a:latin typeface="+mj-lt"/>
+                    <a:ea typeface="+mj-ea"/>
+                    <a:cs typeface="+mj-cs"/>
+                    <a:sym typeface="Gill Sans"/>
+                  </a:defRPr>
+                </a:pPr>
+                <a:endParaRPr sz="2800"/>
+              </a:p>
+            </p:txBody>
+          </p:sp>
+          <p:sp>
+            <p:nvSpPr>
+              <p:cNvPr id="1204" name="Arrow"/>
+              <p:cNvSpPr/>
+              <p:nvPr/>
+            </p:nvSpPr>
+            <p:spPr>
+              <a:xfrm>
+                <a:off x="4584700" y="487240"/>
+                <a:ext cx="715534" cy="527790"/>
+              </a:xfrm>
+              <a:prstGeom prst="rightArrow">
+                <a:avLst>
+                  <a:gd name="adj1" fmla="val 46890"/>
+                  <a:gd name="adj2" fmla="val 71883"/>
+                </a:avLst>
+              </a:prstGeom>
+              <a:blipFill rotWithShape="1">
+                <a:blip r:embed="rId2"/>
+                <a:srcRect/>
+                <a:tile tx="0" ty="0" sx="100000" sy="100000" flip="none" algn="tl"/>
+              </a:blipFill>
+              <a:ln w="25400" cap="flat">
+                <a:noFill/>
+                <a:miter lim="400000"/>
+              </a:ln>
+              <a:effectLst>
+                <a:outerShdw blurRad="76200" dist="50800" dir="5400000" rotWithShape="0">
+                  <a:srgbClr val="000000">
+                    <a:alpha val="50000"/>
+                  </a:srgbClr>
+                </a:outerShdw>
+              </a:effectLst>
+            </p:spPr>
+            <p:txBody>
+              <a:bodyPr wrap="square" lIns="50800" tIns="50800" rIns="50800" bIns="50800" numCol="1" anchor="ctr">
+                <a:noAutofit/>
+              </a:bodyPr>
+              <a:lstStyle/>
+              <a:p>
+                <a:pPr algn="ctr" defTabSz="406400">
+                  <a:defRPr sz="5600">
+                    <a:solidFill>
+                      <a:srgbClr val="FFFFFF"/>
+                    </a:solidFill>
+                    <a:effectLst>
+                      <a:outerShdw blurRad="38100" dist="12700" dir="5400000" rotWithShape="0">
+                        <a:srgbClr val="000000">
+                          <a:alpha val="50000"/>
+                        </a:srgbClr>
+                      </a:outerShdw>
+                    </a:effectLst>
+                    <a:latin typeface="+mj-lt"/>
+                    <a:ea typeface="+mj-ea"/>
+                    <a:cs typeface="+mj-cs"/>
+                    <a:sym typeface="Gill Sans"/>
+                  </a:defRPr>
+                </a:pPr>
+                <a:endParaRPr sz="2800"/>
+              </a:p>
+            </p:txBody>
+          </p:sp>
+          <p:sp>
+            <p:nvSpPr>
+              <p:cNvPr id="1205" name="Arrow"/>
+              <p:cNvSpPr/>
+              <p:nvPr/>
+            </p:nvSpPr>
+            <p:spPr>
+              <a:xfrm>
+                <a:off x="4118983" y="0"/>
+                <a:ext cx="542068" cy="527789"/>
+              </a:xfrm>
+              <a:prstGeom prst="rightArrow">
+                <a:avLst>
+                  <a:gd name="adj1" fmla="val 46890"/>
+                  <a:gd name="adj2" fmla="val 71883"/>
+                </a:avLst>
+              </a:prstGeom>
+              <a:blipFill rotWithShape="1">
+                <a:blip r:embed="rId2"/>
+                <a:srcRect/>
+                <a:tile tx="0" ty="0" sx="100000" sy="100000" flip="none" algn="tl"/>
+              </a:blipFill>
+              <a:ln w="25400" cap="flat">
+                <a:noFill/>
+                <a:miter lim="400000"/>
+              </a:ln>
+              <a:effectLst>
+                <a:outerShdw blurRad="76200" dist="50800" dir="5400000" rotWithShape="0">
+                  <a:srgbClr val="000000">
+                    <a:alpha val="50000"/>
+                  </a:srgbClr>
+                </a:outerShdw>
+              </a:effectLst>
+            </p:spPr>
+            <p:txBody>
+              <a:bodyPr wrap="square" lIns="50800" tIns="50800" rIns="50800" bIns="50800" numCol="1" anchor="ctr">
+                <a:noAutofit/>
+              </a:bodyPr>
+              <a:lstStyle/>
+              <a:p>
+                <a:pPr algn="ctr" defTabSz="406400">
+                  <a:defRPr sz="5600">
+                    <a:solidFill>
+                      <a:srgbClr val="FFFFFF"/>
+                    </a:solidFill>
+                    <a:effectLst>
+                      <a:outerShdw blurRad="38100" dist="12700" dir="5400000" rotWithShape="0">
+                        <a:srgbClr val="000000">
+                          <a:alpha val="50000"/>
+                        </a:srgbClr>
+                      </a:outerShdw>
+                    </a:effectLst>
+                    <a:latin typeface="+mj-lt"/>
+                    <a:ea typeface="+mj-ea"/>
+                    <a:cs typeface="+mj-cs"/>
+                    <a:sym typeface="Gill Sans"/>
+                  </a:defRPr>
+                </a:pPr>
+                <a:endParaRPr sz="2800"/>
+              </a:p>
+            </p:txBody>
+          </p:sp>
+          <p:sp>
+            <p:nvSpPr>
+              <p:cNvPr id="1206" name="Arrow"/>
+              <p:cNvSpPr/>
+              <p:nvPr/>
+            </p:nvSpPr>
+            <p:spPr>
+              <a:xfrm>
+                <a:off x="0" y="1512463"/>
+                <a:ext cx="715534" cy="527790"/>
+              </a:xfrm>
+              <a:prstGeom prst="rightArrow">
+                <a:avLst>
+                  <a:gd name="adj1" fmla="val 46890"/>
+                  <a:gd name="adj2" fmla="val 71883"/>
+                </a:avLst>
+              </a:prstGeom>
+              <a:blipFill rotWithShape="1">
+                <a:blip r:embed="rId2"/>
+                <a:srcRect/>
+                <a:tile tx="0" ty="0" sx="100000" sy="100000" flip="none" algn="tl"/>
+              </a:blipFill>
+              <a:ln w="25400" cap="flat">
+                <a:noFill/>
+                <a:miter lim="400000"/>
+              </a:ln>
+              <a:effectLst>
+                <a:outerShdw blurRad="76200" dist="50800" dir="5400000" rotWithShape="0">
+                  <a:srgbClr val="000000">
+                    <a:alpha val="50000"/>
+                  </a:srgbClr>
+                </a:outerShdw>
+              </a:effectLst>
+            </p:spPr>
+            <p:txBody>
+              <a:bodyPr wrap="square" lIns="50800" tIns="50800" rIns="50800" bIns="50800" numCol="1" anchor="ctr">
+                <a:noAutofit/>
+              </a:bodyPr>
+              <a:lstStyle/>
+              <a:p>
+                <a:pPr algn="ctr" defTabSz="406400">
+                  <a:defRPr sz="5600">
+                    <a:solidFill>
+                      <a:srgbClr val="FFFFFF"/>
+                    </a:solidFill>
+                    <a:effectLst>
+                      <a:outerShdw blurRad="38100" dist="12700" dir="5400000" rotWithShape="0">
+                        <a:srgbClr val="000000">
+                          <a:alpha val="50000"/>
+                        </a:srgbClr>
+                      </a:outerShdw>
+                    </a:effectLst>
+                    <a:latin typeface="+mj-lt"/>
+                    <a:ea typeface="+mj-ea"/>
+                    <a:cs typeface="+mj-cs"/>
+                    <a:sym typeface="Gill Sans"/>
+                  </a:defRPr>
+                </a:pPr>
+                <a:endParaRPr sz="2800"/>
+              </a:p>
+            </p:txBody>
+          </p:sp>
+          <p:sp>
+            <p:nvSpPr>
+              <p:cNvPr id="1207" name="Arrow"/>
+              <p:cNvSpPr/>
+              <p:nvPr/>
+            </p:nvSpPr>
+            <p:spPr>
+              <a:xfrm>
+                <a:off x="1714500" y="1512463"/>
+                <a:ext cx="715534" cy="527790"/>
+              </a:xfrm>
+              <a:prstGeom prst="rightArrow">
+                <a:avLst>
+                  <a:gd name="adj1" fmla="val 46890"/>
+                  <a:gd name="adj2" fmla="val 71883"/>
+                </a:avLst>
+              </a:prstGeom>
+              <a:blipFill rotWithShape="1">
+                <a:blip r:embed="rId2"/>
+                <a:srcRect/>
+                <a:tile tx="0" ty="0" sx="100000" sy="100000" flip="none" algn="tl"/>
+              </a:blipFill>
+              <a:ln w="25400" cap="flat">
+                <a:noFill/>
+                <a:miter lim="400000"/>
+              </a:ln>
+              <a:effectLst>
+                <a:outerShdw blurRad="76200" dist="50800" dir="5400000" rotWithShape="0">
+                  <a:srgbClr val="000000">
+                    <a:alpha val="50000"/>
+                  </a:srgbClr>
+                </a:outerShdw>
+              </a:effectLst>
+            </p:spPr>
+            <p:txBody>
+              <a:bodyPr wrap="square" lIns="50800" tIns="50800" rIns="50800" bIns="50800" numCol="1" anchor="ctr">
+                <a:noAutofit/>
+              </a:bodyPr>
+              <a:lstStyle/>
+              <a:p>
+                <a:pPr algn="ctr" defTabSz="406400">
+                  <a:defRPr sz="5600">
+                    <a:solidFill>
+                      <a:srgbClr val="FFFFFF"/>
+                    </a:solidFill>
+                    <a:effectLst>
+                      <a:outerShdw blurRad="38100" dist="12700" dir="5400000" rotWithShape="0">
+                        <a:srgbClr val="000000">
+                          <a:alpha val="50000"/>
+                        </a:srgbClr>
+                      </a:outerShdw>
+                    </a:effectLst>
+                    <a:latin typeface="+mj-lt"/>
+                    <a:ea typeface="+mj-ea"/>
+                    <a:cs typeface="+mj-cs"/>
+                    <a:sym typeface="Gill Sans"/>
+                  </a:defRPr>
+                </a:pPr>
+                <a:endParaRPr sz="2800"/>
+              </a:p>
+            </p:txBody>
+          </p:sp>
+          <p:sp>
+            <p:nvSpPr>
+              <p:cNvPr id="1208" name="Arrow"/>
+              <p:cNvSpPr/>
+              <p:nvPr/>
+            </p:nvSpPr>
+            <p:spPr>
+              <a:xfrm>
+                <a:off x="3202137" y="263894"/>
+                <a:ext cx="715535" cy="527790"/>
+              </a:xfrm>
+              <a:prstGeom prst="rightArrow">
+                <a:avLst>
+                  <a:gd name="adj1" fmla="val 46890"/>
+                  <a:gd name="adj2" fmla="val 71883"/>
+                </a:avLst>
+              </a:prstGeom>
+              <a:blipFill rotWithShape="1">
+                <a:blip r:embed="rId2"/>
+                <a:srcRect/>
+                <a:tile tx="0" ty="0" sx="100000" sy="100000" flip="none" algn="tl"/>
+              </a:blipFill>
+              <a:ln w="25400" cap="flat">
+                <a:noFill/>
+                <a:miter lim="400000"/>
+              </a:ln>
+              <a:effectLst>
+                <a:outerShdw blurRad="76200" dist="50800" dir="5400000" rotWithShape="0">
+                  <a:srgbClr val="000000">
+                    <a:alpha val="50000"/>
+                  </a:srgbClr>
+                </a:outerShdw>
+              </a:effectLst>
+            </p:spPr>
+            <p:txBody>
+              <a:bodyPr wrap="square" lIns="50800" tIns="50800" rIns="50800" bIns="50800" numCol="1" anchor="ctr">
+                <a:noAutofit/>
+              </a:bodyPr>
+              <a:lstStyle/>
+              <a:p>
+                <a:pPr algn="ctr" defTabSz="406400">
+                  <a:defRPr sz="5600">
+                    <a:solidFill>
+                      <a:srgbClr val="FFFFFF"/>
+                    </a:solidFill>
+                    <a:effectLst>
+                      <a:outerShdw blurRad="38100" dist="12700" dir="5400000" rotWithShape="0">
+                        <a:srgbClr val="000000">
+                          <a:alpha val="50000"/>
+                        </a:srgbClr>
+                      </a:outerShdw>
+                    </a:effectLst>
+                    <a:latin typeface="+mj-lt"/>
+                    <a:ea typeface="+mj-ea"/>
+                    <a:cs typeface="+mj-cs"/>
+                    <a:sym typeface="Gill Sans"/>
+                  </a:defRPr>
+                </a:pPr>
+                <a:endParaRPr sz="2800"/>
+              </a:p>
+            </p:txBody>
+          </p:sp>
+        </p:grpSp>
+        <p:sp>
+          <p:nvSpPr>
+            <p:cNvPr id="1210" name="Arrow"/>
+            <p:cNvSpPr/>
+            <p:nvPr/>
+          </p:nvSpPr>
+          <p:spPr>
+            <a:xfrm flipH="1">
+              <a:off x="2072266" y="1015030"/>
+              <a:ext cx="715534" cy="527790"/>
+            </a:xfrm>
+            <a:prstGeom prst="rightArrow">
+              <a:avLst>
+                <a:gd name="adj1" fmla="val 46890"/>
+                <a:gd name="adj2" fmla="val 71883"/>
+              </a:avLst>
+            </a:prstGeom>
+            <a:blipFill rotWithShape="1">
+              <a:blip r:embed="rId3"/>
+              <a:srcRect/>
+              <a:tile tx="0" ty="0" sx="100000" sy="100000" flip="none" algn="tl"/>
+            </a:blipFill>
+            <a:ln w="25400" cap="flat">
+              <a:noFill/>
+              <a:miter lim="400000"/>
+            </a:ln>
+            <a:effectLst>
+              <a:outerShdw blurRad="76200" dist="50800" dir="5400000" rotWithShape="0">
+                <a:srgbClr val="000000">
+                  <a:alpha val="50000"/>
+                </a:srgbClr>
+              </a:outerShdw>
+            </a:effectLst>
+          </p:spPr>
+          <p:txBody>
+            <a:bodyPr wrap="square" lIns="50800" tIns="50800" rIns="50800" bIns="50800" numCol="1" anchor="ctr">
+              <a:noAutofit/>
+            </a:bodyPr>
+            <a:lstStyle/>
+            <a:p>
+              <a:pPr algn="ctr" defTabSz="406400">
+                <a:defRPr sz="5600">
+                  <a:solidFill>
+                    <a:srgbClr val="FFFFFF"/>
+                  </a:solidFill>
+                  <a:effectLst>
+                    <a:outerShdw blurRad="38100" dist="12700" dir="5400000" rotWithShape="0">
+                      <a:srgbClr val="000000">
+                        <a:alpha val="50000"/>
+                      </a:srgbClr>
+                    </a:outerShdw>
+                  </a:effectLst>
+                  <a:latin typeface="+mj-lt"/>
+                  <a:ea typeface="+mj-ea"/>
+                  <a:cs typeface="+mj-cs"/>
+                  <a:sym typeface="Gill Sans"/>
+                </a:defRPr>
+              </a:pPr>
+              <a:endParaRPr sz="2800"/>
+            </a:p>
+          </p:txBody>
+        </p:sp>
+        <p:sp>
+          <p:nvSpPr>
+            <p:cNvPr id="1211" name="Arrow"/>
+            <p:cNvSpPr/>
+            <p:nvPr/>
+          </p:nvSpPr>
+          <p:spPr>
+            <a:xfrm flipH="1">
+              <a:off x="2924188" y="984674"/>
+              <a:ext cx="715535" cy="527789"/>
+            </a:xfrm>
+            <a:prstGeom prst="rightArrow">
+              <a:avLst>
+                <a:gd name="adj1" fmla="val 46890"/>
+                <a:gd name="adj2" fmla="val 71883"/>
+              </a:avLst>
+            </a:prstGeom>
+            <a:blipFill rotWithShape="1">
+              <a:blip r:embed="rId3"/>
+              <a:srcRect/>
+              <a:tile tx="0" ty="0" sx="100000" sy="100000" flip="none" algn="tl"/>
+            </a:blipFill>
+            <a:ln w="25400" cap="flat">
+              <a:noFill/>
+              <a:miter lim="400000"/>
+            </a:ln>
+            <a:effectLst>
+              <a:outerShdw blurRad="76200" dist="50800" dir="5400000" rotWithShape="0">
+                <a:srgbClr val="000000">
+                  <a:alpha val="50000"/>
+                </a:srgbClr>
+              </a:outerShdw>
+            </a:effectLst>
+          </p:spPr>
+          <p:txBody>
+            <a:bodyPr wrap="square" lIns="50800" tIns="50800" rIns="50800" bIns="50800" numCol="1" anchor="ctr">
+              <a:noAutofit/>
+            </a:bodyPr>
+            <a:lstStyle/>
+            <a:p>
+              <a:pPr algn="ctr" defTabSz="406400">
+                <a:defRPr sz="5600">
+                  <a:solidFill>
+                    <a:srgbClr val="FFFFFF"/>
+                  </a:solidFill>
+                  <a:effectLst>
+                    <a:outerShdw blurRad="38100" dist="12700" dir="5400000" rotWithShape="0">
+                      <a:srgbClr val="000000">
+                        <a:alpha val="50000"/>
+                      </a:srgbClr>
+                    </a:outerShdw>
+                  </a:effectLst>
+                  <a:latin typeface="+mj-lt"/>
+                  <a:ea typeface="+mj-ea"/>
+                  <a:cs typeface="+mj-cs"/>
+                  <a:sym typeface="Gill Sans"/>
+                </a:defRPr>
+              </a:pPr>
+              <a:endParaRPr sz="2800"/>
+            </a:p>
+          </p:txBody>
+        </p:sp>
+        <p:sp>
+          <p:nvSpPr>
+            <p:cNvPr id="1212" name="Arrow"/>
+            <p:cNvSpPr/>
+            <p:nvPr/>
+          </p:nvSpPr>
+          <p:spPr>
+            <a:xfrm flipH="1">
+              <a:off x="4729284" y="1512463"/>
+              <a:ext cx="1141899" cy="527790"/>
+            </a:xfrm>
+            <a:prstGeom prst="rightArrow">
+              <a:avLst>
+                <a:gd name="adj1" fmla="val 46890"/>
+                <a:gd name="adj2" fmla="val 71883"/>
+              </a:avLst>
+            </a:prstGeom>
+            <a:blipFill rotWithShape="1">
+              <a:blip r:embed="rId3"/>
+              <a:srcRect/>
+              <a:tile tx="0" ty="0" sx="100000" sy="100000" flip="none" algn="tl"/>
+            </a:blipFill>
+            <a:ln w="25400" cap="flat">
+              <a:noFill/>
+              <a:miter lim="400000"/>
+            </a:ln>
+            <a:effectLst>
+              <a:outerShdw blurRad="76200" dist="50800" dir="5400000" rotWithShape="0">
+                <a:srgbClr val="000000">
+                  <a:alpha val="50000"/>
+                </a:srgbClr>
+              </a:outerShdw>
+            </a:effectLst>
+          </p:spPr>
+          <p:txBody>
+            <a:bodyPr wrap="square" lIns="50800" tIns="50800" rIns="50800" bIns="50800" numCol="1" anchor="ctr">
+              <a:noAutofit/>
+            </a:bodyPr>
+            <a:lstStyle/>
+            <a:p>
+              <a:pPr algn="ctr" defTabSz="406400">
+                <a:defRPr sz="5600">
+                  <a:solidFill>
+                    <a:srgbClr val="FFFFFF"/>
+                  </a:solidFill>
+                  <a:effectLst>
+                    <a:outerShdw blurRad="38100" dist="12700" dir="5400000" rotWithShape="0">
+                      <a:srgbClr val="000000">
+                        <a:alpha val="50000"/>
+                      </a:srgbClr>
+                    </a:outerShdw>
+                  </a:effectLst>
+                  <a:latin typeface="+mj-lt"/>
+                  <a:ea typeface="+mj-ea"/>
+                  <a:cs typeface="+mj-cs"/>
+                  <a:sym typeface="Gill Sans"/>
+                </a:defRPr>
+              </a:pPr>
+              <a:endParaRPr sz="2800"/>
+            </a:p>
+          </p:txBody>
+        </p:sp>
+      </p:grpSp>
+      <p:pic>
+        <p:nvPicPr>
+          <p:cNvPr id="1214" name="MathTypeImage.pdf" descr="MathTypeImage.pdf"/>
+          <p:cNvPicPr>
+            <a:picLocks noChangeAspect="1"/>
+          </p:cNvPicPr>
+          <p:nvPr/>
+        </p:nvPicPr>
+        <p:blipFill>
+          <a:blip r:embed="rId4"/>
+          <a:stretch>
+            <a:fillRect/>
+          </a:stretch>
+        </p:blipFill>
+        <p:spPr>
+          <a:xfrm>
+            <a:off x="6592314" y="2065610"/>
+            <a:ext cx="4442696" cy="2580684"/>
+          </a:xfrm>
+          <a:prstGeom prst="rect">
+            <a:avLst/>
+          </a:prstGeom>
+          <a:ln w="25400">
+            <a:miter lim="400000"/>
+          </a:ln>
+        </p:spPr>
+      </p:pic>
+      <p:sp>
+        <p:nvSpPr>
+          <p:cNvPr id="1215" name="Also called Gentle-Boost and Logit Boost,  Hastie, Freedman &amp; Tibshirani"/>
+          <p:cNvSpPr txBox="1"/>
+          <p:nvPr/>
+        </p:nvSpPr>
+        <p:spPr>
+          <a:xfrm>
+            <a:off x="2618482" y="897651"/>
+            <a:ext cx="7538010" cy="333425"/>
+          </a:xfrm>
+          <a:prstGeom prst="rect">
+            <a:avLst/>
+          </a:prstGeom>
+          <a:ln w="25400">
+            <a:miter lim="400000"/>
+          </a:ln>
+          <a:extLst>
+            <a:ext uri="{C572A759-6A51-4108-AA02-DFA0A04FC94B}">
+              <ma14:wrappingTextBoxFlag xmlns:ma14="http://schemas.microsoft.com/office/mac/drawingml/2011/main" xmlns:a14="http://schemas.microsoft.com/office/drawing/2010/main" xmlns:m="http://schemas.openxmlformats.org/officeDocument/2006/math" xmlns="" val="1"/>
+            </a:ext>
+          </a:extLst>
+        </p:spPr>
+        <p:txBody>
+          <a:bodyPr lIns="50800" tIns="50800" rIns="50800" bIns="50800" anchor="ctr">
+            <a:spAutoFit/>
+          </a:bodyPr>
+          <a:lstStyle>
+            <a:lvl1pPr>
+              <a:defRPr sz="3000"/>
+            </a:lvl1pPr>
+          </a:lstStyle>
+          <a:p>
+            <a:r>
+              <a:rPr sz="1500"/>
+              <a:t>Also called Gentle-Boost and Logit Boost,  Hastie, Freedman &amp; Tibshirani</a:t>
+            </a:r>
+          </a:p>
+        </p:txBody>
+      </p:sp>
+      <p:sp>
+        <p:nvSpPr>
+          <p:cNvPr id="1216" name="Adaboost (loss and weight)"/>
+          <p:cNvSpPr txBox="1"/>
+          <p:nvPr/>
+        </p:nvSpPr>
+        <p:spPr>
+          <a:xfrm>
+            <a:off x="4775200" y="1593850"/>
+            <a:ext cx="3838230" cy="471924"/>
+          </a:xfrm>
+          <a:prstGeom prst="rect">
+            <a:avLst/>
+          </a:prstGeom>
+          <a:ln w="25400">
+            <a:miter lim="400000"/>
+          </a:ln>
+          <a:extLst>
+            <a:ext uri="{C572A759-6A51-4108-AA02-DFA0A04FC94B}">
+              <ma14:wrappingTextBoxFlag xmlns:ma14="http://schemas.microsoft.com/office/mac/drawingml/2011/main" xmlns:a14="http://schemas.microsoft.com/office/drawing/2010/main" xmlns:m="http://schemas.openxmlformats.org/officeDocument/2006/math" xmlns="" val="1"/>
+            </a:ext>
+          </a:extLst>
+        </p:spPr>
+        <p:txBody>
+          <a:bodyPr wrap="none" lIns="50800" tIns="50800" rIns="50800" bIns="50800">
+            <a:spAutoFit/>
+          </a:bodyPr>
+          <a:lstStyle>
+            <a:lvl1pPr marL="81279" marR="81279" defTabSz="1828800">
+              <a:buClr>
+                <a:srgbClr val="434ED6"/>
+              </a:buClr>
+              <a:buFont typeface="Times New Roman"/>
+              <a:defRPr sz="4800">
+                <a:solidFill>
+                  <a:srgbClr val="434ED6"/>
+                </a:solidFill>
+                <a:uFill>
+                  <a:solidFill>
+                    <a:srgbClr val="434ED6"/>
+                  </a:solidFill>
+                </a:uFill>
+                <a:latin typeface="+mn-lt"/>
+                <a:ea typeface="+mn-ea"/>
+                <a:cs typeface="+mn-cs"/>
+                <a:sym typeface="Times New Roman"/>
+              </a:defRPr>
+            </a:lvl1pPr>
+          </a:lstStyle>
+          <a:p>
+            <a:r>
+              <a:rPr sz="2400"/>
+              <a:t>Adaboost (loss and weight)</a:t>
+            </a:r>
+          </a:p>
+        </p:txBody>
+      </p:sp>
+      <p:grpSp>
+        <p:nvGrpSpPr>
+          <p:cNvPr id="1219" name="Group"/>
+          <p:cNvGrpSpPr/>
+          <p:nvPr/>
+        </p:nvGrpSpPr>
+        <p:grpSpPr>
+          <a:xfrm>
+            <a:off x="2209800" y="1593850"/>
+            <a:ext cx="7029451" cy="3978275"/>
+            <a:chOff x="0" y="0"/>
+            <a:chExt cx="14058900" cy="7956550"/>
+          </a:xfrm>
+        </p:grpSpPr>
+        <p:sp>
+          <p:nvSpPr>
+            <p:cNvPr id="1217" name="Line"/>
+            <p:cNvSpPr/>
+            <p:nvPr/>
+          </p:nvSpPr>
+          <p:spPr>
+            <a:xfrm flipH="1">
+              <a:off x="3048000" y="927100"/>
+              <a:ext cx="11010900" cy="7029450"/>
+            </a:xfrm>
+            <a:custGeom>
+              <a:avLst/>
+              <a:gdLst/>
+              <a:ahLst/>
+              <a:cxnLst>
+                <a:cxn ang="0">
+                  <a:pos x="wd2" y="hd2"/>
+                </a:cxn>
+                <a:cxn ang="5400000">
+                  <a:pos x="wd2" y="hd2"/>
+                </a:cxn>
+                <a:cxn ang="10800000">
+                  <a:pos x="wd2" y="hd2"/>
+                </a:cxn>
+                <a:cxn ang="16200000">
+                  <a:pos x="wd2" y="hd2"/>
+                </a:cxn>
+              </a:cxnLst>
+              <a:rect l="0" t="0" r="r" b="b"/>
+              <a:pathLst>
+                <a:path w="21600" h="21600" extrusionOk="0">
+                  <a:moveTo>
+                    <a:pt x="0" y="21600"/>
+                  </a:moveTo>
+                  <a:cubicBezTo>
+                    <a:pt x="1282" y="21342"/>
+                    <a:pt x="5527" y="21206"/>
+                    <a:pt x="7740" y="20053"/>
+                  </a:cubicBezTo>
+                  <a:cubicBezTo>
+                    <a:pt x="9954" y="18900"/>
+                    <a:pt x="11590" y="16787"/>
+                    <a:pt x="13292" y="14667"/>
+                  </a:cubicBezTo>
+                  <a:cubicBezTo>
+                    <a:pt x="14994" y="12547"/>
+                    <a:pt x="16570" y="9776"/>
+                    <a:pt x="17953" y="7334"/>
+                  </a:cubicBezTo>
+                  <a:cubicBezTo>
+                    <a:pt x="19336" y="4892"/>
+                    <a:pt x="20840" y="1525"/>
+                    <a:pt x="21600" y="0"/>
+                  </a:cubicBezTo>
+                </a:path>
+              </a:pathLst>
+            </a:custGeom>
+            <a:noFill/>
+            <a:ln w="50800" cap="flat">
+              <a:solidFill>
+                <a:srgbClr val="00D2A9"/>
+              </a:solidFill>
+              <a:prstDash val="solid"/>
+              <a:round/>
+            </a:ln>
+            <a:effectLst/>
+          </p:spPr>
+          <p:txBody>
+            <a:bodyPr wrap="square" lIns="50800" tIns="50800" rIns="50800" bIns="50800" numCol="1" anchor="ctr">
+              <a:noAutofit/>
+            </a:bodyPr>
+            <a:lstStyle/>
+            <a:p>
+              <a:pPr marL="40640" marR="40640">
+                <a:defRPr sz="4800">
+                  <a:uFill>
+                    <a:solidFill>
+                      <a:srgbClr val="000000"/>
+                    </a:solidFill>
+                  </a:uFill>
+                  <a:latin typeface="+mn-lt"/>
+                  <a:ea typeface="+mn-ea"/>
+                  <a:cs typeface="+mn-cs"/>
+                  <a:sym typeface="Times New Roman"/>
+                </a:defRPr>
+              </a:pPr>
+              <a:endParaRPr sz="2400"/>
+            </a:p>
+          </p:txBody>
+        </p:sp>
+        <p:sp>
+          <p:nvSpPr>
+            <p:cNvPr id="1218" name="Logitboost loss"/>
+            <p:cNvSpPr txBox="1"/>
+            <p:nvPr/>
+          </p:nvSpPr>
+          <p:spPr>
+            <a:xfrm>
+              <a:off x="0" y="0"/>
+              <a:ext cx="4567789" cy="943848"/>
+            </a:xfrm>
+            <a:prstGeom prst="rect">
+              <a:avLst/>
+            </a:prstGeom>
+            <a:noFill/>
+            <a:ln w="25400" cap="flat">
+              <a:noFill/>
+              <a:miter lim="400000"/>
+            </a:ln>
+            <a:effectLst/>
+            <a:extLst>
+              <a:ext uri="{C572A759-6A51-4108-AA02-DFA0A04FC94B}">
+                <ma14:wrappingTextBoxFlag xmlns:ma14="http://schemas.microsoft.com/office/mac/drawingml/2011/main" xmlns:a14="http://schemas.microsoft.com/office/drawing/2010/main" xmlns:m="http://schemas.openxmlformats.org/officeDocument/2006/math" xmlns="" val="1"/>
+              </a:ext>
+            </a:extLst>
+          </p:spPr>
+          <p:txBody>
+            <a:bodyPr wrap="none" lIns="50800" tIns="50800" rIns="50800" bIns="50800" numCol="1" anchor="t">
+              <a:spAutoFit/>
+            </a:bodyPr>
+            <a:lstStyle>
+              <a:lvl1pPr marL="81279" marR="81279" defTabSz="1828800">
+                <a:buClr>
+                  <a:srgbClr val="434ED6"/>
+                </a:buClr>
+                <a:buFont typeface="Times New Roman"/>
+                <a:defRPr sz="4800">
+                  <a:solidFill>
+                    <a:schemeClr val="accent2"/>
+                  </a:solidFill>
+                  <a:uFill>
+                    <a:solidFill>
+                      <a:srgbClr val="434ED6"/>
+                    </a:solidFill>
+                  </a:uFill>
+                  <a:latin typeface="+mn-lt"/>
+                  <a:ea typeface="+mn-ea"/>
+                  <a:cs typeface="+mn-cs"/>
+                  <a:sym typeface="Times New Roman"/>
+                </a:defRPr>
+              </a:lvl1pPr>
+            </a:lstStyle>
+            <a:p>
+              <a:r>
+                <a:rPr sz="2400"/>
+                <a:t>Logitboost loss</a:t>
+              </a:r>
+            </a:p>
+          </p:txBody>
+        </p:sp>
+      </p:grpSp>
+      <p:pic>
+        <p:nvPicPr>
+          <p:cNvPr id="1220" name="MathTypeImage.pdf" descr="MathTypeImage.pdf"/>
+          <p:cNvPicPr>
+            <a:picLocks noChangeAspect="1"/>
+          </p:cNvPicPr>
+          <p:nvPr/>
+        </p:nvPicPr>
+        <p:blipFill>
+          <a:blip r:embed="rId5"/>
+          <a:stretch>
+            <a:fillRect/>
+          </a:stretch>
+        </p:blipFill>
+        <p:spPr>
+          <a:xfrm>
+            <a:off x="1595997" y="2389789"/>
+            <a:ext cx="3393784" cy="2136827"/>
+          </a:xfrm>
+          <a:prstGeom prst="rect">
+            <a:avLst/>
+          </a:prstGeom>
+          <a:ln w="25400">
+            <a:miter lim="400000"/>
+          </a:ln>
+        </p:spPr>
+      </p:pic>
+      <p:grpSp>
+        <p:nvGrpSpPr>
+          <p:cNvPr id="1223" name="Group"/>
+          <p:cNvGrpSpPr/>
+          <p:nvPr/>
+        </p:nvGrpSpPr>
+        <p:grpSpPr>
+          <a:xfrm>
+            <a:off x="1878475" y="4389917"/>
+            <a:ext cx="8192046" cy="1200929"/>
+            <a:chOff x="0" y="0"/>
+            <a:chExt cx="16384089" cy="2401856"/>
+          </a:xfrm>
+        </p:grpSpPr>
+        <p:sp>
+          <p:nvSpPr>
+            <p:cNvPr id="1221" name="Line"/>
+            <p:cNvSpPr/>
+            <p:nvPr/>
+          </p:nvSpPr>
+          <p:spPr>
+            <a:xfrm>
+              <a:off x="0" y="0"/>
+              <a:ext cx="16384090" cy="2401857"/>
+            </a:xfrm>
+            <a:custGeom>
+              <a:avLst/>
+              <a:gdLst/>
+              <a:ahLst/>
+              <a:cxnLst>
+                <a:cxn ang="0">
+                  <a:pos x="wd2" y="hd2"/>
+                </a:cxn>
+                <a:cxn ang="5400000">
+                  <a:pos x="wd2" y="hd2"/>
+                </a:cxn>
+                <a:cxn ang="10800000">
+                  <a:pos x="wd2" y="hd2"/>
+                </a:cxn>
+                <a:cxn ang="16200000">
+                  <a:pos x="wd2" y="hd2"/>
+                </a:cxn>
+              </a:cxnLst>
+              <a:rect l="0" t="0" r="r" b="b"/>
+              <a:pathLst>
+                <a:path w="21600" h="21374" extrusionOk="0">
+                  <a:moveTo>
+                    <a:pt x="21600" y="21327"/>
+                  </a:moveTo>
+                  <a:cubicBezTo>
+                    <a:pt x="19022" y="21512"/>
+                    <a:pt x="16443" y="21147"/>
+                    <a:pt x="13868" y="20233"/>
+                  </a:cubicBezTo>
+                  <a:cubicBezTo>
+                    <a:pt x="13222" y="20004"/>
+                    <a:pt x="12568" y="19726"/>
+                    <a:pt x="11961" y="18220"/>
+                  </a:cubicBezTo>
+                  <a:cubicBezTo>
+                    <a:pt x="11316" y="16615"/>
+                    <a:pt x="10768" y="13738"/>
+                    <a:pt x="10209" y="11020"/>
+                  </a:cubicBezTo>
+                  <a:cubicBezTo>
+                    <a:pt x="9789" y="8983"/>
+                    <a:pt x="9359" y="7027"/>
+                    <a:pt x="8895" y="5509"/>
+                  </a:cubicBezTo>
+                  <a:cubicBezTo>
+                    <a:pt x="8316" y="3618"/>
+                    <a:pt x="7696" y="2443"/>
+                    <a:pt x="7063" y="1688"/>
+                  </a:cubicBezTo>
+                  <a:cubicBezTo>
+                    <a:pt x="6249" y="716"/>
+                    <a:pt x="5421" y="451"/>
+                    <a:pt x="4595" y="273"/>
+                  </a:cubicBezTo>
+                  <a:cubicBezTo>
+                    <a:pt x="3064" y="-56"/>
+                    <a:pt x="1531" y="-88"/>
+                    <a:pt x="0" y="176"/>
+                  </a:cubicBezTo>
+                </a:path>
+              </a:pathLst>
+            </a:custGeom>
+            <a:noFill/>
+            <a:ln w="50800" cap="flat">
+              <a:solidFill>
+                <a:schemeClr val="accent6">
+                  <a:satOff val="24555"/>
+                  <a:lumOff val="22232"/>
+                </a:schemeClr>
+              </a:solidFill>
+              <a:prstDash val="solid"/>
+              <a:miter lim="400000"/>
+            </a:ln>
+            <a:effectLst>
+              <a:reflection stA="50000" endPos="40000" dir="5400000" sy="-100000" algn="bl" rotWithShape="0"/>
+            </a:effectLst>
+          </p:spPr>
+          <p:txBody>
+            <a:bodyPr wrap="square" lIns="50800" tIns="50800" rIns="50800" bIns="50800" numCol="1" anchor="ctr">
+              <a:noAutofit/>
+            </a:bodyPr>
+            <a:lstStyle/>
+            <a:p>
+              <a:pPr algn="ctr" defTabSz="406400">
+                <a:defRPr sz="5600">
+                  <a:solidFill>
+                    <a:srgbClr val="FFFFFF"/>
+                  </a:solidFill>
+                  <a:effectLst>
+                    <a:outerShdw blurRad="38100" dist="12700" dir="5400000" rotWithShape="0">
+                      <a:srgbClr val="000000">
+                        <a:alpha val="50000"/>
+                      </a:srgbClr>
+                    </a:outerShdw>
+                  </a:effectLst>
+                  <a:latin typeface="+mj-lt"/>
+                  <a:ea typeface="+mj-ea"/>
+                  <a:cs typeface="+mj-cs"/>
+                  <a:sym typeface="Gill Sans"/>
+                </a:defRPr>
+              </a:pPr>
+              <a:endParaRPr sz="2800"/>
+            </a:p>
+          </p:txBody>
+        </p:sp>
+        <p:sp>
+          <p:nvSpPr>
+            <p:cNvPr id="1222" name="Logitboost weight"/>
+            <p:cNvSpPr/>
+            <p:nvPr/>
+          </p:nvSpPr>
+          <p:spPr>
+            <a:xfrm>
+              <a:off x="1201745" y="186117"/>
+              <a:ext cx="1270001" cy="1270001"/>
+            </a:xfrm>
+            <a:prstGeom prst="line">
+              <a:avLst/>
+            </a:prstGeom>
+            <a:noFill/>
+            <a:ln w="25400" cap="flat">
+              <a:noFill/>
+              <a:miter lim="400000"/>
+            </a:ln>
+            <a:effectLst/>
+            <a:extLst>
+              <a:ext uri="{C572A759-6A51-4108-AA02-DFA0A04FC94B}">
+                <ma14:wrappingTextBoxFlag xmlns:ma14="http://schemas.microsoft.com/office/mac/drawingml/2011/main" xmlns:a14="http://schemas.microsoft.com/office/drawing/2010/main" xmlns:m="http://schemas.openxmlformats.org/officeDocument/2006/math" xmlns="" val="1"/>
+              </a:ext>
+            </a:extLst>
+          </p:spPr>
+          <p:txBody>
+            <a:bodyPr wrap="none" lIns="50800" tIns="50800" rIns="50800" bIns="50800" numCol="1" anchor="t">
+              <a:spAutoFit/>
+            </a:bodyPr>
+            <a:lstStyle>
+              <a:lvl1pPr marL="81279" marR="81279" defTabSz="1828800">
+                <a:buClr>
+                  <a:srgbClr val="434ED6"/>
+                </a:buClr>
+                <a:buFont typeface="Times New Roman"/>
+                <a:defRPr sz="4800">
+                  <a:solidFill>
+                    <a:schemeClr val="accent6"/>
+                  </a:solidFill>
+                  <a:uFill>
+                    <a:solidFill>
+                      <a:srgbClr val="434ED6"/>
+                    </a:solidFill>
+                  </a:uFill>
+                  <a:latin typeface="+mn-lt"/>
+                  <a:ea typeface="+mn-ea"/>
+                  <a:cs typeface="+mn-cs"/>
+                  <a:sym typeface="Times New Roman"/>
+                </a:defRPr>
+              </a:lvl1pPr>
+            </a:lstStyle>
+            <a:p>
+              <a:r>
+                <a:rPr sz="2400"/>
+                <a:t>Logitboost weight</a:t>
+              </a:r>
+            </a:p>
+          </p:txBody>
+        </p:sp>
+      </p:grpSp>
+    </p:spTree>
+  </p:cSld>
+  <p:clrMapOvr>
+    <a:masterClrMapping/>
+  </p:clrMapOvr>
+  <p:transition spd="med"/>
+  <p:timing>
+    <p:tnLst>
+      <p:par>
+        <p:cTn id="1" dur="indefinite" restart="never" fill="hold" nodeType="tmRoot">
+          <p:childTnLst>
+            <p:seq concurrent="1" prevAc="none" nextAc="seek">
+              <p:cTn id="2" dur="indefinite" fill="hold" nodeType="mainSeq">
+                <p:childTnLst>
+                  <p:par>
+                    <p:cTn id="3" fill="hold">
+                      <p:stCondLst>
+                        <p:cond delay="indefinite"/>
+                      </p:stCondLst>
+                      <p:childTnLst>
+                        <p:par>
+                          <p:cTn id="4" fill="hold">
+                            <p:stCondLst>
+                              <p:cond delay="0"/>
+                            </p:stCondLst>
+                            <p:childTnLst>
+                              <p:par>
+                                <p:cTn id="5" presetID="22" presetClass="entr" presetSubtype="8" fill="hold" grpId="0" nodeType="clickEffect">
+                                  <p:stCondLst>
+                                    <p:cond delay="0"/>
+                                  </p:stCondLst>
+                                  <p:iterate>
+                                    <p:tmAbs val="0"/>
+                                  </p:iterate>
+                                  <p:childTnLst>
+                                    <p:set>
+                                      <p:cBhvr>
+                                        <p:cTn id="6" fill="hold"/>
+                                        <p:tgtEl>
+                                          <p:spTgt spid="1220"/>
+                                        </p:tgtEl>
+                                        <p:attrNameLst>
+                                          <p:attrName>style.visibility</p:attrName>
+                                        </p:attrNameLst>
+                                      </p:cBhvr>
+                                      <p:to>
+                                        <p:strVal val="visible"/>
+                                      </p:to>
+                                    </p:set>
+                                    <p:animEffect transition="in" filter="wipe(left)">
+                                      <p:cBhvr>
+                                        <p:cTn id="7" dur="1000"/>
+                                        <p:tgtEl>
+                                          <p:spTgt spid="1220"/>
+                                        </p:tgtEl>
+                                      </p:cBhvr>
+                                    </p:animEffect>
+                                  </p:childTnLst>
+                                </p:cTn>
+                              </p:par>
+                            </p:childTnLst>
+                          </p:cTn>
+                        </p:par>
+                      </p:childTnLst>
+                    </p:cTn>
+                  </p:par>
+                  <p:par>
+                    <p:cTn id="8" fill="hold">
+                      <p:stCondLst>
+                        <p:cond delay="indefinite"/>
+                      </p:stCondLst>
+                      <p:childTnLst>
+                        <p:par>
+                          <p:cTn id="9" fill="hold">
+                            <p:stCondLst>
+                              <p:cond delay="0"/>
+                            </p:stCondLst>
+                            <p:childTnLst>
+                              <p:par>
+                                <p:cTn id="10" presetID="22" presetClass="entr" presetSubtype="8" fill="hold" grpId="0" nodeType="clickEffect">
+                                  <p:stCondLst>
+                                    <p:cond delay="0"/>
+                                  </p:stCondLst>
+                                  <p:iterate>
+                                    <p:tmAbs val="0"/>
+                                  </p:iterate>
+                                  <p:childTnLst>
+                                    <p:set>
+                                      <p:cBhvr>
+                                        <p:cTn id="11" fill="hold"/>
+                                        <p:tgtEl>
+                                          <p:spTgt spid="1219"/>
+                                        </p:tgtEl>
+                                        <p:attrNameLst>
+                                          <p:attrName>style.visibility</p:attrName>
+                                        </p:attrNameLst>
+                                      </p:cBhvr>
+                                      <p:to>
+                                        <p:strVal val="visible"/>
+                                      </p:to>
+                                    </p:set>
+                                    <p:animEffect transition="in" filter="wipe(left)">
+                                      <p:cBhvr>
+                                        <p:cTn id="12" dur="1000"/>
+                                        <p:tgtEl>
+                                          <p:spTgt spid="1219"/>
+                                        </p:tgtEl>
+                                      </p:cBhvr>
+                                    </p:animEffect>
+                                  </p:childTnLst>
+                                </p:cTn>
+                              </p:par>
+                            </p:childTnLst>
+                          </p:cTn>
+                        </p:par>
+                      </p:childTnLst>
+                    </p:cTn>
+                  </p:par>
+                  <p:par>
+                    <p:cTn id="13" fill="hold">
+                      <p:stCondLst>
+                        <p:cond delay="indefinite"/>
+                      </p:stCondLst>
+                      <p:childTnLst>
+                        <p:par>
+                          <p:cTn id="14" fill="hold">
+                            <p:stCondLst>
+                              <p:cond delay="0"/>
+                            </p:stCondLst>
+                            <p:childTnLst>
+                              <p:par>
+                                <p:cTn id="15" presetID="22" presetClass="entr" presetSubtype="8" fill="hold" grpId="0" nodeType="clickEffect">
+                                  <p:stCondLst>
+                                    <p:cond delay="0"/>
+                                  </p:stCondLst>
+                                  <p:iterate>
+                                    <p:tmAbs val="0"/>
+                                  </p:iterate>
+                                  <p:childTnLst>
+                                    <p:set>
+                                      <p:cBhvr>
+                                        <p:cTn id="16" fill="hold"/>
+                                        <p:tgtEl>
+                                          <p:spTgt spid="1214"/>
+                                        </p:tgtEl>
+                                        <p:attrNameLst>
+                                          <p:attrName>style.visibility</p:attrName>
+                                        </p:attrNameLst>
+                                      </p:cBhvr>
+                                      <p:to>
+                                        <p:strVal val="visible"/>
+                                      </p:to>
+                                    </p:set>
+                                    <p:animEffect transition="in" filter="wipe(left)">
+                                      <p:cBhvr>
+                                        <p:cTn id="17" dur="1000"/>
+                                        <p:tgtEl>
+                                          <p:spTgt spid="1214"/>
+                                        </p:tgtEl>
+                                      </p:cBhvr>
+                                    </p:animEffect>
+                                  </p:childTnLst>
+                                </p:cTn>
+                              </p:par>
+                            </p:childTnLst>
+                          </p:cTn>
+                        </p:par>
+                      </p:childTnLst>
+                    </p:cTn>
+                  </p:par>
+                  <p:par>
+                    <p:cTn id="18" fill="hold">
+                      <p:stCondLst>
+                        <p:cond delay="indefinite"/>
+                      </p:stCondLst>
+                      <p:childTnLst>
+                        <p:par>
+                          <p:cTn id="19" fill="hold">
+                            <p:stCondLst>
+                              <p:cond delay="0"/>
+                            </p:stCondLst>
+                            <p:childTnLst>
+                              <p:par>
+                                <p:cTn id="20" presetID="22" presetClass="entr" presetSubtype="8" fill="hold" grpId="0" nodeType="clickEffect">
+                                  <p:stCondLst>
+                                    <p:cond delay="0"/>
+                                  </p:stCondLst>
+                                  <p:iterate>
+                                    <p:tmAbs val="0"/>
+                                  </p:iterate>
+                                  <p:childTnLst>
+                                    <p:set>
+                                      <p:cBhvr>
+                                        <p:cTn id="21" fill="hold"/>
+                                        <p:tgtEl>
+                                          <p:spTgt spid="1223"/>
+                                        </p:tgtEl>
+                                        <p:attrNameLst>
+                                          <p:attrName>style.visibility</p:attrName>
+                                        </p:attrNameLst>
+                                      </p:cBhvr>
+                                      <p:to>
+                                        <p:strVal val="visible"/>
+                                      </p:to>
+                                    </p:set>
+                                    <p:animEffect transition="in" filter="wipe(left)">
+                                      <p:cBhvr>
+                                        <p:cTn id="22" dur="1000"/>
+                                        <p:tgtEl>
+                                          <p:spTgt spid="1223"/>
+                                        </p:tgtEl>
+                                      </p:cBhvr>
+                                    </p:animEffect>
+                                  </p:childTnLst>
+                                </p:cTn>
+                              </p:par>
+                            </p:childTnLst>
+                          </p:cTn>
+                        </p:par>
+                      </p:childTnLst>
+                    </p:cTn>
+                  </p:par>
+                </p:childTnLst>
+              </p:cTn>
+              <p:prevCondLst>
+                <p:cond evt="onPrev" delay="0">
+                  <p:tgtEl>
+                    <p:sldTgt/>
+                  </p:tgtEl>
+                </p:cond>
+              </p:prevCondLst>
+              <p:nextCondLst>
+                <p:cond evt="onNext" delay="0">
+                  <p:tgtEl>
+                    <p:sldTgt/>
+                  </p:tgtEl>
+                </p:cond>
+              </p:nextCondLst>
+            </p:seq>
+          </p:childTnLst>
+        </p:cTn>
+      </p:par>
+    </p:tnLst>
+    <p:bldLst>
+      <p:bldP spid="1214" grpId="0" animBg="1" advAuto="0"/>
+      <p:bldP spid="1219" grpId="0" animBg="1" advAuto="0"/>
+      <p:bldP spid="1220" grpId="0" animBg="1" advAuto="0"/>
+      <p:bldP spid="1223" grpId="0" animBg="1" advAuto="0"/>
+    </p:bldLst>
+  </p:timing>
+</p:sld>
+</file>
+
 <file path=ppt/theme/theme1.xml><?xml version="1.0" encoding="utf-8"?>
 <a:theme xmlns:a="http://schemas.openxmlformats.org/drawingml/2006/main" name="Office Theme">
   <a:themeElements>
